--- a/2025/2025-09-26-AI-Updates.pptx
+++ b/2025/2025-09-26-AI-Updates.pptx
@@ -5,7 +5,7 @@
     <p:sldMasterId id="2147483661" r:id="rId1"/>
   </p:sldMasterIdLst>
   <p:notesMasterIdLst>
-    <p:notesMasterId r:id="rId27"/>
+    <p:notesMasterId r:id="rId28"/>
   </p:notesMasterIdLst>
   <p:sldIdLst>
     <p:sldId id="256" r:id="rId2"/>
@@ -33,16 +33,17 @@
     <p:sldId id="278" r:id="rId24"/>
     <p:sldId id="279" r:id="rId25"/>
     <p:sldId id="280" r:id="rId26"/>
+    <p:sldId id="281" r:id="rId27"/>
   </p:sldIdLst>
   <p:sldSz cx="9144000" cy="5143500" type="screen16x9"/>
   <p:notesSz cx="6858000" cy="9144000"/>
   <p:embeddedFontLst>
     <p:embeddedFont>
       <p:font typeface="Roboto Mono" pitchFamily="49" charset="0"/>
-      <p:regular r:id="rId28"/>
-      <p:bold r:id="rId29"/>
-      <p:italic r:id="rId30"/>
-      <p:boldItalic r:id="rId31"/>
+      <p:regular r:id="rId29"/>
+      <p:bold r:id="rId30"/>
+      <p:italic r:id="rId31"/>
+      <p:boldItalic r:id="rId32"/>
     </p:embeddedFont>
   </p:embeddedFontLst>
   <p:defaultTextStyle>
@@ -983,7 +984,7 @@
   <p:cSld>
     <p:spTree>
       <p:nvGrpSpPr>
-        <p:cNvPr id="1" name="Shape 244"/>
+        <p:cNvPr id="1" name="Shape 249"/>
         <p:cNvGrpSpPr/>
         <p:nvPr/>
       </p:nvGrpSpPr>
@@ -997,7 +998,7 @@
       </p:grpSpPr>
       <p:sp>
         <p:nvSpPr>
-          <p:cNvPr id="245" name="Google Shape;245;g38350a86d43_1_0:notes"/>
+          <p:cNvPr id="250" name="Google Shape;250;g38350a86d43_1_0:notes"/>
           <p:cNvSpPr>
             <a:spLocks noGrp="1" noRot="1" noChangeAspect="1"/>
           </p:cNvSpPr>
@@ -1048,7 +1049,7 @@
       </p:sp>
       <p:sp>
         <p:nvSpPr>
-          <p:cNvPr id="246" name="Google Shape;246;g38350a86d43_1_0:notes"/>
+          <p:cNvPr id="251" name="Google Shape;251;g38350a86d43_1_0:notes"/>
           <p:cNvSpPr txBox="1">
             <a:spLocks noGrp="1"/>
           </p:cNvSpPr>
@@ -1105,7 +1106,7 @@
   <p:cSld>
     <p:spTree>
       <p:nvGrpSpPr>
-        <p:cNvPr id="1" name="Shape 255"/>
+        <p:cNvPr id="1" name="Shape 262"/>
         <p:cNvGrpSpPr/>
         <p:nvPr/>
       </p:nvGrpSpPr>
@@ -1119,7 +1120,7 @@
       </p:grpSpPr>
       <p:sp>
         <p:nvSpPr>
-          <p:cNvPr id="256" name="Google Shape;256;g38350a86d43_1_9:notes"/>
+          <p:cNvPr id="263" name="Google Shape;263;g38350a86d43_1_9:notes"/>
           <p:cNvSpPr>
             <a:spLocks noGrp="1" noRot="1" noChangeAspect="1"/>
           </p:cNvSpPr>
@@ -1170,7 +1171,7 @@
       </p:sp>
       <p:sp>
         <p:nvSpPr>
-          <p:cNvPr id="257" name="Google Shape;257;g38350a86d43_1_9:notes"/>
+          <p:cNvPr id="264" name="Google Shape;264;g38350a86d43_1_9:notes"/>
           <p:cNvSpPr txBox="1">
             <a:spLocks noGrp="1"/>
           </p:cNvSpPr>
@@ -1227,7 +1228,7 @@
   <p:cSld>
     <p:spTree>
       <p:nvGrpSpPr>
-        <p:cNvPr id="1" name="Shape 264"/>
+        <p:cNvPr id="1" name="Shape 271"/>
         <p:cNvGrpSpPr/>
         <p:nvPr/>
       </p:nvGrpSpPr>
@@ -1241,7 +1242,7 @@
       </p:grpSpPr>
       <p:sp>
         <p:nvSpPr>
-          <p:cNvPr id="265" name="Google Shape;265;g38339cf25c3_0_21:notes"/>
+          <p:cNvPr id="272" name="Google Shape;272;g38339cf25c3_0_21:notes"/>
           <p:cNvSpPr>
             <a:spLocks noGrp="1" noRot="1" noChangeAspect="1"/>
           </p:cNvSpPr>
@@ -1292,7 +1293,7 @@
       </p:sp>
       <p:sp>
         <p:nvSpPr>
-          <p:cNvPr id="266" name="Google Shape;266;g38339cf25c3_0_21:notes"/>
+          <p:cNvPr id="273" name="Google Shape;273;g38339cf25c3_0_21:notes"/>
           <p:cNvSpPr txBox="1">
             <a:spLocks noGrp="1"/>
           </p:cNvSpPr>
@@ -1349,7 +1350,7 @@
   <p:cSld>
     <p:spTree>
       <p:nvGrpSpPr>
-        <p:cNvPr id="1" name="Shape 273"/>
+        <p:cNvPr id="1" name="Shape 280"/>
         <p:cNvGrpSpPr/>
         <p:nvPr/>
       </p:nvGrpSpPr>
@@ -1363,7 +1364,7 @@
       </p:grpSpPr>
       <p:sp>
         <p:nvSpPr>
-          <p:cNvPr id="274" name="Google Shape;274;g382016c5347_0_3:notes"/>
+          <p:cNvPr id="281" name="Google Shape;281;g382016c5347_0_3:notes"/>
           <p:cNvSpPr>
             <a:spLocks noGrp="1" noRot="1" noChangeAspect="1"/>
           </p:cNvSpPr>
@@ -1414,7 +1415,7 @@
       </p:sp>
       <p:sp>
         <p:nvSpPr>
-          <p:cNvPr id="275" name="Google Shape;275;g382016c5347_0_3:notes"/>
+          <p:cNvPr id="282" name="Google Shape;282;g382016c5347_0_3:notes"/>
           <p:cNvSpPr txBox="1">
             <a:spLocks noGrp="1"/>
           </p:cNvSpPr>
@@ -1471,7 +1472,7 @@
   <p:cSld>
     <p:spTree>
       <p:nvGrpSpPr>
-        <p:cNvPr id="1" name="Shape 282"/>
+        <p:cNvPr id="1" name="Shape 293"/>
         <p:cNvGrpSpPr/>
         <p:nvPr/>
       </p:nvGrpSpPr>
@@ -1485,7 +1486,7 @@
       </p:grpSpPr>
       <p:sp>
         <p:nvSpPr>
-          <p:cNvPr id="283" name="Google Shape;283;g366346b6528_0_15:notes"/>
+          <p:cNvPr id="294" name="Google Shape;294;g3665c01de39_0_8:notes"/>
           <p:cNvSpPr>
             <a:spLocks noGrp="1" noRot="1" noChangeAspect="1"/>
           </p:cNvSpPr>
@@ -1536,7 +1537,7 @@
       </p:sp>
       <p:sp>
         <p:nvSpPr>
-          <p:cNvPr id="284" name="Google Shape;284;g366346b6528_0_15:notes"/>
+          <p:cNvPr id="295" name="Google Shape;295;g3665c01de39_0_8:notes"/>
           <p:cNvSpPr txBox="1">
             <a:spLocks noGrp="1"/>
           </p:cNvSpPr>
@@ -1593,7 +1594,7 @@
   <p:cSld>
     <p:spTree>
       <p:nvGrpSpPr>
-        <p:cNvPr id="1" name="Shape 293"/>
+        <p:cNvPr id="1" name="Shape 301"/>
         <p:cNvGrpSpPr/>
         <p:nvPr/>
       </p:nvGrpSpPr>
@@ -1607,7 +1608,7 @@
       </p:grpSpPr>
       <p:sp>
         <p:nvSpPr>
-          <p:cNvPr id="294" name="Google Shape;294;g3823d16ffbd_0_8:notes"/>
+          <p:cNvPr id="302" name="Google Shape;302;g366346b6528_0_15:notes"/>
           <p:cNvSpPr>
             <a:spLocks noGrp="1" noRot="1" noChangeAspect="1"/>
           </p:cNvSpPr>
@@ -1658,7 +1659,7 @@
       </p:sp>
       <p:sp>
         <p:nvSpPr>
-          <p:cNvPr id="295" name="Google Shape;295;g3823d16ffbd_0_8:notes"/>
+          <p:cNvPr id="303" name="Google Shape;303;g366346b6528_0_15:notes"/>
           <p:cNvSpPr txBox="1">
             <a:spLocks noGrp="1"/>
           </p:cNvSpPr>
@@ -1715,7 +1716,7 @@
   <p:cSld>
     <p:spTree>
       <p:nvGrpSpPr>
-        <p:cNvPr id="1" name="Shape 304"/>
+        <p:cNvPr id="1" name="Shape 312"/>
         <p:cNvGrpSpPr/>
         <p:nvPr/>
       </p:nvGrpSpPr>
@@ -1729,7 +1730,7 @@
       </p:grpSpPr>
       <p:sp>
         <p:nvSpPr>
-          <p:cNvPr id="305" name="Google Shape;305;g36634545d32_0_0:notes"/>
+          <p:cNvPr id="313" name="Google Shape;313;g3823d16ffbd_0_8:notes"/>
           <p:cNvSpPr>
             <a:spLocks noGrp="1" noRot="1" noChangeAspect="1"/>
           </p:cNvSpPr>
@@ -1780,7 +1781,7 @@
       </p:sp>
       <p:sp>
         <p:nvSpPr>
-          <p:cNvPr id="306" name="Google Shape;306;g36634545d32_0_0:notes"/>
+          <p:cNvPr id="314" name="Google Shape;314;g3823d16ffbd_0_8:notes"/>
           <p:cNvSpPr txBox="1">
             <a:spLocks noGrp="1"/>
           </p:cNvSpPr>
@@ -1837,7 +1838,7 @@
   <p:cSld>
     <p:spTree>
       <p:nvGrpSpPr>
-        <p:cNvPr id="1" name="Shape 314"/>
+        <p:cNvPr id="1" name="Shape 323"/>
         <p:cNvGrpSpPr/>
         <p:nvPr/>
       </p:nvGrpSpPr>
@@ -1851,7 +1852,7 @@
       </p:grpSpPr>
       <p:sp>
         <p:nvSpPr>
-          <p:cNvPr id="315" name="Google Shape;315;g384a99fd4c9_0_0:notes"/>
+          <p:cNvPr id="324" name="Google Shape;324;g36634545d32_0_0:notes"/>
           <p:cNvSpPr>
             <a:spLocks noGrp="1" noRot="1" noChangeAspect="1"/>
           </p:cNvSpPr>
@@ -1902,7 +1903,7 @@
       </p:sp>
       <p:sp>
         <p:nvSpPr>
-          <p:cNvPr id="316" name="Google Shape;316;g384a99fd4c9_0_0:notes"/>
+          <p:cNvPr id="325" name="Google Shape;325;g36634545d32_0_0:notes"/>
           <p:cNvSpPr txBox="1">
             <a:spLocks noGrp="1"/>
           </p:cNvSpPr>
@@ -1959,7 +1960,7 @@
   <p:cSld>
     <p:spTree>
       <p:nvGrpSpPr>
-        <p:cNvPr id="1" name="Shape 321"/>
+        <p:cNvPr id="1" name="Shape 333"/>
         <p:cNvGrpSpPr/>
         <p:nvPr/>
       </p:nvGrpSpPr>
@@ -1973,7 +1974,7 @@
       </p:grpSpPr>
       <p:sp>
         <p:nvSpPr>
-          <p:cNvPr id="322" name="Google Shape;322;g366346b6528_1_0:notes"/>
+          <p:cNvPr id="334" name="Google Shape;334;g384a99fd4c9_0_0:notes"/>
           <p:cNvSpPr>
             <a:spLocks noGrp="1" noRot="1" noChangeAspect="1"/>
           </p:cNvSpPr>
@@ -2024,7 +2025,7 @@
       </p:sp>
       <p:sp>
         <p:nvSpPr>
-          <p:cNvPr id="323" name="Google Shape;323;g366346b6528_1_0:notes"/>
+          <p:cNvPr id="335" name="Google Shape;335;g384a99fd4c9_0_0:notes"/>
           <p:cNvSpPr txBox="1">
             <a:spLocks noGrp="1"/>
           </p:cNvSpPr>
@@ -2081,7 +2082,7 @@
   <p:cSld>
     <p:spTree>
       <p:nvGrpSpPr>
-        <p:cNvPr id="1" name="Shape 330"/>
+        <p:cNvPr id="1" name="Shape 340"/>
         <p:cNvGrpSpPr/>
         <p:nvPr/>
       </p:nvGrpSpPr>
@@ -2095,7 +2096,7 @@
       </p:grpSpPr>
       <p:sp>
         <p:nvSpPr>
-          <p:cNvPr id="331" name="Google Shape;331;g3833559458d_0_0:notes"/>
+          <p:cNvPr id="341" name="Google Shape;341;g366346b6528_1_0:notes"/>
           <p:cNvSpPr>
             <a:spLocks noGrp="1" noRot="1" noChangeAspect="1"/>
           </p:cNvSpPr>
@@ -2146,7 +2147,7 @@
       </p:sp>
       <p:sp>
         <p:nvSpPr>
-          <p:cNvPr id="332" name="Google Shape;332;g3833559458d_0_0:notes"/>
+          <p:cNvPr id="342" name="Google Shape;342;g366346b6528_1_0:notes"/>
           <p:cNvSpPr txBox="1">
             <a:spLocks noGrp="1"/>
           </p:cNvSpPr>
@@ -2325,7 +2326,7 @@
   <p:cSld>
     <p:spTree>
       <p:nvGrpSpPr>
-        <p:cNvPr id="1" name="Shape 338"/>
+        <p:cNvPr id="1" name="Shape 349"/>
         <p:cNvGrpSpPr/>
         <p:nvPr/>
       </p:nvGrpSpPr>
@@ -2339,7 +2340,7 @@
       </p:grpSpPr>
       <p:sp>
         <p:nvSpPr>
-          <p:cNvPr id="339" name="Google Shape;339;g38339cf25c3_0_8:notes"/>
+          <p:cNvPr id="350" name="Google Shape;350;g3833559458d_0_0:notes"/>
           <p:cNvSpPr>
             <a:spLocks noGrp="1" noRot="1" noChangeAspect="1"/>
           </p:cNvSpPr>
@@ -2390,7 +2391,7 @@
       </p:sp>
       <p:sp>
         <p:nvSpPr>
-          <p:cNvPr id="340" name="Google Shape;340;g38339cf25c3_0_8:notes"/>
+          <p:cNvPr id="351" name="Google Shape;351;g3833559458d_0_0:notes"/>
           <p:cNvSpPr txBox="1">
             <a:spLocks noGrp="1"/>
           </p:cNvSpPr>
@@ -2447,7 +2448,7 @@
   <p:cSld>
     <p:spTree>
       <p:nvGrpSpPr>
-        <p:cNvPr id="1" name="Shape 345"/>
+        <p:cNvPr id="1" name="Shape 357"/>
         <p:cNvGrpSpPr/>
         <p:nvPr/>
       </p:nvGrpSpPr>
@@ -2461,7 +2462,7 @@
       </p:grpSpPr>
       <p:sp>
         <p:nvSpPr>
-          <p:cNvPr id="346" name="Google Shape;346;g38339cf25c3_0_15:notes"/>
+          <p:cNvPr id="358" name="Google Shape;358;g38339cf25c3_0_8:notes"/>
           <p:cNvSpPr>
             <a:spLocks noGrp="1" noRot="1" noChangeAspect="1"/>
           </p:cNvSpPr>
@@ -2512,7 +2513,7 @@
       </p:sp>
       <p:sp>
         <p:nvSpPr>
-          <p:cNvPr id="347" name="Google Shape;347;g38339cf25c3_0_15:notes"/>
+          <p:cNvPr id="359" name="Google Shape;359;g38339cf25c3_0_8:notes"/>
           <p:cNvSpPr txBox="1">
             <a:spLocks noGrp="1"/>
           </p:cNvSpPr>
@@ -2569,7 +2570,7 @@
   <p:cSld>
     <p:spTree>
       <p:nvGrpSpPr>
-        <p:cNvPr id="1" name="Shape 353"/>
+        <p:cNvPr id="1" name="Shape 364"/>
         <p:cNvGrpSpPr/>
         <p:nvPr/>
       </p:nvGrpSpPr>
@@ -2583,7 +2584,7 @@
       </p:grpSpPr>
       <p:sp>
         <p:nvSpPr>
-          <p:cNvPr id="354" name="Google Shape;354;g38209ed7537_0_0:notes"/>
+          <p:cNvPr id="365" name="Google Shape;365;g38339cf25c3_0_15:notes"/>
           <p:cNvSpPr>
             <a:spLocks noGrp="1" noRot="1" noChangeAspect="1"/>
           </p:cNvSpPr>
@@ -2634,7 +2635,7 @@
       </p:sp>
       <p:sp>
         <p:nvSpPr>
-          <p:cNvPr id="355" name="Google Shape;355;g38209ed7537_0_0:notes"/>
+          <p:cNvPr id="366" name="Google Shape;366;g38339cf25c3_0_15:notes"/>
           <p:cNvSpPr txBox="1">
             <a:spLocks noGrp="1"/>
           </p:cNvSpPr>
@@ -2691,7 +2692,7 @@
   <p:cSld>
     <p:spTree>
       <p:nvGrpSpPr>
-        <p:cNvPr id="1" name="Shape 360"/>
+        <p:cNvPr id="1" name="Shape 372"/>
         <p:cNvGrpSpPr/>
         <p:nvPr/>
       </p:nvGrpSpPr>
@@ -2705,7 +2706,7 @@
       </p:grpSpPr>
       <p:sp>
         <p:nvSpPr>
-          <p:cNvPr id="361" name="Google Shape;361;p23:notes"/>
+          <p:cNvPr id="373" name="Google Shape;373;g38209ed7537_0_0:notes"/>
           <p:cNvSpPr>
             <a:spLocks noGrp="1" noRot="1" noChangeAspect="1"/>
           </p:cNvSpPr>
@@ -2756,7 +2757,7 @@
       </p:sp>
       <p:sp>
         <p:nvSpPr>
-          <p:cNvPr id="362" name="Google Shape;362;p23:notes"/>
+          <p:cNvPr id="374" name="Google Shape;374;g38209ed7537_0_0:notes"/>
           <p:cNvSpPr txBox="1">
             <a:spLocks noGrp="1"/>
           </p:cNvSpPr>
@@ -2813,7 +2814,7 @@
   <p:cSld>
     <p:spTree>
       <p:nvGrpSpPr>
-        <p:cNvPr id="1" name="Shape 371"/>
+        <p:cNvPr id="1" name="Shape 379"/>
         <p:cNvGrpSpPr/>
         <p:nvPr/>
       </p:nvGrpSpPr>
@@ -2827,7 +2828,7 @@
       </p:grpSpPr>
       <p:sp>
         <p:nvSpPr>
-          <p:cNvPr id="372" name="Google Shape;372;p24:notes"/>
+          <p:cNvPr id="380" name="Google Shape;380;p23:notes"/>
           <p:cNvSpPr>
             <a:spLocks noGrp="1" noRot="1" noChangeAspect="1"/>
           </p:cNvSpPr>
@@ -2878,7 +2879,7 @@
       </p:sp>
       <p:sp>
         <p:nvSpPr>
-          <p:cNvPr id="373" name="Google Shape;373;p24:notes"/>
+          <p:cNvPr id="381" name="Google Shape;381;p23:notes"/>
           <p:cNvSpPr txBox="1">
             <a:spLocks noGrp="1"/>
           </p:cNvSpPr>
@@ -2935,7 +2936,7 @@
   <p:cSld>
     <p:spTree>
       <p:nvGrpSpPr>
-        <p:cNvPr id="1" name="Shape 381"/>
+        <p:cNvPr id="1" name="Shape 390"/>
         <p:cNvGrpSpPr/>
         <p:nvPr/>
       </p:nvGrpSpPr>
@@ -2949,7 +2950,129 @@
       </p:grpSpPr>
       <p:sp>
         <p:nvSpPr>
-          <p:cNvPr id="382" name="Google Shape;382;p25:notes"/>
+          <p:cNvPr id="391" name="Google Shape;391;p24:notes"/>
+          <p:cNvSpPr>
+            <a:spLocks noGrp="1" noRot="1" noChangeAspect="1"/>
+          </p:cNvSpPr>
+          <p:nvPr>
+            <p:ph type="sldImg" idx="2"/>
+          </p:nvPr>
+        </p:nvSpPr>
+        <p:spPr>
+          <a:xfrm>
+            <a:off x="381000" y="685800"/>
+            <a:ext cx="6096000" cy="3429000"/>
+          </a:xfrm>
+          <a:custGeom>
+            <a:avLst/>
+            <a:gdLst/>
+            <a:ahLst/>
+            <a:cxnLst/>
+            <a:rect l="l" t="t" r="r" b="b"/>
+            <a:pathLst>
+              <a:path w="120000" h="120000" extrusionOk="0">
+                <a:moveTo>
+                  <a:pt x="0" y="0"/>
+                </a:moveTo>
+                <a:lnTo>
+                  <a:pt x="120000" y="0"/>
+                </a:lnTo>
+                <a:lnTo>
+                  <a:pt x="120000" y="120000"/>
+                </a:lnTo>
+                <a:lnTo>
+                  <a:pt x="0" y="120000"/>
+                </a:lnTo>
+                <a:close/>
+              </a:path>
+            </a:pathLst>
+          </a:custGeom>
+          <a:noFill/>
+          <a:ln w="9525" cap="flat" cmpd="sng">
+            <a:solidFill>
+              <a:srgbClr val="000000"/>
+            </a:solidFill>
+            <a:prstDash val="solid"/>
+            <a:round/>
+            <a:headEnd type="none" w="sm" len="sm"/>
+            <a:tailEnd type="none" w="sm" len="sm"/>
+          </a:ln>
+        </p:spPr>
+      </p:sp>
+      <p:sp>
+        <p:nvSpPr>
+          <p:cNvPr id="392" name="Google Shape;392;p24:notes"/>
+          <p:cNvSpPr txBox="1">
+            <a:spLocks noGrp="1"/>
+          </p:cNvSpPr>
+          <p:nvPr>
+            <p:ph type="body" idx="1"/>
+          </p:nvPr>
+        </p:nvSpPr>
+        <p:spPr>
+          <a:xfrm>
+            <a:off x="685800" y="4343400"/>
+            <a:ext cx="5486400" cy="4114800"/>
+          </a:xfrm>
+          <a:prstGeom prst="rect">
+            <a:avLst/>
+          </a:prstGeom>
+          <a:noFill/>
+          <a:ln>
+            <a:noFill/>
+          </a:ln>
+        </p:spPr>
+        <p:txBody>
+          <a:bodyPr spcFirstLastPara="1" wrap="square" lIns="91425" tIns="91425" rIns="91425" bIns="91425" anchor="t" anchorCtr="0">
+            <a:noAutofit/>
+          </a:bodyPr>
+          <a:lstStyle/>
+          <a:p>
+            <a:pPr marL="0" lvl="0" indent="0" algn="l" rtl="0">
+              <a:lnSpc>
+                <a:spcPct val="100000"/>
+              </a:lnSpc>
+              <a:spcBef>
+                <a:spcPts val="0"/>
+              </a:spcBef>
+              <a:spcAft>
+                <a:spcPts val="0"/>
+              </a:spcAft>
+              <a:buSzPts val="1100"/>
+              <a:buNone/>
+            </a:pPr>
+            <a:endParaRPr/>
+          </a:p>
+        </p:txBody>
+      </p:sp>
+    </p:spTree>
+  </p:cSld>
+  <p:clrMapOvr>
+    <a:masterClrMapping/>
+  </p:clrMapOvr>
+</p:notes>
+</file>
+
+<file path=ppt/notesSlides/notesSlide26.xml><?xml version="1.0" encoding="utf-8"?>
+<p:notes xmlns:a="http://schemas.openxmlformats.org/drawingml/2006/main" xmlns:r="http://schemas.openxmlformats.org/officeDocument/2006/relationships" xmlns:p="http://schemas.openxmlformats.org/presentationml/2006/main" showMasterSp="0" showMasterPhAnim="0">
+  <p:cSld>
+    <p:spTree>
+      <p:nvGrpSpPr>
+        <p:cNvPr id="1" name="Shape 400"/>
+        <p:cNvGrpSpPr/>
+        <p:nvPr/>
+      </p:nvGrpSpPr>
+      <p:grpSpPr>
+        <a:xfrm>
+          <a:off x="0" y="0"/>
+          <a:ext cx="0" cy="0"/>
+          <a:chOff x="0" y="0"/>
+          <a:chExt cx="0" cy="0"/>
+        </a:xfrm>
+      </p:grpSpPr>
+      <p:sp>
+        <p:nvSpPr>
+          <p:cNvPr id="401" name="Google Shape;401;p25:notes"/>
           <p:cNvSpPr>
             <a:spLocks noGrp="1" noRot="1" noChangeAspect="1"/>
           </p:cNvSpPr>
@@ -3000,7 +3123,7 @@
       </p:sp>
       <p:sp>
         <p:nvSpPr>
-          <p:cNvPr id="383" name="Google Shape;383;p25:notes"/>
+          <p:cNvPr id="402" name="Google Shape;402;p25:notes"/>
           <p:cNvSpPr txBox="1">
             <a:spLocks noGrp="1"/>
           </p:cNvSpPr>
@@ -3789,7 +3912,7 @@
   <p:cSld>
     <p:spTree>
       <p:nvGrpSpPr>
-        <p:cNvPr id="1" name="Shape 233"/>
+        <p:cNvPr id="1" name="Shape 234"/>
         <p:cNvGrpSpPr/>
         <p:nvPr/>
       </p:nvGrpSpPr>
@@ -3803,7 +3926,7 @@
       </p:grpSpPr>
       <p:sp>
         <p:nvSpPr>
-          <p:cNvPr id="234" name="Google Shape;234;g382016c5347_1_0:notes"/>
+          <p:cNvPr id="235" name="Google Shape;235;g382016c5347_1_0:notes"/>
           <p:cNvSpPr>
             <a:spLocks noGrp="1" noRot="1" noChangeAspect="1"/>
           </p:cNvSpPr>
@@ -3854,7 +3977,7 @@
       </p:sp>
       <p:sp>
         <p:nvSpPr>
-          <p:cNvPr id="235" name="Google Shape;235;g382016c5347_1_0:notes"/>
+          <p:cNvPr id="236" name="Google Shape;236;g382016c5347_1_0:notes"/>
           <p:cNvSpPr txBox="1">
             <a:spLocks noGrp="1"/>
           </p:cNvSpPr>
@@ -13303,7 +13426,7 @@
         </p:nvSpPr>
         <p:spPr>
           <a:xfrm>
-            <a:off x="78651" y="531414"/>
+            <a:off x="78651" y="465230"/>
             <a:ext cx="4420200" cy="1957800"/>
           </a:xfrm>
           <a:prstGeom prst="rect">
@@ -13787,7 +13910,7 @@
         </p:nvSpPr>
         <p:spPr>
           <a:xfrm>
-            <a:off x="4576975" y="4509125"/>
+            <a:off x="4576975" y="4781309"/>
             <a:ext cx="4502400" cy="234000"/>
           </a:xfrm>
           <a:prstGeom prst="rect">
@@ -13873,8 +13996,8 @@
         </p:nvSpPr>
         <p:spPr>
           <a:xfrm>
-            <a:off x="78651" y="2621461"/>
-            <a:ext cx="4420200" cy="2388900"/>
+            <a:off x="78651" y="2421128"/>
+            <a:ext cx="4420200" cy="2604300"/>
           </a:xfrm>
           <a:prstGeom prst="rect">
             <a:avLst/>
@@ -14045,7 +14168,7 @@
                 <a:cs typeface="Calibri"/>
                 <a:sym typeface="Calibri"/>
               </a:rPr>
-              <a:t>Google Stitch text-to-design</a:t>
+              <a:t>90% of programmers use AI</a:t>
             </a:r>
             <a:endParaRPr b="1">
               <a:solidFill>
@@ -14085,7 +14208,7 @@
                 <a:cs typeface="Calibri"/>
                 <a:sym typeface="Calibri"/>
               </a:rPr>
-              <a:t>Crush CLI open-source AI coding agent for terminal</a:t>
+              <a:t>Major LLMs can pass CFA Exam</a:t>
             </a:r>
             <a:endParaRPr b="1">
               <a:solidFill>
@@ -14125,7 +14248,7 @@
                 <a:cs typeface="Calibri"/>
                 <a:sym typeface="Calibri"/>
               </a:rPr>
-              <a:t>Lumi.new - AI no-code app builder</a:t>
+              <a:t>Google Stitch text-to-design</a:t>
             </a:r>
             <a:endParaRPr b="1">
               <a:solidFill>
@@ -14165,7 +14288,7 @@
                 <a:cs typeface="Calibri"/>
                 <a:sym typeface="Calibri"/>
               </a:rPr>
-              <a:t>Skywork - research AI creates professional reports</a:t>
+              <a:t>Crush CLI open-source AI coding agent for terminal</a:t>
             </a:r>
             <a:endParaRPr b="1">
               <a:solidFill>
@@ -14205,7 +14328,7 @@
                 <a:cs typeface="Calibri"/>
                 <a:sym typeface="Calibri"/>
               </a:rPr>
-              <a:t>Supernova: New Free AI Coder</a:t>
+              <a:t>Lumi.new - AI no-code app builder</a:t>
             </a:r>
             <a:endParaRPr b="1">
               <a:solidFill>
@@ -14245,7 +14368,7 @@
                 <a:cs typeface="Calibri"/>
                 <a:sym typeface="Calibri"/>
               </a:rPr>
-              <a:t>AWS Strands - agent orchestration framework</a:t>
+              <a:t>Kling 2.5 Turbo - video generation model</a:t>
             </a:r>
             <a:endParaRPr b="1">
               <a:solidFill>
@@ -14285,7 +14408,7 @@
                 <a:cs typeface="Calibri"/>
                 <a:sym typeface="Calibri"/>
               </a:rPr>
-              <a:t>Mistral Magistral v. 1.2 Reasoning Models</a:t>
+              <a:t>Skywork - research AI creates professional reports</a:t>
             </a:r>
             <a:endParaRPr b="1">
               <a:solidFill>
@@ -14325,7 +14448,47 @@
                 <a:cs typeface="Calibri"/>
                 <a:sym typeface="Calibri"/>
               </a:rPr>
-              <a:t>Grok 4 Fast - cost-efficient reasoning model</a:t>
+              <a:t>Supernova: New Free AI Coder</a:t>
+            </a:r>
+            <a:endParaRPr b="1">
+              <a:solidFill>
+                <a:srgbClr val="3C78D8"/>
+              </a:solidFill>
+              <a:latin typeface="Calibri"/>
+              <a:ea typeface="Calibri"/>
+              <a:cs typeface="Calibri"/>
+              <a:sym typeface="Calibri"/>
+            </a:endParaRPr>
+          </a:p>
+          <a:p>
+            <a:pPr marL="228600" marR="0" lvl="0" indent="-203200" algn="l" rtl="0">
+              <a:lnSpc>
+                <a:spcPct val="100000"/>
+              </a:lnSpc>
+              <a:spcBef>
+                <a:spcPts val="0"/>
+              </a:spcBef>
+              <a:spcAft>
+                <a:spcPts val="0"/>
+              </a:spcAft>
+              <a:buClr>
+                <a:srgbClr val="3C78D8"/>
+              </a:buClr>
+              <a:buSzPts val="1400"/>
+              <a:buFont typeface="Calibri"/>
+              <a:buChar char="●"/>
+            </a:pPr>
+            <a:r>
+              <a:rPr lang="en" b="1">
+                <a:solidFill>
+                  <a:srgbClr val="3C78D8"/>
+                </a:solidFill>
+                <a:latin typeface="Calibri"/>
+                <a:ea typeface="Calibri"/>
+                <a:cs typeface="Calibri"/>
+                <a:sym typeface="Calibri"/>
+              </a:rPr>
+              <a:t>AWS Strands - agent orchestration framework</a:t>
             </a:r>
             <a:endParaRPr b="1">
               <a:solidFill>
@@ -14347,8 +14510,8 @@
         </p:nvSpPr>
         <p:spPr>
           <a:xfrm>
-            <a:off x="4576975" y="736893"/>
-            <a:ext cx="4502400" cy="3035400"/>
+            <a:off x="4576975" y="462699"/>
+            <a:ext cx="4502400" cy="4112700"/>
           </a:xfrm>
           <a:prstGeom prst="rect">
             <a:avLst/>
@@ -14399,7 +14562,207 @@
                 <a:cs typeface="Calibri"/>
                 <a:sym typeface="Calibri"/>
               </a:rPr>
+              <a:t>Mistral Magistral v. 1.2 Reasoning Models</a:t>
+            </a:r>
+            <a:endParaRPr b="1">
+              <a:solidFill>
+                <a:srgbClr val="3C78D8"/>
+              </a:solidFill>
+              <a:latin typeface="Calibri"/>
+              <a:ea typeface="Calibri"/>
+              <a:cs typeface="Calibri"/>
+              <a:sym typeface="Calibri"/>
+            </a:endParaRPr>
+          </a:p>
+          <a:p>
+            <a:pPr marL="228600" marR="0" lvl="0" indent="-203200" algn="l" rtl="0">
+              <a:lnSpc>
+                <a:spcPct val="100000"/>
+              </a:lnSpc>
+              <a:spcBef>
+                <a:spcPts val="0"/>
+              </a:spcBef>
+              <a:spcAft>
+                <a:spcPts val="0"/>
+              </a:spcAft>
+              <a:buClr>
+                <a:srgbClr val="3C78D8"/>
+              </a:buClr>
+              <a:buSzPts val="1400"/>
+              <a:buFont typeface="Calibri"/>
+              <a:buChar char="●"/>
+            </a:pPr>
+            <a:r>
+              <a:rPr lang="en" b="1">
+                <a:solidFill>
+                  <a:srgbClr val="3C78D8"/>
+                </a:solidFill>
+                <a:latin typeface="Calibri"/>
+                <a:ea typeface="Calibri"/>
+                <a:cs typeface="Calibri"/>
+                <a:sym typeface="Calibri"/>
+              </a:rPr>
+              <a:t>Grok 4 Fast - cost-efficient reasoning model</a:t>
+            </a:r>
+            <a:endParaRPr b="1">
+              <a:solidFill>
+                <a:srgbClr val="3C78D8"/>
+              </a:solidFill>
+              <a:latin typeface="Calibri"/>
+              <a:ea typeface="Calibri"/>
+              <a:cs typeface="Calibri"/>
+              <a:sym typeface="Calibri"/>
+            </a:endParaRPr>
+          </a:p>
+          <a:p>
+            <a:pPr marL="228600" marR="0" lvl="0" indent="-203200" algn="l" rtl="0">
+              <a:lnSpc>
+                <a:spcPct val="100000"/>
+              </a:lnSpc>
+              <a:spcBef>
+                <a:spcPts val="0"/>
+              </a:spcBef>
+              <a:spcAft>
+                <a:spcPts val="0"/>
+              </a:spcAft>
+              <a:buClr>
+                <a:srgbClr val="3C78D8"/>
+              </a:buClr>
+              <a:buSzPts val="1400"/>
+              <a:buFont typeface="Calibri"/>
+              <a:buChar char="●"/>
+            </a:pPr>
+            <a:r>
+              <a:rPr lang="en" b="1">
+                <a:solidFill>
+                  <a:srgbClr val="3C78D8"/>
+                </a:solidFill>
+                <a:latin typeface="Calibri"/>
+                <a:ea typeface="Calibri"/>
+                <a:cs typeface="Calibri"/>
+                <a:sym typeface="Calibri"/>
+              </a:rPr>
               <a:t>LLM-Deflate: Extracting Into Datasets</a:t>
+            </a:r>
+            <a:endParaRPr b="1">
+              <a:solidFill>
+                <a:srgbClr val="3C78D8"/>
+              </a:solidFill>
+              <a:latin typeface="Calibri"/>
+              <a:ea typeface="Calibri"/>
+              <a:cs typeface="Calibri"/>
+              <a:sym typeface="Calibri"/>
+            </a:endParaRPr>
+          </a:p>
+          <a:p>
+            <a:pPr marL="228600" marR="0" lvl="0" indent="-203200" algn="l" rtl="0">
+              <a:lnSpc>
+                <a:spcPct val="100000"/>
+              </a:lnSpc>
+              <a:spcBef>
+                <a:spcPts val="0"/>
+              </a:spcBef>
+              <a:spcAft>
+                <a:spcPts val="0"/>
+              </a:spcAft>
+              <a:buClr>
+                <a:srgbClr val="3C78D8"/>
+              </a:buClr>
+              <a:buSzPts val="1400"/>
+              <a:buFont typeface="Calibri"/>
+              <a:buChar char="●"/>
+            </a:pPr>
+            <a:r>
+              <a:rPr lang="en" b="1">
+                <a:solidFill>
+                  <a:srgbClr val="3C78D8"/>
+                </a:solidFill>
+                <a:latin typeface="Calibri"/>
+                <a:ea typeface="Calibri"/>
+                <a:cs typeface="Calibri"/>
+                <a:sym typeface="Calibri"/>
+              </a:rPr>
+              <a:t>Tencent’s Parallel R1 (developed in Seattle)</a:t>
+            </a:r>
+            <a:endParaRPr b="1">
+              <a:solidFill>
+                <a:srgbClr val="3C78D8"/>
+              </a:solidFill>
+              <a:latin typeface="Calibri"/>
+              <a:ea typeface="Calibri"/>
+              <a:cs typeface="Calibri"/>
+              <a:sym typeface="Calibri"/>
+            </a:endParaRPr>
+          </a:p>
+          <a:p>
+            <a:pPr marL="228600" marR="0" lvl="0" indent="-203200" algn="l" rtl="0">
+              <a:lnSpc>
+                <a:spcPct val="100000"/>
+              </a:lnSpc>
+              <a:spcBef>
+                <a:spcPts val="0"/>
+              </a:spcBef>
+              <a:spcAft>
+                <a:spcPts val="0"/>
+              </a:spcAft>
+              <a:buClr>
+                <a:srgbClr val="3C78D8"/>
+              </a:buClr>
+              <a:buSzPts val="1400"/>
+              <a:buFont typeface="Calibri"/>
+              <a:buChar char="●"/>
+            </a:pPr>
+            <a:r>
+              <a:rPr lang="en" b="1">
+                <a:solidFill>
+                  <a:srgbClr val="3C78D8"/>
+                </a:solidFill>
+                <a:latin typeface="Calibri"/>
+                <a:ea typeface="Calibri"/>
+                <a:cs typeface="Calibri"/>
+                <a:sym typeface="Calibri"/>
+              </a:rPr>
+              <a:t>Ollama Web Search</a:t>
+            </a:r>
+            <a:endParaRPr b="1">
+              <a:solidFill>
+                <a:srgbClr val="3C78D8"/>
+              </a:solidFill>
+              <a:latin typeface="Calibri"/>
+              <a:ea typeface="Calibri"/>
+              <a:cs typeface="Calibri"/>
+              <a:sym typeface="Calibri"/>
+            </a:endParaRPr>
+          </a:p>
+          <a:p>
+            <a:pPr marL="228600" marR="0" lvl="0" indent="-203200" algn="l" rtl="0">
+              <a:lnSpc>
+                <a:spcPct val="100000"/>
+              </a:lnSpc>
+              <a:spcBef>
+                <a:spcPts val="0"/>
+              </a:spcBef>
+              <a:spcAft>
+                <a:spcPts val="0"/>
+              </a:spcAft>
+              <a:buClr>
+                <a:srgbClr val="3C78D8"/>
+              </a:buClr>
+              <a:buSzPts val="1400"/>
+              <a:buFont typeface="Calibri"/>
+              <a:buChar char="●"/>
+            </a:pPr>
+            <a:r>
+              <a:rPr lang="en" b="1">
+                <a:solidFill>
+                  <a:srgbClr val="3C78D8"/>
+                </a:solidFill>
+                <a:latin typeface="Calibri"/>
+                <a:ea typeface="Calibri"/>
+                <a:cs typeface="Calibri"/>
+                <a:sym typeface="Calibri"/>
+              </a:rPr>
+              <a:t>Spiking Brain Models</a:t>
             </a:r>
             <a:endParaRPr b="1">
               <a:solidFill>
@@ -14941,7 +15304,7 @@
         </p:nvSpPr>
         <p:spPr>
           <a:xfrm>
-            <a:off x="4824625" y="309092"/>
+            <a:off x="4824625" y="157812"/>
             <a:ext cx="4007100" cy="187800"/>
           </a:xfrm>
           <a:prstGeom prst="rect">
@@ -15007,7 +15370,7 @@
   <p:cSld>
     <p:spTree>
       <p:nvGrpSpPr>
-        <p:cNvPr id="1" name="Shape 247"/>
+        <p:cNvPr id="1" name="Shape 252"/>
         <p:cNvGrpSpPr/>
         <p:nvPr/>
       </p:nvGrpSpPr>
@@ -15021,7 +15384,7 @@
       </p:grpSpPr>
       <p:sp>
         <p:nvSpPr>
-          <p:cNvPr id="248" name="Google Shape;248;p24"/>
+          <p:cNvPr id="253" name="Google Shape;253;p24"/>
           <p:cNvSpPr txBox="1"/>
           <p:nvPr/>
         </p:nvSpPr>
@@ -15087,13 +15450,13 @@
       </p:sp>
       <p:sp>
         <p:nvSpPr>
-          <p:cNvPr id="249" name="Google Shape;249;p24"/>
+          <p:cNvPr id="254" name="Google Shape;254;p24"/>
           <p:cNvSpPr txBox="1"/>
           <p:nvPr/>
         </p:nvSpPr>
         <p:spPr>
           <a:xfrm>
-            <a:off x="55075" y="413882"/>
+            <a:off x="55075" y="363732"/>
             <a:ext cx="4628400" cy="1311300"/>
           </a:xfrm>
           <a:prstGeom prst="rect">
@@ -15321,13 +15684,13 @@
       </p:sp>
       <p:sp>
         <p:nvSpPr>
-          <p:cNvPr id="250" name="Google Shape;250;p24"/>
+          <p:cNvPr id="255" name="Google Shape;255;p24"/>
           <p:cNvSpPr txBox="1"/>
           <p:nvPr/>
         </p:nvSpPr>
         <p:spPr>
           <a:xfrm>
-            <a:off x="55075" y="1821882"/>
+            <a:off x="55075" y="1721582"/>
             <a:ext cx="4628400" cy="1311300"/>
           </a:xfrm>
           <a:prstGeom prst="rect">
@@ -15635,13 +15998,13 @@
       </p:sp>
       <p:sp>
         <p:nvSpPr>
-          <p:cNvPr id="251" name="Google Shape;251;p24"/>
+          <p:cNvPr id="256" name="Google Shape;256;p24"/>
           <p:cNvSpPr txBox="1"/>
           <p:nvPr/>
         </p:nvSpPr>
         <p:spPr>
           <a:xfrm>
-            <a:off x="61652" y="3255681"/>
+            <a:off x="61652" y="3080157"/>
             <a:ext cx="4628400" cy="1311300"/>
           </a:xfrm>
           <a:prstGeom prst="rect">
@@ -15882,7 +16245,7 @@
       </p:sp>
       <p:pic>
         <p:nvPicPr>
-          <p:cNvPr id="252" name="Google Shape;252;p24"/>
+          <p:cNvPr id="257" name="Google Shape;257;p24"/>
           <p:cNvPicPr preferRelativeResize="0"/>
           <p:nvPr/>
         </p:nvPicPr>
@@ -15921,7 +16284,7 @@
       </p:pic>
       <p:pic>
         <p:nvPicPr>
-          <p:cNvPr id="253" name="Google Shape;253;p24"/>
+          <p:cNvPr id="258" name="Google Shape;258;p24"/>
           <p:cNvPicPr preferRelativeResize="0"/>
           <p:nvPr/>
         </p:nvPicPr>
@@ -15940,7 +16303,7 @@
         </p:blipFill>
         <p:spPr>
           <a:xfrm>
-            <a:off x="5152475" y="1980575"/>
+            <a:off x="5152475" y="1851951"/>
             <a:ext cx="3222000" cy="856200"/>
           </a:xfrm>
           <a:prstGeom prst="rect">
@@ -15960,7 +16323,7 @@
       </p:pic>
       <p:pic>
         <p:nvPicPr>
-          <p:cNvPr id="254" name="Google Shape;254;p24"/>
+          <p:cNvPr id="259" name="Google Shape;259;p24"/>
           <p:cNvPicPr preferRelativeResize="0"/>
           <p:nvPr/>
         </p:nvPicPr>
@@ -15979,7 +16342,7 @@
         </p:blipFill>
         <p:spPr>
           <a:xfrm>
-            <a:off x="5316850" y="3385075"/>
+            <a:off x="5152475" y="2917621"/>
             <a:ext cx="2713029" cy="856200"/>
           </a:xfrm>
           <a:prstGeom prst="rect">
@@ -15997,6 +16360,218 @@
           </a:ln>
         </p:spPr>
       </p:pic>
+      <p:sp>
+        <p:nvSpPr>
+          <p:cNvPr id="260" name="Google Shape;260;p24"/>
+          <p:cNvSpPr txBox="1"/>
+          <p:nvPr/>
+        </p:nvSpPr>
+        <p:spPr>
+          <a:xfrm>
+            <a:off x="61652" y="4453998"/>
+            <a:ext cx="4628400" cy="572700"/>
+          </a:xfrm>
+          <a:prstGeom prst="rect">
+            <a:avLst/>
+          </a:prstGeom>
+          <a:solidFill>
+            <a:srgbClr val="FFF2CC"/>
+          </a:solidFill>
+          <a:ln w="9525" cap="flat" cmpd="sng">
+            <a:solidFill>
+              <a:srgbClr val="FF0000"/>
+            </a:solidFill>
+            <a:prstDash val="solid"/>
+            <a:round/>
+            <a:headEnd type="none" w="sm" len="sm"/>
+            <a:tailEnd type="none" w="sm" len="sm"/>
+          </a:ln>
+        </p:spPr>
+        <p:txBody>
+          <a:bodyPr spcFirstLastPara="1" wrap="square" lIns="9125" tIns="9125" rIns="9125" bIns="9125" anchor="t" anchorCtr="0">
+            <a:spAutoFit/>
+          </a:bodyPr>
+          <a:lstStyle/>
+          <a:p>
+            <a:pPr marL="171450" marR="0" lvl="0" indent="-133350" algn="l" rtl="0">
+              <a:lnSpc>
+                <a:spcPct val="100000"/>
+              </a:lnSpc>
+              <a:spcBef>
+                <a:spcPts val="0"/>
+              </a:spcBef>
+              <a:spcAft>
+                <a:spcPts val="0"/>
+              </a:spcAft>
+              <a:buClr>
+                <a:srgbClr val="FF0000"/>
+              </a:buClr>
+              <a:buSzPts val="1200"/>
+              <a:buFont typeface="Calibri"/>
+              <a:buChar char="●"/>
+            </a:pPr>
+            <a:r>
+              <a:rPr lang="en" sz="1200" b="1">
+                <a:solidFill>
+                  <a:srgbClr val="FF0000"/>
+                </a:solidFill>
+                <a:latin typeface="Calibri"/>
+                <a:ea typeface="Calibri"/>
+                <a:cs typeface="Calibri"/>
+                <a:sym typeface="Calibri"/>
+              </a:rPr>
+              <a:t>Kling 2.5 Turbo - video generation model</a:t>
+            </a:r>
+            <a:endParaRPr sz="1200" b="1">
+              <a:solidFill>
+                <a:srgbClr val="FF0000"/>
+              </a:solidFill>
+              <a:latin typeface="Calibri"/>
+              <a:ea typeface="Calibri"/>
+              <a:cs typeface="Calibri"/>
+              <a:sym typeface="Calibri"/>
+            </a:endParaRPr>
+          </a:p>
+          <a:p>
+            <a:pPr marL="171450" marR="0" lvl="0" indent="-133350" algn="l" rtl="0">
+              <a:lnSpc>
+                <a:spcPct val="100000"/>
+              </a:lnSpc>
+              <a:spcBef>
+                <a:spcPts val="0"/>
+              </a:spcBef>
+              <a:spcAft>
+                <a:spcPts val="0"/>
+              </a:spcAft>
+              <a:buClr>
+                <a:schemeClr val="dk1"/>
+              </a:buClr>
+              <a:buSzPts val="1200"/>
+              <a:buFont typeface="Calibri"/>
+              <a:buChar char="●"/>
+            </a:pPr>
+            <a:r>
+              <a:rPr lang="en" sz="1200">
+                <a:solidFill>
+                  <a:schemeClr val="dk1"/>
+                </a:solidFill>
+                <a:latin typeface="Calibri"/>
+                <a:ea typeface="Calibri"/>
+                <a:cs typeface="Calibri"/>
+                <a:sym typeface="Calibri"/>
+              </a:rPr>
+              <a:t>created by Pollo AI (China) - </a:t>
+            </a:r>
+            <a:r>
+              <a:rPr lang="en" sz="1200" u="sng">
+                <a:solidFill>
+                  <a:schemeClr val="hlink"/>
+                </a:solidFill>
+                <a:latin typeface="Calibri"/>
+                <a:ea typeface="Calibri"/>
+                <a:cs typeface="Calibri"/>
+                <a:sym typeface="Calibri"/>
+                <a:hlinkClick r:id="rId7"/>
+              </a:rPr>
+              <a:t>https://app.klingai.com/global/</a:t>
+            </a:r>
+            <a:r>
+              <a:rPr lang="en" sz="1200">
+                <a:solidFill>
+                  <a:schemeClr val="dk1"/>
+                </a:solidFill>
+                <a:latin typeface="Calibri"/>
+                <a:ea typeface="Calibri"/>
+                <a:cs typeface="Calibri"/>
+                <a:sym typeface="Calibri"/>
+              </a:rPr>
+              <a:t> </a:t>
+            </a:r>
+            <a:endParaRPr sz="1200">
+              <a:solidFill>
+                <a:schemeClr val="dk1"/>
+              </a:solidFill>
+              <a:latin typeface="Calibri"/>
+              <a:ea typeface="Calibri"/>
+              <a:cs typeface="Calibri"/>
+              <a:sym typeface="Calibri"/>
+            </a:endParaRPr>
+          </a:p>
+          <a:p>
+            <a:pPr marL="171450" marR="0" lvl="0" indent="-133350" algn="l" rtl="0">
+              <a:lnSpc>
+                <a:spcPct val="100000"/>
+              </a:lnSpc>
+              <a:spcBef>
+                <a:spcPts val="0"/>
+              </a:spcBef>
+              <a:spcAft>
+                <a:spcPts val="0"/>
+              </a:spcAft>
+              <a:buClr>
+                <a:schemeClr val="dk1"/>
+              </a:buClr>
+              <a:buSzPts val="1200"/>
+              <a:buFont typeface="Calibri"/>
+              <a:buChar char="●"/>
+            </a:pPr>
+            <a:r>
+              <a:rPr lang="en" sz="1200">
+                <a:solidFill>
+                  <a:schemeClr val="dk1"/>
+                </a:solidFill>
+                <a:latin typeface="Calibri"/>
+                <a:ea typeface="Calibri"/>
+                <a:cs typeface="Calibri"/>
+                <a:sym typeface="Calibri"/>
+              </a:rPr>
+              <a:t>3x tiems faster and much cheaper than Google's Veo 3</a:t>
+            </a:r>
+            <a:endParaRPr sz="1200">
+              <a:solidFill>
+                <a:schemeClr val="dk1"/>
+              </a:solidFill>
+              <a:latin typeface="Calibri"/>
+              <a:ea typeface="Calibri"/>
+              <a:cs typeface="Calibri"/>
+              <a:sym typeface="Calibri"/>
+            </a:endParaRPr>
+          </a:p>
+        </p:txBody>
+      </p:sp>
+      <p:pic>
+        <p:nvPicPr>
+          <p:cNvPr id="261" name="Google Shape;261;p24"/>
+          <p:cNvPicPr preferRelativeResize="0"/>
+          <p:nvPr/>
+        </p:nvPicPr>
+        <p:blipFill>
+          <a:blip r:embed="rId8" cstate="email">
+            <a:alphaModFix/>
+            <a:extLst>
+              <a:ext uri="{28A0092B-C50C-407E-A947-70E740481C1C}">
+                <a14:useLocalDpi xmlns:a14="http://schemas.microsoft.com/office/drawing/2010/main"/>
+              </a:ext>
+            </a:extLst>
+          </a:blip>
+          <a:stretch>
+            <a:fillRect/>
+          </a:stretch>
+        </p:blipFill>
+        <p:spPr>
+          <a:xfrm>
+            <a:off x="5152467" y="3848625"/>
+            <a:ext cx="1927327" cy="1218676"/>
+          </a:xfrm>
+          <a:prstGeom prst="rect">
+            <a:avLst/>
+          </a:prstGeom>
+          <a:noFill/>
+          <a:ln>
+            <a:noFill/>
+          </a:ln>
+        </p:spPr>
+      </p:pic>
     </p:spTree>
   </p:cSld>
   <p:clrMapOvr>
@@ -16010,7 +16585,7 @@
   <p:cSld>
     <p:spTree>
       <p:nvGrpSpPr>
-        <p:cNvPr id="1" name="Shape 258"/>
+        <p:cNvPr id="1" name="Shape 265"/>
         <p:cNvGrpSpPr/>
         <p:nvPr/>
       </p:nvGrpSpPr>
@@ -16024,7 +16599,7 @@
       </p:grpSpPr>
       <p:sp>
         <p:nvSpPr>
-          <p:cNvPr id="259" name="Google Shape;259;p25"/>
+          <p:cNvPr id="266" name="Google Shape;266;p25"/>
           <p:cNvSpPr txBox="1"/>
           <p:nvPr/>
         </p:nvSpPr>
@@ -16090,7 +16665,7 @@
       </p:sp>
       <p:sp>
         <p:nvSpPr>
-          <p:cNvPr id="260" name="Google Shape;260;p25"/>
+          <p:cNvPr id="267" name="Google Shape;267;p25"/>
           <p:cNvSpPr txBox="1"/>
           <p:nvPr/>
         </p:nvSpPr>
@@ -16337,7 +16912,7 @@
       </p:sp>
       <p:pic>
         <p:nvPicPr>
-          <p:cNvPr id="261" name="Google Shape;261;p25"/>
+          <p:cNvPr id="268" name="Google Shape;268;p25"/>
           <p:cNvPicPr preferRelativeResize="0"/>
           <p:nvPr/>
         </p:nvPicPr>
@@ -16376,7 +16951,7 @@
       </p:pic>
       <p:sp>
         <p:nvSpPr>
-          <p:cNvPr id="262" name="Google Shape;262;p25"/>
+          <p:cNvPr id="269" name="Google Shape;269;p25"/>
           <p:cNvSpPr txBox="1"/>
           <p:nvPr/>
         </p:nvSpPr>
@@ -16770,7 +17345,7 @@
       </p:sp>
       <p:pic>
         <p:nvPicPr>
-          <p:cNvPr id="263" name="Google Shape;263;p25"/>
+          <p:cNvPr id="270" name="Google Shape;270;p25"/>
           <p:cNvPicPr preferRelativeResize="0"/>
           <p:nvPr/>
         </p:nvPicPr>
@@ -16820,7 +17395,7 @@
   <p:cSld>
     <p:spTree>
       <p:nvGrpSpPr>
-        <p:cNvPr id="1" name="Shape 267"/>
+        <p:cNvPr id="1" name="Shape 274"/>
         <p:cNvGrpSpPr/>
         <p:nvPr/>
       </p:nvGrpSpPr>
@@ -16834,7 +17409,7 @@
       </p:grpSpPr>
       <p:sp>
         <p:nvSpPr>
-          <p:cNvPr id="268" name="Google Shape;268;p26"/>
+          <p:cNvPr id="275" name="Google Shape;275;p26"/>
           <p:cNvSpPr txBox="1"/>
           <p:nvPr/>
         </p:nvSpPr>
@@ -16900,7 +17475,7 @@
       </p:sp>
       <p:sp>
         <p:nvSpPr>
-          <p:cNvPr id="269" name="Google Shape;269;p26"/>
+          <p:cNvPr id="276" name="Google Shape;276;p26"/>
           <p:cNvSpPr txBox="1"/>
           <p:nvPr/>
         </p:nvSpPr>
@@ -17308,7 +17883,7 @@
       </p:sp>
       <p:pic>
         <p:nvPicPr>
-          <p:cNvPr id="270" name="Google Shape;270;p26"/>
+          <p:cNvPr id="277" name="Google Shape;277;p26"/>
           <p:cNvPicPr preferRelativeResize="0"/>
           <p:nvPr/>
         </p:nvPicPr>
@@ -17347,7 +17922,7 @@
       </p:pic>
       <p:sp>
         <p:nvSpPr>
-          <p:cNvPr id="271" name="Google Shape;271;p26"/>
+          <p:cNvPr id="278" name="Google Shape;278;p26"/>
           <p:cNvSpPr txBox="1"/>
           <p:nvPr/>
         </p:nvSpPr>
@@ -17678,7 +18253,7 @@
       </p:sp>
       <p:pic>
         <p:nvPicPr>
-          <p:cNvPr id="272" name="Google Shape;272;p26"/>
+          <p:cNvPr id="279" name="Google Shape;279;p26"/>
           <p:cNvPicPr preferRelativeResize="0"/>
           <p:nvPr/>
         </p:nvPicPr>
@@ -17728,7 +18303,7 @@
   <p:cSld>
     <p:spTree>
       <p:nvGrpSpPr>
-        <p:cNvPr id="1" name="Shape 276"/>
+        <p:cNvPr id="1" name="Shape 283"/>
         <p:cNvGrpSpPr/>
         <p:nvPr/>
       </p:nvGrpSpPr>
@@ -17742,7 +18317,7 @@
       </p:grpSpPr>
       <p:sp>
         <p:nvSpPr>
-          <p:cNvPr id="277" name="Google Shape;277;p27"/>
+          <p:cNvPr id="284" name="Google Shape;284;p27"/>
           <p:cNvSpPr txBox="1"/>
           <p:nvPr/>
         </p:nvSpPr>
@@ -17808,14 +18383,14 @@
       </p:sp>
       <p:sp>
         <p:nvSpPr>
-          <p:cNvPr id="278" name="Google Shape;278;p27"/>
+          <p:cNvPr id="285" name="Google Shape;285;p27"/>
           <p:cNvSpPr txBox="1"/>
           <p:nvPr/>
         </p:nvSpPr>
         <p:spPr>
           <a:xfrm>
-            <a:off x="99275" y="526350"/>
-            <a:ext cx="4370100" cy="1496100"/>
+            <a:off x="99275" y="409400"/>
+            <a:ext cx="5082000" cy="1311300"/>
           </a:xfrm>
           <a:prstGeom prst="rect">
             <a:avLst/>
@@ -18043,7 +18618,7 @@
       </p:sp>
       <p:pic>
         <p:nvPicPr>
-          <p:cNvPr id="279" name="Google Shape;279;p27"/>
+          <p:cNvPr id="286" name="Google Shape;286;p27"/>
           <p:cNvPicPr preferRelativeResize="0"/>
           <p:nvPr/>
         </p:nvPicPr>
@@ -18062,8 +18637,8 @@
         </p:blipFill>
         <p:spPr>
           <a:xfrm>
-            <a:off x="4823625" y="219075"/>
-            <a:ext cx="4020276" cy="2110640"/>
+            <a:off x="5277458" y="224600"/>
+            <a:ext cx="2849704" cy="1496099"/>
           </a:xfrm>
           <a:prstGeom prst="rect">
             <a:avLst/>
@@ -18082,14 +18657,14 @@
       </p:pic>
       <p:sp>
         <p:nvSpPr>
-          <p:cNvPr id="280" name="Google Shape;280;p27"/>
+          <p:cNvPr id="287" name="Google Shape;287;p27"/>
           <p:cNvSpPr txBox="1"/>
           <p:nvPr/>
         </p:nvSpPr>
         <p:spPr>
           <a:xfrm>
-            <a:off x="99275" y="2707866"/>
-            <a:ext cx="4370100" cy="2188800"/>
+            <a:off x="99275" y="1812918"/>
+            <a:ext cx="5082000" cy="1080600"/>
           </a:xfrm>
           <a:prstGeom prst="rect">
             <a:avLst/>
@@ -18180,7 +18755,7 @@
                 <a:cs typeface="Calibri"/>
                 <a:sym typeface="Calibri"/>
               </a:rPr>
-              <a:t>LLMs compress massive amounts of training data into their parameters. This compression is lossy but highly effective - billions of parameters can encode the essential patterns from terabytes of text. </a:t>
+              <a:t>LLMs compress training data into their parameters. This compression is lossy but highly effective - Terabytes of text into Billions of parameters</a:t>
             </a:r>
             <a:endParaRPr sz="1200">
               <a:solidFill>
@@ -18220,9 +18795,9 @@
                 <a:cs typeface="Calibri"/>
                 <a:sym typeface="Calibri"/>
               </a:rPr>
-              <a:t>This process can be reversed: we can systematically extract structured datasets from trained models that reflect their internal knowledge representation.</a:t>
-            </a:r>
-            <a:endParaRPr sz="1200">
+              <a:t>This process can be reversed: we can extract structured datasets from trained models</a:t>
+            </a:r>
+            <a:endParaRPr sz="900">
               <a:solidFill>
                 <a:schemeClr val="dk1"/>
               </a:solidFill>
@@ -18233,25 +18808,38 @@
             </a:endParaRPr>
           </a:p>
           <a:p>
-            <a:pPr marL="171450" marR="0" lvl="0" indent="-133350" algn="l" rtl="0">
-              <a:lnSpc>
-                <a:spcPct val="100000"/>
-              </a:lnSpc>
-              <a:spcBef>
-                <a:spcPts val="0"/>
-              </a:spcBef>
-              <a:spcAft>
-                <a:spcPts val="0"/>
-              </a:spcAft>
-              <a:buClr>
-                <a:schemeClr val="dk1"/>
-              </a:buClr>
-              <a:buSzPts val="1200"/>
+            <a:pPr marL="171450" marR="0" lvl="0" indent="-114300" algn="l" rtl="0">
+              <a:lnSpc>
+                <a:spcPct val="100000"/>
+              </a:lnSpc>
+              <a:spcBef>
+                <a:spcPts val="0"/>
+              </a:spcBef>
+              <a:spcAft>
+                <a:spcPts val="0"/>
+              </a:spcAft>
+              <a:buClr>
+                <a:schemeClr val="dk1"/>
+              </a:buClr>
+              <a:buSzPts val="900"/>
               <a:buFont typeface="Calibri"/>
               <a:buChar char="●"/>
             </a:pPr>
             <a:r>
-              <a:rPr lang="en" sz="1200">
+              <a:rPr lang="en" sz="900" u="sng">
+                <a:solidFill>
+                  <a:schemeClr val="hlink"/>
+                </a:solidFill>
+                <a:latin typeface="Calibri"/>
+                <a:ea typeface="Calibri"/>
+                <a:cs typeface="Calibri"/>
+                <a:sym typeface="Calibri"/>
+                <a:hlinkClick r:id="rId5"/>
+              </a:rPr>
+              <a:t>https://www.scalarlm.com/blog/llm-deflate-extracting-llms-into-datasets/</a:t>
+            </a:r>
+            <a:r>
+              <a:rPr lang="en" sz="900">
                 <a:solidFill>
                   <a:schemeClr val="dk1"/>
                 </a:solidFill>
@@ -18260,7 +18848,7 @@
                 <a:cs typeface="Calibri"/>
                 <a:sym typeface="Calibri"/>
               </a:rPr>
-              <a:t>We’ve successfully applied this decompression technique to three popular open-source models and generated substantial training datasets from each</a:t>
+              <a:t> </a:t>
             </a:r>
             <a:endParaRPr sz="900">
               <a:solidFill>
@@ -18272,64 +18860,11 @@
               <a:sym typeface="Calibri"/>
             </a:endParaRPr>
           </a:p>
-          <a:p>
-            <a:pPr marL="171450" marR="0" lvl="0" indent="-114300" algn="l" rtl="0">
-              <a:lnSpc>
-                <a:spcPct val="100000"/>
-              </a:lnSpc>
-              <a:spcBef>
-                <a:spcPts val="0"/>
-              </a:spcBef>
-              <a:spcAft>
-                <a:spcPts val="0"/>
-              </a:spcAft>
-              <a:buClr>
-                <a:schemeClr val="dk1"/>
-              </a:buClr>
-              <a:buSzPts val="900"/>
-              <a:buFont typeface="Calibri"/>
-              <a:buChar char="●"/>
-            </a:pPr>
-            <a:r>
-              <a:rPr lang="en" sz="900" u="sng">
-                <a:solidFill>
-                  <a:schemeClr val="hlink"/>
-                </a:solidFill>
-                <a:latin typeface="Calibri"/>
-                <a:ea typeface="Calibri"/>
-                <a:cs typeface="Calibri"/>
-                <a:sym typeface="Calibri"/>
-                <a:hlinkClick r:id="rId5"/>
-              </a:rPr>
-              <a:t>https://www.scalarlm.com/blog/llm-deflate-extracting-llms-into-datasets/</a:t>
-            </a:r>
-            <a:r>
-              <a:rPr lang="en" sz="900">
-                <a:solidFill>
-                  <a:schemeClr val="dk1"/>
-                </a:solidFill>
-                <a:latin typeface="Calibri"/>
-                <a:ea typeface="Calibri"/>
-                <a:cs typeface="Calibri"/>
-                <a:sym typeface="Calibri"/>
-              </a:rPr>
-              <a:t> </a:t>
-            </a:r>
-            <a:endParaRPr sz="900">
-              <a:solidFill>
-                <a:schemeClr val="dk1"/>
-              </a:solidFill>
-              <a:latin typeface="Calibri"/>
-              <a:ea typeface="Calibri"/>
-              <a:cs typeface="Calibri"/>
-              <a:sym typeface="Calibri"/>
-            </a:endParaRPr>
-          </a:p>
         </p:txBody>
       </p:sp>
       <p:pic>
         <p:nvPicPr>
-          <p:cNvPr id="281" name="Google Shape;281;p27"/>
+          <p:cNvPr id="288" name="Google Shape;288;p27"/>
           <p:cNvPicPr preferRelativeResize="0"/>
           <p:nvPr/>
         </p:nvPicPr>
@@ -18348,8 +18883,507 @@
         </p:blipFill>
         <p:spPr>
           <a:xfrm>
-            <a:off x="4823626" y="2615925"/>
-            <a:ext cx="4020275" cy="2359547"/>
+            <a:off x="5277451" y="1812925"/>
+            <a:ext cx="1841167" cy="1080601"/>
+          </a:xfrm>
+          <a:prstGeom prst="rect">
+            <a:avLst/>
+          </a:prstGeom>
+          <a:noFill/>
+          <a:ln w="9525" cap="flat" cmpd="sng">
+            <a:solidFill>
+              <a:srgbClr val="FF0000"/>
+            </a:solidFill>
+            <a:prstDash val="solid"/>
+            <a:round/>
+            <a:headEnd type="none" w="sm" len="sm"/>
+            <a:tailEnd type="none" w="sm" len="sm"/>
+          </a:ln>
+        </p:spPr>
+      </p:pic>
+      <p:sp>
+        <p:nvSpPr>
+          <p:cNvPr id="289" name="Google Shape;289;p27"/>
+          <p:cNvSpPr txBox="1"/>
+          <p:nvPr/>
+        </p:nvSpPr>
+        <p:spPr>
+          <a:xfrm>
+            <a:off x="99275" y="2985749"/>
+            <a:ext cx="5082000" cy="1126800"/>
+          </a:xfrm>
+          <a:prstGeom prst="rect">
+            <a:avLst/>
+          </a:prstGeom>
+          <a:solidFill>
+            <a:srgbClr val="FFF2CC"/>
+          </a:solidFill>
+          <a:ln w="9525" cap="flat" cmpd="sng">
+            <a:solidFill>
+              <a:srgbClr val="FF0000"/>
+            </a:solidFill>
+            <a:prstDash val="solid"/>
+            <a:round/>
+            <a:headEnd type="none" w="sm" len="sm"/>
+            <a:tailEnd type="none" w="sm" len="sm"/>
+          </a:ln>
+        </p:spPr>
+        <p:txBody>
+          <a:bodyPr spcFirstLastPara="1" wrap="square" lIns="9125" tIns="9125" rIns="9125" bIns="9125" anchor="t" anchorCtr="0">
+            <a:spAutoFit/>
+          </a:bodyPr>
+          <a:lstStyle/>
+          <a:p>
+            <a:pPr marL="171450" marR="0" lvl="0" indent="-114300" algn="l" rtl="0">
+              <a:lnSpc>
+                <a:spcPct val="100000"/>
+              </a:lnSpc>
+              <a:spcBef>
+                <a:spcPts val="0"/>
+              </a:spcBef>
+              <a:spcAft>
+                <a:spcPts val="0"/>
+              </a:spcAft>
+              <a:buClr>
+                <a:srgbClr val="FF0000"/>
+              </a:buClr>
+              <a:buSzPts val="900"/>
+              <a:buFont typeface="Calibri"/>
+              <a:buChar char="●"/>
+            </a:pPr>
+            <a:r>
+              <a:rPr lang="en" sz="1200" b="1">
+                <a:solidFill>
+                  <a:srgbClr val="FF0000"/>
+                </a:solidFill>
+                <a:latin typeface="Calibri"/>
+                <a:ea typeface="Calibri"/>
+                <a:cs typeface="Calibri"/>
+                <a:sym typeface="Calibri"/>
+              </a:rPr>
+              <a:t>Tencent’s Parallel R1 (developed in Seattle)</a:t>
+            </a:r>
+            <a:endParaRPr sz="1200" b="1">
+              <a:solidFill>
+                <a:srgbClr val="FF0000"/>
+              </a:solidFill>
+              <a:latin typeface="Calibri"/>
+              <a:ea typeface="Calibri"/>
+              <a:cs typeface="Calibri"/>
+              <a:sym typeface="Calibri"/>
+            </a:endParaRPr>
+          </a:p>
+          <a:p>
+            <a:pPr marL="171450" marR="0" lvl="0" indent="-114300" algn="l" rtl="0">
+              <a:lnSpc>
+                <a:spcPct val="100000"/>
+              </a:lnSpc>
+              <a:spcBef>
+                <a:spcPts val="0"/>
+              </a:spcBef>
+              <a:spcAft>
+                <a:spcPts val="0"/>
+              </a:spcAft>
+              <a:buClr>
+                <a:schemeClr val="dk1"/>
+              </a:buClr>
+              <a:buSzPts val="900"/>
+              <a:buFont typeface="Calibri"/>
+              <a:buChar char="●"/>
+            </a:pPr>
+            <a:r>
+              <a:rPr lang="en" sz="1200">
+                <a:solidFill>
+                  <a:schemeClr val="dk1"/>
+                </a:solidFill>
+                <a:latin typeface="Calibri"/>
+                <a:ea typeface="Calibri"/>
+                <a:cs typeface="Calibri"/>
+                <a:sym typeface="Calibri"/>
+              </a:rPr>
+              <a:t>splitting reasoning into multiple reasoning paths (branches), evaluating different approaches, and then merging the results for a final answer</a:t>
+            </a:r>
+            <a:endParaRPr sz="1200">
+              <a:solidFill>
+                <a:schemeClr val="dk1"/>
+              </a:solidFill>
+              <a:latin typeface="Calibri"/>
+              <a:ea typeface="Calibri"/>
+              <a:cs typeface="Calibri"/>
+              <a:sym typeface="Calibri"/>
+            </a:endParaRPr>
+          </a:p>
+          <a:p>
+            <a:pPr marL="171450" marR="0" lvl="0" indent="-114300" algn="l" rtl="0">
+              <a:lnSpc>
+                <a:spcPct val="100000"/>
+              </a:lnSpc>
+              <a:spcBef>
+                <a:spcPts val="0"/>
+              </a:spcBef>
+              <a:spcAft>
+                <a:spcPts val="0"/>
+              </a:spcAft>
+              <a:buClr>
+                <a:schemeClr val="dk1"/>
+              </a:buClr>
+              <a:buSzPts val="900"/>
+              <a:buFont typeface="Calibri"/>
+              <a:buChar char="●"/>
+            </a:pPr>
+            <a:r>
+              <a:rPr lang="en" sz="1200">
+                <a:solidFill>
+                  <a:schemeClr val="dk1"/>
+                </a:solidFill>
+                <a:latin typeface="Calibri"/>
+                <a:ea typeface="Calibri"/>
+                <a:cs typeface="Calibri"/>
+                <a:sym typeface="Calibri"/>
+              </a:rPr>
+              <a:t>Parallel R1 achieved dramatic jumps in math benchmarks</a:t>
+            </a:r>
+            <a:endParaRPr sz="1200">
+              <a:solidFill>
+                <a:schemeClr val="dk1"/>
+              </a:solidFill>
+              <a:latin typeface="Calibri"/>
+              <a:ea typeface="Calibri"/>
+              <a:cs typeface="Calibri"/>
+              <a:sym typeface="Calibri"/>
+            </a:endParaRPr>
+          </a:p>
+          <a:p>
+            <a:pPr marL="171450" marR="0" lvl="0" indent="-114300" algn="l" rtl="0">
+              <a:lnSpc>
+                <a:spcPct val="100000"/>
+              </a:lnSpc>
+              <a:spcBef>
+                <a:spcPts val="0"/>
+              </a:spcBef>
+              <a:spcAft>
+                <a:spcPts val="0"/>
+              </a:spcAft>
+              <a:buClr>
+                <a:schemeClr val="dk1"/>
+              </a:buClr>
+              <a:buSzPts val="900"/>
+              <a:buFont typeface="Calibri"/>
+              <a:buChar char="●"/>
+            </a:pPr>
+            <a:r>
+              <a:rPr lang="en" sz="1200" u="sng">
+                <a:solidFill>
+                  <a:schemeClr val="hlink"/>
+                </a:solidFill>
+                <a:latin typeface="Calibri"/>
+                <a:ea typeface="Calibri"/>
+                <a:cs typeface="Calibri"/>
+                <a:sym typeface="Calibri"/>
+                <a:hlinkClick r:id="rId7"/>
+              </a:rPr>
+              <a:t>https://www.youtube.com/watch?v=OM3bnD4d6q0</a:t>
+            </a:r>
+            <a:r>
+              <a:rPr lang="en" sz="1200">
+                <a:solidFill>
+                  <a:schemeClr val="dk1"/>
+                </a:solidFill>
+                <a:latin typeface="Calibri"/>
+                <a:ea typeface="Calibri"/>
+                <a:cs typeface="Calibri"/>
+                <a:sym typeface="Calibri"/>
+              </a:rPr>
+              <a:t> - video</a:t>
+            </a:r>
+            <a:endParaRPr sz="1200">
+              <a:solidFill>
+                <a:schemeClr val="dk1"/>
+              </a:solidFill>
+              <a:latin typeface="Calibri"/>
+              <a:ea typeface="Calibri"/>
+              <a:cs typeface="Calibri"/>
+              <a:sym typeface="Calibri"/>
+            </a:endParaRPr>
+          </a:p>
+          <a:p>
+            <a:pPr marL="171450" marR="0" lvl="0" indent="-133350" algn="l" rtl="0">
+              <a:lnSpc>
+                <a:spcPct val="100000"/>
+              </a:lnSpc>
+              <a:spcBef>
+                <a:spcPts val="0"/>
+              </a:spcBef>
+              <a:spcAft>
+                <a:spcPts val="0"/>
+              </a:spcAft>
+              <a:buClr>
+                <a:schemeClr val="dk1"/>
+              </a:buClr>
+              <a:buSzPts val="1200"/>
+              <a:buFont typeface="Calibri"/>
+              <a:buChar char="●"/>
+            </a:pPr>
+            <a:r>
+              <a:rPr lang="en" sz="1200" u="sng">
+                <a:solidFill>
+                  <a:schemeClr val="hlink"/>
+                </a:solidFill>
+                <a:latin typeface="Calibri"/>
+                <a:ea typeface="Calibri"/>
+                <a:cs typeface="Calibri"/>
+                <a:sym typeface="Calibri"/>
+                <a:hlinkClick r:id="rId8"/>
+              </a:rPr>
+              <a:t>https://arxiv.org/pdf/2509.07980</a:t>
+            </a:r>
+            <a:r>
+              <a:rPr lang="en" sz="1200">
+                <a:solidFill>
+                  <a:schemeClr val="dk1"/>
+                </a:solidFill>
+                <a:latin typeface="Calibri"/>
+                <a:ea typeface="Calibri"/>
+                <a:cs typeface="Calibri"/>
+                <a:sym typeface="Calibri"/>
+              </a:rPr>
+              <a:t> - paper</a:t>
+            </a:r>
+            <a:endParaRPr sz="1200">
+              <a:solidFill>
+                <a:schemeClr val="dk1"/>
+              </a:solidFill>
+              <a:latin typeface="Calibri"/>
+              <a:ea typeface="Calibri"/>
+              <a:cs typeface="Calibri"/>
+              <a:sym typeface="Calibri"/>
+            </a:endParaRPr>
+          </a:p>
+        </p:txBody>
+      </p:sp>
+      <p:pic>
+        <p:nvPicPr>
+          <p:cNvPr id="290" name="Google Shape;290;p27"/>
+          <p:cNvPicPr preferRelativeResize="0"/>
+          <p:nvPr/>
+        </p:nvPicPr>
+        <p:blipFill>
+          <a:blip r:embed="rId9">
+            <a:alphaModFix/>
+          </a:blip>
+          <a:stretch>
+            <a:fillRect/>
+          </a:stretch>
+        </p:blipFill>
+        <p:spPr>
+          <a:xfrm>
+            <a:off x="5277458" y="2985750"/>
+            <a:ext cx="3557934" cy="1311300"/>
+          </a:xfrm>
+          <a:prstGeom prst="rect">
+            <a:avLst/>
+          </a:prstGeom>
+          <a:noFill/>
+          <a:ln w="9525" cap="flat" cmpd="sng">
+            <a:solidFill>
+              <a:srgbClr val="FF0000"/>
+            </a:solidFill>
+            <a:prstDash val="solid"/>
+            <a:round/>
+            <a:headEnd type="none" w="sm" len="sm"/>
+            <a:tailEnd type="none" w="sm" len="sm"/>
+          </a:ln>
+        </p:spPr>
+      </p:pic>
+      <p:sp>
+        <p:nvSpPr>
+          <p:cNvPr id="291" name="Google Shape;291;p27"/>
+          <p:cNvSpPr txBox="1"/>
+          <p:nvPr/>
+        </p:nvSpPr>
+        <p:spPr>
+          <a:xfrm>
+            <a:off x="99275" y="4204775"/>
+            <a:ext cx="2775000" cy="572700"/>
+          </a:xfrm>
+          <a:prstGeom prst="rect">
+            <a:avLst/>
+          </a:prstGeom>
+          <a:solidFill>
+            <a:srgbClr val="FFF2CC"/>
+          </a:solidFill>
+          <a:ln w="9525" cap="flat" cmpd="sng">
+            <a:solidFill>
+              <a:srgbClr val="FF0000"/>
+            </a:solidFill>
+            <a:prstDash val="solid"/>
+            <a:round/>
+            <a:headEnd type="none" w="sm" len="sm"/>
+            <a:tailEnd type="none" w="sm" len="sm"/>
+          </a:ln>
+        </p:spPr>
+        <p:txBody>
+          <a:bodyPr spcFirstLastPara="1" wrap="square" lIns="9125" tIns="9125" rIns="9125" bIns="9125" anchor="t" anchorCtr="0">
+            <a:spAutoFit/>
+          </a:bodyPr>
+          <a:lstStyle/>
+          <a:p>
+            <a:pPr marL="171450" marR="0" lvl="0" indent="-114300" algn="l" rtl="0">
+              <a:lnSpc>
+                <a:spcPct val="100000"/>
+              </a:lnSpc>
+              <a:spcBef>
+                <a:spcPts val="0"/>
+              </a:spcBef>
+              <a:spcAft>
+                <a:spcPts val="0"/>
+              </a:spcAft>
+              <a:buClr>
+                <a:srgbClr val="FF0000"/>
+              </a:buClr>
+              <a:buSzPts val="900"/>
+              <a:buFont typeface="Calibri"/>
+              <a:buChar char="●"/>
+            </a:pPr>
+            <a:r>
+              <a:rPr lang="en" sz="1200" b="1">
+                <a:solidFill>
+                  <a:srgbClr val="FF0000"/>
+                </a:solidFill>
+                <a:latin typeface="Calibri"/>
+                <a:ea typeface="Calibri"/>
+                <a:cs typeface="Calibri"/>
+                <a:sym typeface="Calibri"/>
+              </a:rPr>
+              <a:t>Ollama Web Search</a:t>
+            </a:r>
+            <a:endParaRPr sz="1200" b="1">
+              <a:solidFill>
+                <a:srgbClr val="FF0000"/>
+              </a:solidFill>
+              <a:latin typeface="Calibri"/>
+              <a:ea typeface="Calibri"/>
+              <a:cs typeface="Calibri"/>
+              <a:sym typeface="Calibri"/>
+            </a:endParaRPr>
+          </a:p>
+          <a:p>
+            <a:pPr marL="171450" marR="0" lvl="0" indent="-114300" algn="l" rtl="0">
+              <a:lnSpc>
+                <a:spcPct val="100000"/>
+              </a:lnSpc>
+              <a:spcBef>
+                <a:spcPts val="0"/>
+              </a:spcBef>
+              <a:spcAft>
+                <a:spcPts val="0"/>
+              </a:spcAft>
+              <a:buClr>
+                <a:schemeClr val="dk1"/>
+              </a:buClr>
+              <a:buSzPts val="900"/>
+              <a:buFont typeface="Calibri"/>
+              <a:buChar char="●"/>
+            </a:pPr>
+            <a:r>
+              <a:rPr lang="en" sz="1200">
+                <a:solidFill>
+                  <a:schemeClr val="dk1"/>
+                </a:solidFill>
+                <a:latin typeface="Calibri"/>
+                <a:ea typeface="Calibri"/>
+                <a:cs typeface="Calibri"/>
+                <a:sym typeface="Calibri"/>
+              </a:rPr>
+              <a:t>Ollama now offers API for web search</a:t>
+            </a:r>
+            <a:endParaRPr sz="1200">
+              <a:solidFill>
+                <a:schemeClr val="dk1"/>
+              </a:solidFill>
+              <a:latin typeface="Calibri"/>
+              <a:ea typeface="Calibri"/>
+              <a:cs typeface="Calibri"/>
+              <a:sym typeface="Calibri"/>
+            </a:endParaRPr>
+          </a:p>
+          <a:p>
+            <a:pPr marL="171450" marR="0" lvl="0" indent="-114300" algn="l" rtl="0">
+              <a:lnSpc>
+                <a:spcPct val="100000"/>
+              </a:lnSpc>
+              <a:spcBef>
+                <a:spcPts val="0"/>
+              </a:spcBef>
+              <a:spcAft>
+                <a:spcPts val="0"/>
+              </a:spcAft>
+              <a:buClr>
+                <a:schemeClr val="dk1"/>
+              </a:buClr>
+              <a:buSzPts val="900"/>
+              <a:buFont typeface="Calibri"/>
+              <a:buChar char="●"/>
+            </a:pPr>
+            <a:r>
+              <a:rPr lang="en" sz="1200" u="sng">
+                <a:solidFill>
+                  <a:schemeClr val="hlink"/>
+                </a:solidFill>
+                <a:latin typeface="Calibri"/>
+                <a:ea typeface="Calibri"/>
+                <a:cs typeface="Calibri"/>
+                <a:sym typeface="Calibri"/>
+                <a:hlinkClick r:id="rId10"/>
+              </a:rPr>
+              <a:t>https://ollama.com/blog/web-search</a:t>
+            </a:r>
+            <a:r>
+              <a:rPr lang="en" sz="1200">
+                <a:solidFill>
+                  <a:schemeClr val="dk1"/>
+                </a:solidFill>
+                <a:latin typeface="Calibri"/>
+                <a:ea typeface="Calibri"/>
+                <a:cs typeface="Calibri"/>
+                <a:sym typeface="Calibri"/>
+              </a:rPr>
+              <a:t> </a:t>
+            </a:r>
+            <a:endParaRPr sz="1200">
+              <a:solidFill>
+                <a:schemeClr val="dk1"/>
+              </a:solidFill>
+              <a:latin typeface="Calibri"/>
+              <a:ea typeface="Calibri"/>
+              <a:cs typeface="Calibri"/>
+              <a:sym typeface="Calibri"/>
+            </a:endParaRPr>
+          </a:p>
+        </p:txBody>
+      </p:sp>
+      <p:pic>
+        <p:nvPicPr>
+          <p:cNvPr id="292" name="Google Shape;292;p27"/>
+          <p:cNvPicPr preferRelativeResize="0"/>
+          <p:nvPr/>
+        </p:nvPicPr>
+        <p:blipFill rotWithShape="1">
+          <a:blip r:embed="rId11" cstate="email">
+            <a:alphaModFix/>
+            <a:extLst>
+              <a:ext uri="{28A0092B-C50C-407E-A947-70E740481C1C}">
+                <a14:useLocalDpi xmlns:a14="http://schemas.microsoft.com/office/drawing/2010/main"/>
+              </a:ext>
+            </a:extLst>
+          </a:blip>
+          <a:srcRect/>
+          <a:stretch/>
+        </p:blipFill>
+        <p:spPr>
+          <a:xfrm>
+            <a:off x="2961900" y="4204775"/>
+            <a:ext cx="889221" cy="892526"/>
           </a:xfrm>
           <a:prstGeom prst="rect">
             <a:avLst/>
@@ -18379,7 +19413,7 @@
   <p:cSld>
     <p:spTree>
       <p:nvGrpSpPr>
-        <p:cNvPr id="1" name="Shape 285"/>
+        <p:cNvPr id="1" name="Shape 296"/>
         <p:cNvGrpSpPr/>
         <p:nvPr/>
       </p:nvGrpSpPr>
@@ -18393,7 +19427,638 @@
       </p:grpSpPr>
       <p:sp>
         <p:nvSpPr>
-          <p:cNvPr id="286" name="Google Shape;286;p28"/>
+          <p:cNvPr id="297" name="Google Shape;297;p28"/>
+          <p:cNvSpPr txBox="1"/>
+          <p:nvPr/>
+        </p:nvSpPr>
+        <p:spPr>
+          <a:xfrm>
+            <a:off x="55075" y="-9225"/>
+            <a:ext cx="3084000" cy="326400"/>
+          </a:xfrm>
+          <a:prstGeom prst="rect">
+            <a:avLst/>
+          </a:prstGeom>
+          <a:noFill/>
+          <a:ln>
+            <a:noFill/>
+          </a:ln>
+        </p:spPr>
+        <p:txBody>
+          <a:bodyPr spcFirstLastPara="1" wrap="square" lIns="9125" tIns="9125" rIns="9125" bIns="9125" anchor="t" anchorCtr="0">
+            <a:spAutoFit/>
+          </a:bodyPr>
+          <a:lstStyle/>
+          <a:p>
+            <a:pPr marL="0" marR="0" lvl="0" indent="0" algn="l" rtl="0">
+              <a:lnSpc>
+                <a:spcPct val="100000"/>
+              </a:lnSpc>
+              <a:spcBef>
+                <a:spcPts val="0"/>
+              </a:spcBef>
+              <a:spcAft>
+                <a:spcPts val="0"/>
+              </a:spcAft>
+              <a:buClr>
+                <a:schemeClr val="dk1"/>
+              </a:buClr>
+              <a:buSzPts val="1100"/>
+              <a:buFont typeface="Arial"/>
+              <a:buNone/>
+            </a:pPr>
+            <a:r>
+              <a:rPr lang="en" sz="2000" b="1">
+                <a:solidFill>
+                  <a:schemeClr val="dk1"/>
+                </a:solidFill>
+                <a:latin typeface="Calibri"/>
+                <a:ea typeface="Calibri"/>
+                <a:cs typeface="Calibri"/>
+                <a:sym typeface="Calibri"/>
+              </a:rPr>
+              <a:t>Spiking Brain Models</a:t>
+            </a:r>
+            <a:endParaRPr sz="2000" b="1" i="0" u="none" strike="noStrike" cap="none">
+              <a:solidFill>
+                <a:schemeClr val="dk1"/>
+              </a:solidFill>
+              <a:latin typeface="Calibri"/>
+              <a:ea typeface="Calibri"/>
+              <a:cs typeface="Calibri"/>
+              <a:sym typeface="Calibri"/>
+            </a:endParaRPr>
+          </a:p>
+        </p:txBody>
+      </p:sp>
+      <p:sp>
+        <p:nvSpPr>
+          <p:cNvPr id="298" name="Google Shape;298;p28"/>
+          <p:cNvSpPr txBox="1"/>
+          <p:nvPr/>
+        </p:nvSpPr>
+        <p:spPr>
+          <a:xfrm>
+            <a:off x="99275" y="532315"/>
+            <a:ext cx="4370100" cy="3158400"/>
+          </a:xfrm>
+          <a:prstGeom prst="rect">
+            <a:avLst/>
+          </a:prstGeom>
+          <a:solidFill>
+            <a:srgbClr val="FFF2CC"/>
+          </a:solidFill>
+          <a:ln w="9525" cap="flat" cmpd="sng">
+            <a:solidFill>
+              <a:srgbClr val="FF0000"/>
+            </a:solidFill>
+            <a:prstDash val="solid"/>
+            <a:round/>
+            <a:headEnd type="none" w="sm" len="sm"/>
+            <a:tailEnd type="none" w="sm" len="sm"/>
+          </a:ln>
+        </p:spPr>
+        <p:txBody>
+          <a:bodyPr spcFirstLastPara="1" wrap="square" lIns="9125" tIns="9125" rIns="9125" bIns="9125" anchor="t" anchorCtr="0">
+            <a:spAutoFit/>
+          </a:bodyPr>
+          <a:lstStyle/>
+          <a:p>
+            <a:pPr marL="171450" marR="0" lvl="0" indent="-133350" algn="l" rtl="0">
+              <a:lnSpc>
+                <a:spcPct val="100000"/>
+              </a:lnSpc>
+              <a:spcBef>
+                <a:spcPts val="0"/>
+              </a:spcBef>
+              <a:spcAft>
+                <a:spcPts val="0"/>
+              </a:spcAft>
+              <a:buClr>
+                <a:schemeClr val="dk1"/>
+              </a:buClr>
+              <a:buSzPts val="1200"/>
+              <a:buFont typeface="Calibri"/>
+              <a:buChar char="●"/>
+            </a:pPr>
+            <a:r>
+              <a:rPr lang="en" sz="1200" b="1">
+                <a:solidFill>
+                  <a:srgbClr val="FF0000"/>
+                </a:solidFill>
+                <a:latin typeface="Calibri"/>
+                <a:ea typeface="Calibri"/>
+                <a:cs typeface="Calibri"/>
+                <a:sym typeface="Calibri"/>
+              </a:rPr>
+              <a:t>Spiking Brain models</a:t>
+            </a:r>
+            <a:r>
+              <a:rPr lang="en" sz="1200">
+                <a:solidFill>
+                  <a:schemeClr val="dk1"/>
+                </a:solidFill>
+                <a:latin typeface="Calibri"/>
+                <a:ea typeface="Calibri"/>
+                <a:cs typeface="Calibri"/>
+                <a:sym typeface="Calibri"/>
+              </a:rPr>
+              <a:t> use "event-driven processing" (China)</a:t>
+            </a:r>
+            <a:endParaRPr sz="1200">
+              <a:solidFill>
+                <a:schemeClr val="dk1"/>
+              </a:solidFill>
+              <a:latin typeface="Calibri"/>
+              <a:ea typeface="Calibri"/>
+              <a:cs typeface="Calibri"/>
+              <a:sym typeface="Calibri"/>
+            </a:endParaRPr>
+          </a:p>
+          <a:p>
+            <a:pPr marL="171450" marR="0" lvl="0" indent="-133350" algn="l" rtl="0">
+              <a:lnSpc>
+                <a:spcPct val="100000"/>
+              </a:lnSpc>
+              <a:spcBef>
+                <a:spcPts val="0"/>
+              </a:spcBef>
+              <a:spcAft>
+                <a:spcPts val="0"/>
+              </a:spcAft>
+              <a:buClr>
+                <a:schemeClr val="dk1"/>
+              </a:buClr>
+              <a:buSzPts val="1200"/>
+              <a:buFont typeface="Calibri"/>
+              <a:buChar char="●"/>
+            </a:pPr>
+            <a:r>
+              <a:rPr lang="en" sz="1200">
+                <a:solidFill>
+                  <a:schemeClr val="dk1"/>
+                </a:solidFill>
+                <a:latin typeface="Calibri"/>
+                <a:ea typeface="Calibri"/>
+                <a:cs typeface="Calibri"/>
+                <a:sym typeface="Calibri"/>
+              </a:rPr>
+              <a:t>Mimics biological neurons which activate (spike) when necessary</a:t>
+            </a:r>
+            <a:endParaRPr sz="1200">
+              <a:solidFill>
+                <a:schemeClr val="dk1"/>
+              </a:solidFill>
+              <a:latin typeface="Calibri"/>
+              <a:ea typeface="Calibri"/>
+              <a:cs typeface="Calibri"/>
+              <a:sym typeface="Calibri"/>
+            </a:endParaRPr>
+          </a:p>
+          <a:p>
+            <a:pPr marL="171450" marR="0" lvl="0" indent="-133350" algn="l" rtl="0">
+              <a:lnSpc>
+                <a:spcPct val="100000"/>
+              </a:lnSpc>
+              <a:spcBef>
+                <a:spcPts val="0"/>
+              </a:spcBef>
+              <a:spcAft>
+                <a:spcPts val="0"/>
+              </a:spcAft>
+              <a:buClr>
+                <a:schemeClr val="dk1"/>
+              </a:buClr>
+              <a:buSzPts val="1200"/>
+              <a:buFont typeface="Calibri"/>
+              <a:buChar char="●"/>
+            </a:pPr>
+            <a:r>
+              <a:rPr lang="en" sz="1200">
+                <a:solidFill>
+                  <a:schemeClr val="dk1"/>
+                </a:solidFill>
+                <a:latin typeface="Calibri"/>
+                <a:ea typeface="Calibri"/>
+                <a:cs typeface="Calibri"/>
+                <a:sym typeface="Calibri"/>
+              </a:rPr>
+              <a:t>This approach provides 69% computation sparsity and massive energy savings</a:t>
+            </a:r>
+            <a:endParaRPr sz="1200">
+              <a:solidFill>
+                <a:schemeClr val="dk1"/>
+              </a:solidFill>
+              <a:latin typeface="Calibri"/>
+              <a:ea typeface="Calibri"/>
+              <a:cs typeface="Calibri"/>
+              <a:sym typeface="Calibri"/>
+            </a:endParaRPr>
+          </a:p>
+          <a:p>
+            <a:pPr marL="171450" marR="0" lvl="0" indent="-133350" algn="l" rtl="0">
+              <a:lnSpc>
+                <a:spcPct val="100000"/>
+              </a:lnSpc>
+              <a:spcBef>
+                <a:spcPts val="0"/>
+              </a:spcBef>
+              <a:spcAft>
+                <a:spcPts val="0"/>
+              </a:spcAft>
+              <a:buClr>
+                <a:schemeClr val="dk1"/>
+              </a:buClr>
+              <a:buSzPts val="1200"/>
+              <a:buFont typeface="Calibri"/>
+              <a:buChar char="●"/>
+            </a:pPr>
+            <a:r>
+              <a:rPr lang="en" sz="1200">
+                <a:solidFill>
+                  <a:schemeClr val="dk1"/>
+                </a:solidFill>
+                <a:latin typeface="Calibri"/>
+                <a:ea typeface="Calibri"/>
+                <a:cs typeface="Calibri"/>
+                <a:sym typeface="Calibri"/>
+              </a:rPr>
+              <a:t>The architecture replaces traditional quadratic attention with linear attention, allowing much longer context lengths (up to 4M tokens) without exponential computational growth</a:t>
+            </a:r>
+            <a:endParaRPr sz="1200">
+              <a:solidFill>
+                <a:schemeClr val="dk1"/>
+              </a:solidFill>
+              <a:latin typeface="Calibri"/>
+              <a:ea typeface="Calibri"/>
+              <a:cs typeface="Calibri"/>
+              <a:sym typeface="Calibri"/>
+            </a:endParaRPr>
+          </a:p>
+          <a:p>
+            <a:pPr marL="171450" marR="0" lvl="0" indent="-133350" algn="l" rtl="0">
+              <a:lnSpc>
+                <a:spcPct val="100000"/>
+              </a:lnSpc>
+              <a:spcBef>
+                <a:spcPts val="0"/>
+              </a:spcBef>
+              <a:spcAft>
+                <a:spcPts val="0"/>
+              </a:spcAft>
+              <a:buClr>
+                <a:schemeClr val="dk1"/>
+              </a:buClr>
+              <a:buSzPts val="1200"/>
+              <a:buFont typeface="Calibri"/>
+              <a:buChar char="●"/>
+            </a:pPr>
+            <a:r>
+              <a:rPr lang="en" sz="1200">
+                <a:solidFill>
+                  <a:schemeClr val="dk1"/>
+                </a:solidFill>
+                <a:latin typeface="Calibri"/>
+                <a:ea typeface="Calibri"/>
+                <a:cs typeface="Calibri"/>
+                <a:sym typeface="Calibri"/>
+              </a:rPr>
+              <a:t>A MoE approach ensures only relevant specialist modules are activated for each task, improving both efficiency and performance</a:t>
+            </a:r>
+            <a:endParaRPr sz="1200">
+              <a:solidFill>
+                <a:schemeClr val="dk1"/>
+              </a:solidFill>
+              <a:latin typeface="Calibri"/>
+              <a:ea typeface="Calibri"/>
+              <a:cs typeface="Calibri"/>
+              <a:sym typeface="Calibri"/>
+            </a:endParaRPr>
+          </a:p>
+          <a:p>
+            <a:pPr marL="171450" marR="0" lvl="0" indent="-133350" algn="l" rtl="0">
+              <a:lnSpc>
+                <a:spcPct val="100000"/>
+              </a:lnSpc>
+              <a:spcBef>
+                <a:spcPts val="0"/>
+              </a:spcBef>
+              <a:spcAft>
+                <a:spcPts val="0"/>
+              </a:spcAft>
+              <a:buClr>
+                <a:schemeClr val="dk1"/>
+              </a:buClr>
+              <a:buSzPts val="1200"/>
+              <a:buFont typeface="Calibri"/>
+              <a:buChar char="●"/>
+            </a:pPr>
+            <a:r>
+              <a:rPr lang="en" sz="1200">
+                <a:solidFill>
+                  <a:schemeClr val="dk1"/>
+                </a:solidFill>
+                <a:latin typeface="Calibri"/>
+                <a:ea typeface="Calibri"/>
+                <a:cs typeface="Calibri"/>
+                <a:sym typeface="Calibri"/>
+              </a:rPr>
+              <a:t>The Spiking Brain 7B model is 100x faster on long texts compared to traditional models, while using far less energy (reflecting up to 43x improvement with quantization)</a:t>
+            </a:r>
+            <a:endParaRPr sz="1200">
+              <a:solidFill>
+                <a:schemeClr val="dk1"/>
+              </a:solidFill>
+              <a:latin typeface="Calibri"/>
+              <a:ea typeface="Calibri"/>
+              <a:cs typeface="Calibri"/>
+              <a:sym typeface="Calibri"/>
+            </a:endParaRPr>
+          </a:p>
+          <a:p>
+            <a:pPr marL="171450" marR="0" lvl="0" indent="-133350" algn="l" rtl="0">
+              <a:lnSpc>
+                <a:spcPct val="100000"/>
+              </a:lnSpc>
+              <a:spcBef>
+                <a:spcPts val="0"/>
+              </a:spcBef>
+              <a:spcAft>
+                <a:spcPts val="0"/>
+              </a:spcAft>
+              <a:buClr>
+                <a:schemeClr val="dk1"/>
+              </a:buClr>
+              <a:buSzPts val="1200"/>
+              <a:buFont typeface="Calibri"/>
+              <a:buChar char="●"/>
+            </a:pPr>
+            <a:r>
+              <a:rPr lang="en" sz="1200">
+                <a:solidFill>
+                  <a:schemeClr val="dk1"/>
+                </a:solidFill>
+                <a:latin typeface="Calibri"/>
+                <a:ea typeface="Calibri"/>
+                <a:cs typeface="Calibri"/>
+                <a:sym typeface="Calibri"/>
+              </a:rPr>
+              <a:t>The research is open-source, unlocking rapid follow-up and innovation in the AI community</a:t>
+            </a:r>
+            <a:endParaRPr sz="1200">
+              <a:solidFill>
+                <a:schemeClr val="dk1"/>
+              </a:solidFill>
+              <a:latin typeface="Calibri"/>
+              <a:ea typeface="Calibri"/>
+              <a:cs typeface="Calibri"/>
+              <a:sym typeface="Calibri"/>
+            </a:endParaRPr>
+          </a:p>
+          <a:p>
+            <a:pPr marL="171450" marR="0" lvl="0" indent="-133350" algn="l" rtl="0">
+              <a:lnSpc>
+                <a:spcPct val="100000"/>
+              </a:lnSpc>
+              <a:spcBef>
+                <a:spcPts val="0"/>
+              </a:spcBef>
+              <a:spcAft>
+                <a:spcPts val="0"/>
+              </a:spcAft>
+              <a:buClr>
+                <a:schemeClr val="dk1"/>
+              </a:buClr>
+              <a:buSzPts val="1200"/>
+              <a:buFont typeface="Calibri"/>
+              <a:buChar char="●"/>
+            </a:pPr>
+            <a:r>
+              <a:rPr lang="en" sz="1200">
+                <a:solidFill>
+                  <a:schemeClr val="dk1"/>
+                </a:solidFill>
+                <a:latin typeface="Calibri"/>
+                <a:ea typeface="Calibri"/>
+                <a:cs typeface="Calibri"/>
+                <a:sym typeface="Calibri"/>
+              </a:rPr>
+              <a:t>Spiking Brain’s efficiency could help reduce AI’s energy impact</a:t>
+            </a:r>
+            <a:endParaRPr sz="1200">
+              <a:solidFill>
+                <a:schemeClr val="dk1"/>
+              </a:solidFill>
+              <a:latin typeface="Calibri"/>
+              <a:ea typeface="Calibri"/>
+              <a:cs typeface="Calibri"/>
+              <a:sym typeface="Calibri"/>
+            </a:endParaRPr>
+          </a:p>
+          <a:p>
+            <a:pPr marL="171450" marR="0" lvl="0" indent="-133350" algn="l" rtl="0">
+              <a:lnSpc>
+                <a:spcPct val="100000"/>
+              </a:lnSpc>
+              <a:spcBef>
+                <a:spcPts val="0"/>
+              </a:spcBef>
+              <a:spcAft>
+                <a:spcPts val="0"/>
+              </a:spcAft>
+              <a:buClr>
+                <a:schemeClr val="dk1"/>
+              </a:buClr>
+              <a:buSzPts val="1200"/>
+              <a:buFont typeface="Calibri"/>
+              <a:buChar char="●"/>
+            </a:pPr>
+            <a:r>
+              <a:rPr lang="en" sz="1200" u="sng">
+                <a:solidFill>
+                  <a:schemeClr val="hlink"/>
+                </a:solidFill>
+                <a:latin typeface="Calibri"/>
+                <a:ea typeface="Calibri"/>
+                <a:cs typeface="Calibri"/>
+                <a:sym typeface="Calibri"/>
+                <a:hlinkClick r:id="rId3"/>
+              </a:rPr>
+              <a:t>https://www.youtube.com/watch?v=pX070TcFwvU</a:t>
+            </a:r>
+            <a:r>
+              <a:rPr lang="en" sz="1200">
+                <a:solidFill>
+                  <a:schemeClr val="dk1"/>
+                </a:solidFill>
+                <a:latin typeface="Calibri"/>
+                <a:ea typeface="Calibri"/>
+                <a:cs typeface="Calibri"/>
+                <a:sym typeface="Calibri"/>
+              </a:rPr>
+              <a:t> - video</a:t>
+            </a:r>
+            <a:endParaRPr sz="1200">
+              <a:solidFill>
+                <a:schemeClr val="dk1"/>
+              </a:solidFill>
+              <a:latin typeface="Calibri"/>
+              <a:ea typeface="Calibri"/>
+              <a:cs typeface="Calibri"/>
+              <a:sym typeface="Calibri"/>
+            </a:endParaRPr>
+          </a:p>
+          <a:p>
+            <a:pPr marL="171450" marR="0" lvl="0" indent="-133350" algn="l" rtl="0">
+              <a:lnSpc>
+                <a:spcPct val="100000"/>
+              </a:lnSpc>
+              <a:spcBef>
+                <a:spcPts val="0"/>
+              </a:spcBef>
+              <a:spcAft>
+                <a:spcPts val="0"/>
+              </a:spcAft>
+              <a:buClr>
+                <a:schemeClr val="dk1"/>
+              </a:buClr>
+              <a:buSzPts val="1200"/>
+              <a:buFont typeface="Calibri"/>
+              <a:buChar char="●"/>
+            </a:pPr>
+            <a:r>
+              <a:rPr lang="en" sz="1200" u="sng">
+                <a:solidFill>
+                  <a:schemeClr val="hlink"/>
+                </a:solidFill>
+                <a:latin typeface="Calibri"/>
+                <a:ea typeface="Calibri"/>
+                <a:cs typeface="Calibri"/>
+                <a:sym typeface="Calibri"/>
+                <a:hlinkClick r:id="rId4"/>
+              </a:rPr>
+              <a:t>https://arxiv.org/pdf/2509.05276</a:t>
+            </a:r>
+            <a:r>
+              <a:rPr lang="en" sz="1200">
+                <a:solidFill>
+                  <a:schemeClr val="dk1"/>
+                </a:solidFill>
+                <a:latin typeface="Calibri"/>
+                <a:ea typeface="Calibri"/>
+                <a:cs typeface="Calibri"/>
+                <a:sym typeface="Calibri"/>
+              </a:rPr>
+              <a:t> - paper</a:t>
+            </a:r>
+            <a:endParaRPr sz="1200">
+              <a:solidFill>
+                <a:schemeClr val="dk1"/>
+              </a:solidFill>
+              <a:latin typeface="Calibri"/>
+              <a:ea typeface="Calibri"/>
+              <a:cs typeface="Calibri"/>
+              <a:sym typeface="Calibri"/>
+            </a:endParaRPr>
+          </a:p>
+        </p:txBody>
+      </p:sp>
+      <p:pic>
+        <p:nvPicPr>
+          <p:cNvPr id="299" name="Google Shape;299;p28"/>
+          <p:cNvPicPr preferRelativeResize="0"/>
+          <p:nvPr/>
+        </p:nvPicPr>
+        <p:blipFill>
+          <a:blip r:embed="rId5">
+            <a:alphaModFix/>
+          </a:blip>
+          <a:stretch>
+            <a:fillRect/>
+          </a:stretch>
+        </p:blipFill>
+        <p:spPr>
+          <a:xfrm>
+            <a:off x="4621775" y="540050"/>
+            <a:ext cx="2466975" cy="1847850"/>
+          </a:xfrm>
+          <a:prstGeom prst="rect">
+            <a:avLst/>
+          </a:prstGeom>
+          <a:noFill/>
+          <a:ln w="9525" cap="flat" cmpd="sng">
+            <a:solidFill>
+              <a:srgbClr val="FF0000"/>
+            </a:solidFill>
+            <a:prstDash val="solid"/>
+            <a:round/>
+            <a:headEnd type="none" w="sm" len="sm"/>
+            <a:tailEnd type="none" w="sm" len="sm"/>
+          </a:ln>
+        </p:spPr>
+      </p:pic>
+      <p:pic>
+        <p:nvPicPr>
+          <p:cNvPr id="300" name="Google Shape;300;p28"/>
+          <p:cNvPicPr preferRelativeResize="0"/>
+          <p:nvPr/>
+        </p:nvPicPr>
+        <p:blipFill>
+          <a:blip r:embed="rId6">
+            <a:alphaModFix/>
+          </a:blip>
+          <a:stretch>
+            <a:fillRect/>
+          </a:stretch>
+        </p:blipFill>
+        <p:spPr>
+          <a:xfrm>
+            <a:off x="4621775" y="2642325"/>
+            <a:ext cx="3657600" cy="1247775"/>
+          </a:xfrm>
+          <a:prstGeom prst="rect">
+            <a:avLst/>
+          </a:prstGeom>
+          <a:noFill/>
+          <a:ln w="9525" cap="flat" cmpd="sng">
+            <a:solidFill>
+              <a:srgbClr val="FF0000"/>
+            </a:solidFill>
+            <a:prstDash val="solid"/>
+            <a:round/>
+            <a:headEnd type="none" w="sm" len="sm"/>
+            <a:tailEnd type="none" w="sm" len="sm"/>
+          </a:ln>
+        </p:spPr>
+      </p:pic>
+    </p:spTree>
+  </p:cSld>
+  <p:clrMapOvr>
+    <a:masterClrMapping/>
+  </p:clrMapOvr>
+</p:sld>
+</file>
+
+<file path=ppt/slides/slide15.xml><?xml version="1.0" encoding="utf-8"?>
+<p:sld xmlns:a="http://schemas.openxmlformats.org/drawingml/2006/main" xmlns:r="http://schemas.openxmlformats.org/officeDocument/2006/relationships" xmlns:p="http://schemas.openxmlformats.org/presentationml/2006/main">
+  <p:cSld>
+    <p:spTree>
+      <p:nvGrpSpPr>
+        <p:cNvPr id="1" name="Shape 304"/>
+        <p:cNvGrpSpPr/>
+        <p:nvPr/>
+      </p:nvGrpSpPr>
+      <p:grpSpPr>
+        <a:xfrm>
+          <a:off x="0" y="0"/>
+          <a:ext cx="0" cy="0"/>
+          <a:chOff x="0" y="0"/>
+          <a:chExt cx="0" cy="0"/>
+        </a:xfrm>
+      </p:grpSpPr>
+      <p:sp>
+        <p:nvSpPr>
+          <p:cNvPr id="305" name="Google Shape;305;p29"/>
           <p:cNvSpPr txBox="1"/>
           <p:nvPr/>
         </p:nvSpPr>
@@ -18459,7 +20124,7 @@
       </p:sp>
       <p:sp>
         <p:nvSpPr>
-          <p:cNvPr id="287" name="Google Shape;287;p28"/>
+          <p:cNvPr id="306" name="Google Shape;306;p29"/>
           <p:cNvSpPr txBox="1"/>
           <p:nvPr/>
         </p:nvSpPr>
@@ -18677,7 +20342,7 @@
       </p:sp>
       <p:sp>
         <p:nvSpPr>
-          <p:cNvPr id="288" name="Google Shape;288;p28"/>
+          <p:cNvPr id="307" name="Google Shape;307;p29"/>
           <p:cNvSpPr txBox="1"/>
           <p:nvPr/>
         </p:nvSpPr>
@@ -18972,7 +20637,7 @@
       </p:sp>
       <p:sp>
         <p:nvSpPr>
-          <p:cNvPr id="289" name="Google Shape;289;p28"/>
+          <p:cNvPr id="308" name="Google Shape;308;p29"/>
           <p:cNvSpPr txBox="1"/>
           <p:nvPr/>
         </p:nvSpPr>
@@ -19327,7 +20992,7 @@
       </p:sp>
       <p:pic>
         <p:nvPicPr>
-          <p:cNvPr id="290" name="Google Shape;290;p28"/>
+          <p:cNvPr id="309" name="Google Shape;309;p29"/>
           <p:cNvPicPr preferRelativeResize="0"/>
           <p:nvPr/>
         </p:nvPicPr>
@@ -19366,7 +21031,7 @@
       </p:pic>
       <p:pic>
         <p:nvPicPr>
-          <p:cNvPr id="291" name="Google Shape;291;p28"/>
+          <p:cNvPr id="310" name="Google Shape;310;p29"/>
           <p:cNvPicPr preferRelativeResize="0"/>
           <p:nvPr/>
         </p:nvPicPr>
@@ -19405,7 +21070,7 @@
       </p:pic>
       <p:pic>
         <p:nvPicPr>
-          <p:cNvPr id="292" name="Google Shape;292;p28"/>
+          <p:cNvPr id="311" name="Google Shape;311;p29"/>
           <p:cNvPicPr preferRelativeResize="0"/>
           <p:nvPr/>
         </p:nvPicPr>
@@ -19450,12 +21115,12 @@
 </p:sld>
 </file>
 
-<file path=ppt/slides/slide15.xml><?xml version="1.0" encoding="utf-8"?>
+<file path=ppt/slides/slide16.xml><?xml version="1.0" encoding="utf-8"?>
 <p:sld xmlns:a="http://schemas.openxmlformats.org/drawingml/2006/main" xmlns:r="http://schemas.openxmlformats.org/officeDocument/2006/relationships" xmlns:p="http://schemas.openxmlformats.org/presentationml/2006/main">
   <p:cSld>
     <p:spTree>
       <p:nvGrpSpPr>
-        <p:cNvPr id="1" name="Shape 296"/>
+        <p:cNvPr id="1" name="Shape 315"/>
         <p:cNvGrpSpPr/>
         <p:nvPr/>
       </p:nvGrpSpPr>
@@ -19469,7 +21134,7 @@
       </p:grpSpPr>
       <p:sp>
         <p:nvSpPr>
-          <p:cNvPr id="297" name="Google Shape;297;p29"/>
+          <p:cNvPr id="316" name="Google Shape;316;p30"/>
           <p:cNvSpPr txBox="1"/>
           <p:nvPr/>
         </p:nvSpPr>
@@ -19535,7 +21200,7 @@
       </p:sp>
       <p:sp>
         <p:nvSpPr>
-          <p:cNvPr id="298" name="Google Shape;298;p29"/>
+          <p:cNvPr id="317" name="Google Shape;317;p30"/>
           <p:cNvSpPr txBox="1"/>
           <p:nvPr/>
         </p:nvSpPr>
@@ -19834,7 +21499,7 @@
       </p:sp>
       <p:sp>
         <p:nvSpPr>
-          <p:cNvPr id="299" name="Google Shape;299;p29"/>
+          <p:cNvPr id="318" name="Google Shape;318;p30"/>
           <p:cNvSpPr txBox="1"/>
           <p:nvPr/>
         </p:nvSpPr>
@@ -20348,7 +22013,7 @@
       </p:sp>
       <p:sp>
         <p:nvSpPr>
-          <p:cNvPr id="300" name="Google Shape;300;p29"/>
+          <p:cNvPr id="319" name="Google Shape;319;p30"/>
           <p:cNvSpPr txBox="1"/>
           <p:nvPr/>
         </p:nvSpPr>
@@ -20675,7 +22340,7 @@
       </p:sp>
       <p:pic>
         <p:nvPicPr>
-          <p:cNvPr id="301" name="Google Shape;301;p29"/>
+          <p:cNvPr id="320" name="Google Shape;320;p30"/>
           <p:cNvPicPr preferRelativeResize="0"/>
           <p:nvPr/>
         </p:nvPicPr>
@@ -20708,7 +22373,7 @@
       </p:pic>
       <p:pic>
         <p:nvPicPr>
-          <p:cNvPr id="302" name="Google Shape;302;p29"/>
+          <p:cNvPr id="321" name="Google Shape;321;p30"/>
           <p:cNvPicPr preferRelativeResize="0"/>
           <p:nvPr/>
         </p:nvPicPr>
@@ -20746,7 +22411,7 @@
       </p:pic>
       <p:pic>
         <p:nvPicPr>
-          <p:cNvPr id="303" name="Google Shape;303;p29"/>
+          <p:cNvPr id="322" name="Google Shape;322;p30"/>
           <p:cNvPicPr preferRelativeResize="0"/>
           <p:nvPr/>
         </p:nvPicPr>
@@ -20791,12 +22456,12 @@
 </p:sld>
 </file>
 
-<file path=ppt/slides/slide16.xml><?xml version="1.0" encoding="utf-8"?>
+<file path=ppt/slides/slide17.xml><?xml version="1.0" encoding="utf-8"?>
 <p:sld xmlns:a="http://schemas.openxmlformats.org/drawingml/2006/main" xmlns:r="http://schemas.openxmlformats.org/officeDocument/2006/relationships" xmlns:p="http://schemas.openxmlformats.org/presentationml/2006/main">
   <p:cSld>
     <p:spTree>
       <p:nvGrpSpPr>
-        <p:cNvPr id="1" name="Shape 307"/>
+        <p:cNvPr id="1" name="Shape 326"/>
         <p:cNvGrpSpPr/>
         <p:nvPr/>
       </p:nvGrpSpPr>
@@ -20810,7 +22475,7 @@
       </p:grpSpPr>
       <p:sp>
         <p:nvSpPr>
-          <p:cNvPr id="308" name="Google Shape;308;p30"/>
+          <p:cNvPr id="327" name="Google Shape;327;p31"/>
           <p:cNvSpPr txBox="1"/>
           <p:nvPr/>
         </p:nvSpPr>
@@ -20876,7 +22541,7 @@
       </p:sp>
       <p:sp>
         <p:nvSpPr>
-          <p:cNvPr id="309" name="Google Shape;309;p30"/>
+          <p:cNvPr id="328" name="Google Shape;328;p31"/>
           <p:cNvSpPr txBox="1"/>
           <p:nvPr/>
         </p:nvSpPr>
@@ -21538,7 +23203,7 @@
       </p:sp>
       <p:sp>
         <p:nvSpPr>
-          <p:cNvPr id="310" name="Google Shape;310;p30"/>
+          <p:cNvPr id="329" name="Google Shape;329;p31"/>
           <p:cNvSpPr txBox="1"/>
           <p:nvPr/>
         </p:nvSpPr>
@@ -21979,7 +23644,7 @@
       </p:sp>
       <p:pic>
         <p:nvPicPr>
-          <p:cNvPr id="311" name="Google Shape;311;p30"/>
+          <p:cNvPr id="330" name="Google Shape;330;p31"/>
           <p:cNvPicPr preferRelativeResize="0"/>
           <p:nvPr/>
         </p:nvPicPr>
@@ -22018,7 +23683,7 @@
       </p:pic>
       <p:sp>
         <p:nvSpPr>
-          <p:cNvPr id="312" name="Google Shape;312;p30"/>
+          <p:cNvPr id="331" name="Google Shape;331;p31"/>
           <p:cNvSpPr txBox="1"/>
           <p:nvPr/>
         </p:nvSpPr>
@@ -22122,7 +23787,7 @@
       </p:sp>
       <p:pic>
         <p:nvPicPr>
-          <p:cNvPr id="313" name="Google Shape;313;p30"/>
+          <p:cNvPr id="332" name="Google Shape;332;p31"/>
           <p:cNvPicPr preferRelativeResize="0"/>
           <p:nvPr/>
         </p:nvPicPr>
@@ -22167,12 +23832,12 @@
 </p:sld>
 </file>
 
-<file path=ppt/slides/slide17.xml><?xml version="1.0" encoding="utf-8"?>
+<file path=ppt/slides/slide18.xml><?xml version="1.0" encoding="utf-8"?>
 <p:sld xmlns:a="http://schemas.openxmlformats.org/drawingml/2006/main" xmlns:r="http://schemas.openxmlformats.org/officeDocument/2006/relationships" xmlns:p="http://schemas.openxmlformats.org/presentationml/2006/main">
   <p:cSld>
     <p:spTree>
       <p:nvGrpSpPr>
-        <p:cNvPr id="1" name="Shape 317"/>
+        <p:cNvPr id="1" name="Shape 336"/>
         <p:cNvGrpSpPr/>
         <p:nvPr/>
       </p:nvGrpSpPr>
@@ -22186,7 +23851,7 @@
       </p:grpSpPr>
       <p:sp>
         <p:nvSpPr>
-          <p:cNvPr id="318" name="Google Shape;318;p31"/>
+          <p:cNvPr id="337" name="Google Shape;337;p32"/>
           <p:cNvSpPr txBox="1"/>
           <p:nvPr/>
         </p:nvSpPr>
@@ -22252,7 +23917,7 @@
       </p:sp>
       <p:sp>
         <p:nvSpPr>
-          <p:cNvPr id="319" name="Google Shape;319;p31"/>
+          <p:cNvPr id="338" name="Google Shape;338;p32"/>
           <p:cNvSpPr txBox="1"/>
           <p:nvPr/>
         </p:nvSpPr>
@@ -22865,7 +24530,7 @@
       </p:sp>
       <p:pic>
         <p:nvPicPr>
-          <p:cNvPr id="320" name="Google Shape;320;p31"/>
+          <p:cNvPr id="339" name="Google Shape;339;p32"/>
           <p:cNvPicPr preferRelativeResize="0"/>
           <p:nvPr/>
         </p:nvPicPr>
@@ -22910,12 +24575,12 @@
 </p:sld>
 </file>
 
-<file path=ppt/slides/slide18.xml><?xml version="1.0" encoding="utf-8"?>
+<file path=ppt/slides/slide19.xml><?xml version="1.0" encoding="utf-8"?>
 <p:sld xmlns:a="http://schemas.openxmlformats.org/drawingml/2006/main" xmlns:r="http://schemas.openxmlformats.org/officeDocument/2006/relationships" xmlns:p="http://schemas.openxmlformats.org/presentationml/2006/main">
   <p:cSld>
     <p:spTree>
       <p:nvGrpSpPr>
-        <p:cNvPr id="1" name="Shape 324"/>
+        <p:cNvPr id="1" name="Shape 343"/>
         <p:cNvGrpSpPr/>
         <p:nvPr/>
       </p:nvGrpSpPr>
@@ -22929,7 +24594,7 @@
       </p:grpSpPr>
       <p:sp>
         <p:nvSpPr>
-          <p:cNvPr id="325" name="Google Shape;325;p32"/>
+          <p:cNvPr id="344" name="Google Shape;344;p33"/>
           <p:cNvSpPr txBox="1"/>
           <p:nvPr/>
         </p:nvSpPr>
@@ -22995,7 +24660,7 @@
       </p:sp>
       <p:sp>
         <p:nvSpPr>
-          <p:cNvPr id="326" name="Google Shape;326;p32"/>
+          <p:cNvPr id="345" name="Google Shape;345;p33"/>
           <p:cNvSpPr txBox="1"/>
           <p:nvPr/>
         </p:nvSpPr>
@@ -23242,7 +24907,7 @@
       </p:sp>
       <p:sp>
         <p:nvSpPr>
-          <p:cNvPr id="327" name="Google Shape;327;p32"/>
+          <p:cNvPr id="346" name="Google Shape;346;p33"/>
           <p:cNvSpPr txBox="1"/>
           <p:nvPr/>
         </p:nvSpPr>
@@ -23396,7 +25061,7 @@
       </p:sp>
       <p:sp>
         <p:nvSpPr>
-          <p:cNvPr id="328" name="Google Shape;328;p32"/>
+          <p:cNvPr id="347" name="Google Shape;347;p33"/>
           <p:cNvSpPr txBox="1"/>
           <p:nvPr/>
         </p:nvSpPr>
@@ -23938,7 +25603,7 @@
       </p:sp>
       <p:pic>
         <p:nvPicPr>
-          <p:cNvPr id="329" name="Google Shape;329;p32"/>
+          <p:cNvPr id="348" name="Google Shape;348;p33"/>
           <p:cNvPicPr preferRelativeResize="0"/>
           <p:nvPr/>
         </p:nvPicPr>
@@ -23971,1001 +25636,6 @@
             <a:round/>
             <a:headEnd type="none" w="sm" len="sm"/>
             <a:tailEnd type="none" w="sm" len="sm"/>
-          </a:ln>
-        </p:spPr>
-      </p:pic>
-    </p:spTree>
-  </p:cSld>
-  <p:clrMapOvr>
-    <a:masterClrMapping/>
-  </p:clrMapOvr>
-</p:sld>
-</file>
-
-<file path=ppt/slides/slide19.xml><?xml version="1.0" encoding="utf-8"?>
-<p:sld xmlns:a="http://schemas.openxmlformats.org/drawingml/2006/main" xmlns:r="http://schemas.openxmlformats.org/officeDocument/2006/relationships" xmlns:p="http://schemas.openxmlformats.org/presentationml/2006/main">
-  <p:cSld>
-    <p:spTree>
-      <p:nvGrpSpPr>
-        <p:cNvPr id="1" name="Shape 333"/>
-        <p:cNvGrpSpPr/>
-        <p:nvPr/>
-      </p:nvGrpSpPr>
-      <p:grpSpPr>
-        <a:xfrm>
-          <a:off x="0" y="0"/>
-          <a:ext cx="0" cy="0"/>
-          <a:chOff x="0" y="0"/>
-          <a:chExt cx="0" cy="0"/>
-        </a:xfrm>
-      </p:grpSpPr>
-      <p:sp>
-        <p:nvSpPr>
-          <p:cNvPr id="334" name="Google Shape;334;p33"/>
-          <p:cNvSpPr txBox="1"/>
-          <p:nvPr/>
-        </p:nvSpPr>
-        <p:spPr>
-          <a:xfrm>
-            <a:off x="55075" y="20375"/>
-            <a:ext cx="4467300" cy="326400"/>
-          </a:xfrm>
-          <a:prstGeom prst="rect">
-            <a:avLst/>
-          </a:prstGeom>
-          <a:noFill/>
-          <a:ln>
-            <a:noFill/>
-          </a:ln>
-        </p:spPr>
-        <p:txBody>
-          <a:bodyPr spcFirstLastPara="1" wrap="square" lIns="9125" tIns="9125" rIns="9125" bIns="9125" anchor="t" anchorCtr="0">
-            <a:spAutoFit/>
-          </a:bodyPr>
-          <a:lstStyle/>
-          <a:p>
-            <a:pPr marL="0" marR="0" lvl="0" indent="0" algn="l" rtl="0">
-              <a:lnSpc>
-                <a:spcPct val="100000"/>
-              </a:lnSpc>
-              <a:spcBef>
-                <a:spcPts val="0"/>
-              </a:spcBef>
-              <a:spcAft>
-                <a:spcPts val="0"/>
-              </a:spcAft>
-              <a:buClr>
-                <a:schemeClr val="dk1"/>
-              </a:buClr>
-              <a:buSzPts val="1100"/>
-              <a:buFont typeface="Arial"/>
-              <a:buNone/>
-            </a:pPr>
-            <a:r>
-              <a:rPr lang="en" sz="2000" b="1">
-                <a:solidFill>
-                  <a:schemeClr val="dk1"/>
-                </a:solidFill>
-                <a:latin typeface="Calibri"/>
-                <a:ea typeface="Calibri"/>
-                <a:cs typeface="Calibri"/>
-                <a:sym typeface="Calibri"/>
-              </a:rPr>
-              <a:t>Google Gemini TV</a:t>
-            </a:r>
-            <a:endParaRPr sz="2000" b="1" i="0" u="none" strike="noStrike" cap="none">
-              <a:solidFill>
-                <a:schemeClr val="dk1"/>
-              </a:solidFill>
-              <a:latin typeface="Calibri"/>
-              <a:ea typeface="Calibri"/>
-              <a:cs typeface="Calibri"/>
-              <a:sym typeface="Calibri"/>
-            </a:endParaRPr>
-          </a:p>
-        </p:txBody>
-      </p:sp>
-      <p:sp>
-        <p:nvSpPr>
-          <p:cNvPr id="335" name="Google Shape;335;p33"/>
-          <p:cNvSpPr txBox="1"/>
-          <p:nvPr/>
-        </p:nvSpPr>
-        <p:spPr>
-          <a:xfrm>
-            <a:off x="55075" y="406233"/>
-            <a:ext cx="5286000" cy="4636200"/>
-          </a:xfrm>
-          <a:prstGeom prst="rect">
-            <a:avLst/>
-          </a:prstGeom>
-          <a:solidFill>
-            <a:srgbClr val="FFF2CC"/>
-          </a:solidFill>
-          <a:ln w="9525" cap="flat" cmpd="sng">
-            <a:solidFill>
-              <a:srgbClr val="FF0000"/>
-            </a:solidFill>
-            <a:prstDash val="solid"/>
-            <a:round/>
-            <a:headEnd type="none" w="sm" len="sm"/>
-            <a:tailEnd type="none" w="sm" len="sm"/>
-          </a:ln>
-        </p:spPr>
-        <p:txBody>
-          <a:bodyPr spcFirstLastPara="1" wrap="square" lIns="9125" tIns="9125" rIns="9125" bIns="9125" anchor="t" anchorCtr="0">
-            <a:spAutoFit/>
-          </a:bodyPr>
-          <a:lstStyle/>
-          <a:p>
-            <a:pPr marL="171450" marR="0" lvl="0" indent="-133350" algn="l" rtl="0">
-              <a:lnSpc>
-                <a:spcPct val="100000"/>
-              </a:lnSpc>
-              <a:spcBef>
-                <a:spcPts val="0"/>
-              </a:spcBef>
-              <a:spcAft>
-                <a:spcPts val="0"/>
-              </a:spcAft>
-              <a:buClr>
-                <a:srgbClr val="FF0000"/>
-              </a:buClr>
-              <a:buSzPts val="1200"/>
-              <a:buFont typeface="Calibri"/>
-              <a:buChar char="●"/>
-            </a:pPr>
-            <a:r>
-              <a:rPr lang="en" sz="1200" b="1">
-                <a:solidFill>
-                  <a:srgbClr val="FF0000"/>
-                </a:solidFill>
-                <a:latin typeface="Calibri"/>
-                <a:ea typeface="Calibri"/>
-                <a:cs typeface="Calibri"/>
-                <a:sym typeface="Calibri"/>
-              </a:rPr>
-              <a:t>Google Gemini TV  - smart TV</a:t>
-            </a:r>
-            <a:endParaRPr sz="1200" b="1">
-              <a:solidFill>
-                <a:srgbClr val="FF0000"/>
-              </a:solidFill>
-              <a:latin typeface="Calibri"/>
-              <a:ea typeface="Calibri"/>
-              <a:cs typeface="Calibri"/>
-              <a:sym typeface="Calibri"/>
-            </a:endParaRPr>
-          </a:p>
-          <a:p>
-            <a:pPr marL="171450" marR="0" lvl="0" indent="-133350" algn="l" rtl="0">
-              <a:lnSpc>
-                <a:spcPct val="100000"/>
-              </a:lnSpc>
-              <a:spcBef>
-                <a:spcPts val="0"/>
-              </a:spcBef>
-              <a:spcAft>
-                <a:spcPts val="0"/>
-              </a:spcAft>
-              <a:buClr>
-                <a:schemeClr val="dk1"/>
-              </a:buClr>
-              <a:buSzPts val="1200"/>
-              <a:buFont typeface="Calibri"/>
-              <a:buChar char="●"/>
-            </a:pPr>
-            <a:r>
-              <a:rPr lang="en" sz="1200">
-                <a:solidFill>
-                  <a:schemeClr val="dk1"/>
-                </a:solidFill>
-                <a:latin typeface="Calibri"/>
-                <a:ea typeface="Calibri"/>
-                <a:cs typeface="Calibri"/>
-                <a:sym typeface="Calibri"/>
-              </a:rPr>
-              <a:t>Google’s Gemini AI built directly into the television software</a:t>
-            </a:r>
-            <a:endParaRPr sz="1200">
-              <a:solidFill>
-                <a:schemeClr val="dk1"/>
-              </a:solidFill>
-              <a:latin typeface="Calibri"/>
-              <a:ea typeface="Calibri"/>
-              <a:cs typeface="Calibri"/>
-              <a:sym typeface="Calibri"/>
-            </a:endParaRPr>
-          </a:p>
-          <a:p>
-            <a:pPr marL="171450" marR="0" lvl="0" indent="-133350" algn="l" rtl="0">
-              <a:lnSpc>
-                <a:spcPct val="100000"/>
-              </a:lnSpc>
-              <a:spcBef>
-                <a:spcPts val="0"/>
-              </a:spcBef>
-              <a:spcAft>
-                <a:spcPts val="0"/>
-              </a:spcAft>
-              <a:buClr>
-                <a:schemeClr val="dk1"/>
-              </a:buClr>
-              <a:buSzPts val="1200"/>
-              <a:buFont typeface="Calibri"/>
-              <a:buChar char="●"/>
-            </a:pPr>
-            <a:r>
-              <a:rPr lang="en" sz="1200">
-                <a:solidFill>
-                  <a:schemeClr val="dk1"/>
-                </a:solidFill>
-                <a:latin typeface="Calibri"/>
-                <a:ea typeface="Calibri"/>
-                <a:cs typeface="Calibri"/>
-                <a:sym typeface="Calibri"/>
-              </a:rPr>
-              <a:t>Full natural language conversations, not just simple commands</a:t>
-            </a:r>
-            <a:endParaRPr sz="1200">
-              <a:solidFill>
-                <a:schemeClr val="dk1"/>
-              </a:solidFill>
-              <a:latin typeface="Calibri"/>
-              <a:ea typeface="Calibri"/>
-              <a:cs typeface="Calibri"/>
-              <a:sym typeface="Calibri"/>
-            </a:endParaRPr>
-          </a:p>
-          <a:p>
-            <a:pPr marL="171450" marR="0" lvl="0" indent="-133350" algn="l" rtl="0">
-              <a:lnSpc>
-                <a:spcPct val="100000"/>
-              </a:lnSpc>
-              <a:spcBef>
-                <a:spcPts val="0"/>
-              </a:spcBef>
-              <a:spcAft>
-                <a:spcPts val="0"/>
-              </a:spcAft>
-              <a:buClr>
-                <a:schemeClr val="dk1"/>
-              </a:buClr>
-              <a:buSzPts val="1200"/>
-              <a:buFont typeface="Calibri"/>
-              <a:buChar char="●"/>
-            </a:pPr>
-            <a:r>
-              <a:rPr lang="en" sz="1200">
-                <a:solidFill>
-                  <a:schemeClr val="dk1"/>
-                </a:solidFill>
-                <a:latin typeface="Calibri"/>
-                <a:ea typeface="Calibri"/>
-                <a:cs typeface="Calibri"/>
-                <a:sym typeface="Calibri"/>
-              </a:rPr>
-              <a:t>System can suggest movies based on multiple users’ preferences, </a:t>
-            </a:r>
-            <a:br>
-              <a:rPr lang="en" sz="1200">
-                <a:solidFill>
-                  <a:schemeClr val="dk1"/>
-                </a:solidFill>
-                <a:latin typeface="Calibri"/>
-                <a:ea typeface="Calibri"/>
-                <a:cs typeface="Calibri"/>
-                <a:sym typeface="Calibri"/>
-              </a:rPr>
-            </a:br>
-            <a:r>
-              <a:rPr lang="en" sz="1200">
-                <a:solidFill>
-                  <a:schemeClr val="dk1"/>
-                </a:solidFill>
-                <a:latin typeface="Calibri"/>
-                <a:ea typeface="Calibri"/>
-                <a:cs typeface="Calibri"/>
-                <a:sym typeface="Calibri"/>
-              </a:rPr>
-              <a:t>recap previous seasons of TV shows, explain educational concepts </a:t>
-            </a:r>
-            <a:br>
-              <a:rPr lang="en" sz="1200">
-                <a:solidFill>
-                  <a:schemeClr val="dk1"/>
-                </a:solidFill>
-                <a:latin typeface="Calibri"/>
-                <a:ea typeface="Calibri"/>
-                <a:cs typeface="Calibri"/>
-                <a:sym typeface="Calibri"/>
-              </a:rPr>
-            </a:br>
-            <a:r>
-              <a:rPr lang="en" sz="1200">
-                <a:solidFill>
-                  <a:schemeClr val="dk1"/>
-                </a:solidFill>
-                <a:latin typeface="Calibri"/>
-                <a:ea typeface="Calibri"/>
-                <a:cs typeface="Calibri"/>
-                <a:sym typeface="Calibri"/>
-              </a:rPr>
-              <a:t>to different age levels, and provide step-by-step instructions </a:t>
-            </a:r>
-            <a:br>
-              <a:rPr lang="en" sz="1200">
-                <a:solidFill>
-                  <a:schemeClr val="dk1"/>
-                </a:solidFill>
-                <a:latin typeface="Calibri"/>
-                <a:ea typeface="Calibri"/>
-                <a:cs typeface="Calibri"/>
-                <a:sym typeface="Calibri"/>
-              </a:rPr>
-            </a:br>
-            <a:r>
-              <a:rPr lang="en" sz="1200">
-                <a:solidFill>
-                  <a:schemeClr val="dk1"/>
-                </a:solidFill>
-                <a:latin typeface="Calibri"/>
-                <a:ea typeface="Calibri"/>
-                <a:cs typeface="Calibri"/>
-                <a:sym typeface="Calibri"/>
-              </a:rPr>
-              <a:t>for things like homework or hobbies</a:t>
-            </a:r>
-            <a:endParaRPr sz="1200">
-              <a:solidFill>
-                <a:schemeClr val="dk1"/>
-              </a:solidFill>
-              <a:latin typeface="Calibri"/>
-              <a:ea typeface="Calibri"/>
-              <a:cs typeface="Calibri"/>
-              <a:sym typeface="Calibri"/>
-            </a:endParaRPr>
-          </a:p>
-          <a:p>
-            <a:pPr marL="171450" marR="0" lvl="0" indent="-133350" algn="l" rtl="0">
-              <a:lnSpc>
-                <a:spcPct val="100000"/>
-              </a:lnSpc>
-              <a:spcBef>
-                <a:spcPts val="0"/>
-              </a:spcBef>
-              <a:spcAft>
-                <a:spcPts val="0"/>
-              </a:spcAft>
-              <a:buClr>
-                <a:schemeClr val="dk1"/>
-              </a:buClr>
-              <a:buSzPts val="1200"/>
-              <a:buFont typeface="Calibri"/>
-              <a:buChar char="●"/>
-            </a:pPr>
-            <a:r>
-              <a:rPr lang="en" sz="1200">
-                <a:solidFill>
-                  <a:schemeClr val="dk1"/>
-                </a:solidFill>
-                <a:latin typeface="Calibri"/>
-                <a:ea typeface="Calibri"/>
-                <a:cs typeface="Calibri"/>
-                <a:sym typeface="Calibri"/>
-              </a:rPr>
-              <a:t>Presence-sensing technology (using a radar sensor) allows the TV </a:t>
-            </a:r>
-            <a:br>
-              <a:rPr lang="en" sz="1200">
-                <a:solidFill>
-                  <a:schemeClr val="dk1"/>
-                </a:solidFill>
-                <a:latin typeface="Calibri"/>
-                <a:ea typeface="Calibri"/>
-                <a:cs typeface="Calibri"/>
-                <a:sym typeface="Calibri"/>
-              </a:rPr>
-            </a:br>
-            <a:r>
-              <a:rPr lang="en" sz="1200">
-                <a:solidFill>
-                  <a:schemeClr val="dk1"/>
-                </a:solidFill>
-                <a:latin typeface="Calibri"/>
-                <a:ea typeface="Calibri"/>
-                <a:cs typeface="Calibri"/>
-                <a:sym typeface="Calibri"/>
-              </a:rPr>
-              <a:t>to detect when someone enters or leaves the room, </a:t>
-            </a:r>
-            <a:br>
-              <a:rPr lang="en" sz="1200">
-                <a:solidFill>
-                  <a:schemeClr val="dk1"/>
-                </a:solidFill>
-                <a:latin typeface="Calibri"/>
-                <a:ea typeface="Calibri"/>
-                <a:cs typeface="Calibri"/>
-                <a:sym typeface="Calibri"/>
-              </a:rPr>
-            </a:br>
-            <a:r>
-              <a:rPr lang="en" sz="1200">
-                <a:solidFill>
-                  <a:schemeClr val="dk1"/>
-                </a:solidFill>
-                <a:latin typeface="Calibri"/>
-                <a:ea typeface="Calibri"/>
-                <a:cs typeface="Calibri"/>
-                <a:sym typeface="Calibri"/>
-              </a:rPr>
-              <a:t>powering itself on or off automatically</a:t>
-            </a:r>
-            <a:endParaRPr sz="1200">
-              <a:solidFill>
-                <a:schemeClr val="dk1"/>
-              </a:solidFill>
-              <a:latin typeface="Calibri"/>
-              <a:ea typeface="Calibri"/>
-              <a:cs typeface="Calibri"/>
-              <a:sym typeface="Calibri"/>
-            </a:endParaRPr>
-          </a:p>
-          <a:p>
-            <a:pPr marL="171450" marR="0" lvl="0" indent="-133350" algn="l" rtl="0">
-              <a:lnSpc>
-                <a:spcPct val="100000"/>
-              </a:lnSpc>
-              <a:spcBef>
-                <a:spcPts val="0"/>
-              </a:spcBef>
-              <a:spcAft>
-                <a:spcPts val="0"/>
-              </a:spcAft>
-              <a:buClr>
-                <a:schemeClr val="dk1"/>
-              </a:buClr>
-              <a:buSzPts val="1200"/>
-              <a:buFont typeface="Calibri"/>
-              <a:buChar char="●"/>
-            </a:pPr>
-            <a:r>
-              <a:rPr lang="en" sz="1200">
-                <a:solidFill>
-                  <a:schemeClr val="dk1"/>
-                </a:solidFill>
-                <a:latin typeface="Calibri"/>
-                <a:ea typeface="Calibri"/>
-                <a:cs typeface="Calibri"/>
-                <a:sym typeface="Calibri"/>
-              </a:rPr>
-              <a:t>Integration with YouTube, Google Search, and other Google data </a:t>
-            </a:r>
-            <a:br>
-              <a:rPr lang="en" sz="1200">
-                <a:solidFill>
-                  <a:schemeClr val="dk1"/>
-                </a:solidFill>
-                <a:latin typeface="Calibri"/>
-                <a:ea typeface="Calibri"/>
-                <a:cs typeface="Calibri"/>
-                <a:sym typeface="Calibri"/>
-              </a:rPr>
-            </a:br>
-            <a:r>
-              <a:rPr lang="en" sz="1200">
-                <a:solidFill>
-                  <a:schemeClr val="dk1"/>
-                </a:solidFill>
-                <a:latin typeface="Calibri"/>
-                <a:ea typeface="Calibri"/>
-                <a:cs typeface="Calibri"/>
-                <a:sym typeface="Calibri"/>
-              </a:rPr>
-              <a:t>lets Gemini TV present rich, multimedia answers, </a:t>
-            </a:r>
-            <a:br>
-              <a:rPr lang="en" sz="1200">
-                <a:solidFill>
-                  <a:schemeClr val="dk1"/>
-                </a:solidFill>
-                <a:latin typeface="Calibri"/>
-                <a:ea typeface="Calibri"/>
-                <a:cs typeface="Calibri"/>
-                <a:sym typeface="Calibri"/>
-              </a:rPr>
-            </a:br>
-            <a:r>
-              <a:rPr lang="en" sz="1200">
-                <a:solidFill>
-                  <a:schemeClr val="dk1"/>
-                </a:solidFill>
-                <a:latin typeface="Calibri"/>
-                <a:ea typeface="Calibri"/>
-                <a:cs typeface="Calibri"/>
-                <a:sym typeface="Calibri"/>
-              </a:rPr>
-              <a:t>such as travel videos, how-to guides, or visual explanations</a:t>
-            </a:r>
-            <a:endParaRPr sz="1200">
-              <a:solidFill>
-                <a:schemeClr val="dk1"/>
-              </a:solidFill>
-              <a:latin typeface="Calibri"/>
-              <a:ea typeface="Calibri"/>
-              <a:cs typeface="Calibri"/>
-              <a:sym typeface="Calibri"/>
-            </a:endParaRPr>
-          </a:p>
-          <a:p>
-            <a:pPr marL="171450" marR="0" lvl="0" indent="-133350" algn="l" rtl="0">
-              <a:lnSpc>
-                <a:spcPct val="100000"/>
-              </a:lnSpc>
-              <a:spcBef>
-                <a:spcPts val="0"/>
-              </a:spcBef>
-              <a:spcAft>
-                <a:spcPts val="0"/>
-              </a:spcAft>
-              <a:buClr>
-                <a:schemeClr val="dk1"/>
-              </a:buClr>
-              <a:buSzPts val="1200"/>
-              <a:buFont typeface="Calibri"/>
-              <a:buChar char="●"/>
-            </a:pPr>
-            <a:r>
-              <a:rPr lang="en" sz="1200">
-                <a:solidFill>
-                  <a:schemeClr val="dk1"/>
-                </a:solidFill>
-                <a:latin typeface="Calibri"/>
-                <a:ea typeface="Calibri"/>
-                <a:cs typeface="Calibri"/>
-                <a:sym typeface="Calibri"/>
-              </a:rPr>
-              <a:t>Available at BestBuy at $3,000 for the 65-inch model </a:t>
-            </a:r>
-            <a:br>
-              <a:rPr lang="en" sz="1200">
-                <a:solidFill>
-                  <a:schemeClr val="dk1"/>
-                </a:solidFill>
-                <a:latin typeface="Calibri"/>
-                <a:ea typeface="Calibri"/>
-                <a:cs typeface="Calibri"/>
-                <a:sym typeface="Calibri"/>
-              </a:rPr>
-            </a:br>
-            <a:r>
-              <a:rPr lang="en" sz="1200">
-                <a:solidFill>
-                  <a:schemeClr val="dk1"/>
-                </a:solidFill>
-                <a:latin typeface="Calibri"/>
-                <a:ea typeface="Calibri"/>
-                <a:cs typeface="Calibri"/>
-                <a:sym typeface="Calibri"/>
-              </a:rPr>
-              <a:t>(and higher prices for 75", 85", 98" screens)</a:t>
-            </a:r>
-            <a:endParaRPr sz="1200">
-              <a:solidFill>
-                <a:schemeClr val="dk1"/>
-              </a:solidFill>
-              <a:latin typeface="Calibri"/>
-              <a:ea typeface="Calibri"/>
-              <a:cs typeface="Calibri"/>
-              <a:sym typeface="Calibri"/>
-            </a:endParaRPr>
-          </a:p>
-          <a:p>
-            <a:pPr marL="171450" marR="0" lvl="0" indent="-133350" algn="l" rtl="0">
-              <a:lnSpc>
-                <a:spcPct val="100000"/>
-              </a:lnSpc>
-              <a:spcBef>
-                <a:spcPts val="0"/>
-              </a:spcBef>
-              <a:spcAft>
-                <a:spcPts val="0"/>
-              </a:spcAft>
-              <a:buClr>
-                <a:schemeClr val="dk1"/>
-              </a:buClr>
-              <a:buSzPts val="1200"/>
-              <a:buFont typeface="Calibri"/>
-              <a:buChar char="●"/>
-            </a:pPr>
-            <a:r>
-              <a:rPr lang="en" sz="1200">
-                <a:solidFill>
-                  <a:schemeClr val="dk1"/>
-                </a:solidFill>
-                <a:latin typeface="Calibri"/>
-                <a:ea typeface="Calibri"/>
-                <a:cs typeface="Calibri"/>
-                <a:sym typeface="Calibri"/>
-              </a:rPr>
-              <a:t>Gemini TV is always listening for voice commands </a:t>
-            </a:r>
-            <a:br>
-              <a:rPr lang="en" sz="1200">
-                <a:solidFill>
-                  <a:schemeClr val="dk1"/>
-                </a:solidFill>
-                <a:latin typeface="Calibri"/>
-                <a:ea typeface="Calibri"/>
-                <a:cs typeface="Calibri"/>
-                <a:sym typeface="Calibri"/>
-              </a:rPr>
-            </a:br>
-            <a:r>
-              <a:rPr lang="en" sz="1200">
-                <a:solidFill>
-                  <a:schemeClr val="dk1"/>
-                </a:solidFill>
-                <a:latin typeface="Calibri"/>
-                <a:ea typeface="Calibri"/>
-                <a:cs typeface="Calibri"/>
-                <a:sym typeface="Calibri"/>
-              </a:rPr>
-              <a:t>and uses sensors to detect presence, raising privacy considerations</a:t>
-            </a:r>
-            <a:endParaRPr sz="1200">
-              <a:solidFill>
-                <a:schemeClr val="dk1"/>
-              </a:solidFill>
-              <a:latin typeface="Calibri"/>
-              <a:ea typeface="Calibri"/>
-              <a:cs typeface="Calibri"/>
-              <a:sym typeface="Calibri"/>
-            </a:endParaRPr>
-          </a:p>
-          <a:p>
-            <a:pPr marL="171450" marR="0" lvl="0" indent="-133350" algn="l" rtl="0">
-              <a:lnSpc>
-                <a:spcPct val="100000"/>
-              </a:lnSpc>
-              <a:spcBef>
-                <a:spcPts val="0"/>
-              </a:spcBef>
-              <a:spcAft>
-                <a:spcPts val="0"/>
-              </a:spcAft>
-              <a:buClr>
-                <a:schemeClr val="dk1"/>
-              </a:buClr>
-              <a:buSzPts val="1200"/>
-              <a:buFont typeface="Calibri"/>
-              <a:buChar char="●"/>
-            </a:pPr>
-            <a:r>
-              <a:rPr lang="en" sz="1200">
-                <a:solidFill>
-                  <a:schemeClr val="dk1"/>
-                </a:solidFill>
-                <a:latin typeface="Calibri"/>
-                <a:ea typeface="Calibri"/>
-                <a:cs typeface="Calibri"/>
-                <a:sym typeface="Calibri"/>
-              </a:rPr>
-              <a:t>Users can turn off always-listening, disable presence sensing, </a:t>
-            </a:r>
-            <a:br>
-              <a:rPr lang="en" sz="1200">
-                <a:solidFill>
-                  <a:schemeClr val="dk1"/>
-                </a:solidFill>
-                <a:latin typeface="Calibri"/>
-                <a:ea typeface="Calibri"/>
-                <a:cs typeface="Calibri"/>
-                <a:sym typeface="Calibri"/>
-              </a:rPr>
-            </a:br>
-            <a:r>
-              <a:rPr lang="en" sz="1200">
-                <a:solidFill>
-                  <a:schemeClr val="dk1"/>
-                </a:solidFill>
-                <a:latin typeface="Calibri"/>
-                <a:ea typeface="Calibri"/>
-                <a:cs typeface="Calibri"/>
-                <a:sym typeface="Calibri"/>
-              </a:rPr>
-              <a:t>and erase conversation history</a:t>
-            </a:r>
-            <a:endParaRPr sz="1200">
-              <a:solidFill>
-                <a:schemeClr val="dk1"/>
-              </a:solidFill>
-              <a:latin typeface="Calibri"/>
-              <a:ea typeface="Calibri"/>
-              <a:cs typeface="Calibri"/>
-              <a:sym typeface="Calibri"/>
-            </a:endParaRPr>
-          </a:p>
-          <a:p>
-            <a:pPr marL="171450" marR="0" lvl="0" indent="-133350" algn="l" rtl="0">
-              <a:lnSpc>
-                <a:spcPct val="100000"/>
-              </a:lnSpc>
-              <a:spcBef>
-                <a:spcPts val="0"/>
-              </a:spcBef>
-              <a:spcAft>
-                <a:spcPts val="0"/>
-              </a:spcAft>
-              <a:buClr>
-                <a:schemeClr val="dk1"/>
-              </a:buClr>
-              <a:buSzPts val="1200"/>
-              <a:buFont typeface="Calibri"/>
-              <a:buChar char="●"/>
-            </a:pPr>
-            <a:r>
-              <a:rPr lang="en" sz="1200">
-                <a:solidFill>
-                  <a:schemeClr val="dk1"/>
-                </a:solidFill>
-                <a:latin typeface="Calibri"/>
-                <a:ea typeface="Calibri"/>
-                <a:cs typeface="Calibri"/>
-                <a:sym typeface="Calibri"/>
-              </a:rPr>
-              <a:t>Use cases: conversational movie/TV recommendations</a:t>
-            </a:r>
-            <a:endParaRPr sz="1200">
-              <a:solidFill>
-                <a:schemeClr val="dk1"/>
-              </a:solidFill>
-              <a:latin typeface="Calibri"/>
-              <a:ea typeface="Calibri"/>
-              <a:cs typeface="Calibri"/>
-              <a:sym typeface="Calibri"/>
-            </a:endParaRPr>
-          </a:p>
-          <a:p>
-            <a:pPr marL="171450" marR="0" lvl="0" indent="-133350" algn="l" rtl="0">
-              <a:lnSpc>
-                <a:spcPct val="100000"/>
-              </a:lnSpc>
-              <a:spcBef>
-                <a:spcPts val="0"/>
-              </a:spcBef>
-              <a:spcAft>
-                <a:spcPts val="0"/>
-              </a:spcAft>
-              <a:buClr>
-                <a:schemeClr val="dk1"/>
-              </a:buClr>
-              <a:buSzPts val="1200"/>
-              <a:buFont typeface="Calibri"/>
-              <a:buChar char="●"/>
-            </a:pPr>
-            <a:r>
-              <a:rPr lang="en" sz="1200">
-                <a:solidFill>
-                  <a:schemeClr val="dk1"/>
-                </a:solidFill>
-                <a:latin typeface="Calibri"/>
-                <a:ea typeface="Calibri"/>
-                <a:cs typeface="Calibri"/>
-                <a:sym typeface="Calibri"/>
-              </a:rPr>
-              <a:t>Educational support for kids (explanations, projects, tutorials)</a:t>
-            </a:r>
-            <a:endParaRPr sz="1200">
-              <a:solidFill>
-                <a:schemeClr val="dk1"/>
-              </a:solidFill>
-              <a:latin typeface="Calibri"/>
-              <a:ea typeface="Calibri"/>
-              <a:cs typeface="Calibri"/>
-              <a:sym typeface="Calibri"/>
-            </a:endParaRPr>
-          </a:p>
-          <a:p>
-            <a:pPr marL="171450" marR="0" lvl="0" indent="-133350" algn="l" rtl="0">
-              <a:lnSpc>
-                <a:spcPct val="100000"/>
-              </a:lnSpc>
-              <a:spcBef>
-                <a:spcPts val="0"/>
-              </a:spcBef>
-              <a:spcAft>
-                <a:spcPts val="0"/>
-              </a:spcAft>
-              <a:buClr>
-                <a:schemeClr val="dk1"/>
-              </a:buClr>
-              <a:buSzPts val="1200"/>
-              <a:buFont typeface="Calibri"/>
-              <a:buChar char="●"/>
-            </a:pPr>
-            <a:r>
-              <a:rPr lang="en" sz="1200">
-                <a:solidFill>
-                  <a:schemeClr val="dk1"/>
-                </a:solidFill>
-                <a:latin typeface="Calibri"/>
-                <a:ea typeface="Calibri"/>
-                <a:cs typeface="Calibri"/>
-                <a:sym typeface="Calibri"/>
-              </a:rPr>
-              <a:t>Step-by-step hobby or repair help for adults</a:t>
-            </a:r>
-            <a:endParaRPr sz="1200">
-              <a:solidFill>
-                <a:schemeClr val="dk1"/>
-              </a:solidFill>
-              <a:latin typeface="Calibri"/>
-              <a:ea typeface="Calibri"/>
-              <a:cs typeface="Calibri"/>
-              <a:sym typeface="Calibri"/>
-            </a:endParaRPr>
-          </a:p>
-          <a:p>
-            <a:pPr marL="171450" marR="0" lvl="0" indent="-133350" algn="l" rtl="0">
-              <a:lnSpc>
-                <a:spcPct val="100000"/>
-              </a:lnSpc>
-              <a:spcBef>
-                <a:spcPts val="0"/>
-              </a:spcBef>
-              <a:spcAft>
-                <a:spcPts val="0"/>
-              </a:spcAft>
-              <a:buClr>
-                <a:schemeClr val="dk1"/>
-              </a:buClr>
-              <a:buSzPts val="1200"/>
-              <a:buFont typeface="Calibri"/>
-              <a:buChar char="●"/>
-            </a:pPr>
-            <a:r>
-              <a:rPr lang="en" sz="1200">
-                <a:solidFill>
-                  <a:schemeClr val="dk1"/>
-                </a:solidFill>
-                <a:latin typeface="Calibri"/>
-                <a:ea typeface="Calibri"/>
-                <a:cs typeface="Calibri"/>
-                <a:sym typeface="Calibri"/>
-              </a:rPr>
-              <a:t>Visual and interactive answers to complex questions (vacation planning, cooking, financial advice</a:t>
-            </a:r>
-            <a:endParaRPr sz="1200">
-              <a:solidFill>
-                <a:schemeClr val="dk1"/>
-              </a:solidFill>
-              <a:latin typeface="Calibri"/>
-              <a:ea typeface="Calibri"/>
-              <a:cs typeface="Calibri"/>
-              <a:sym typeface="Calibri"/>
-            </a:endParaRPr>
-          </a:p>
-          <a:p>
-            <a:pPr marL="171450" marR="0" lvl="0" indent="-133350" algn="l" rtl="0">
-              <a:lnSpc>
-                <a:spcPct val="100000"/>
-              </a:lnSpc>
-              <a:spcBef>
-                <a:spcPts val="0"/>
-              </a:spcBef>
-              <a:spcAft>
-                <a:spcPts val="0"/>
-              </a:spcAft>
-              <a:buClr>
-                <a:schemeClr val="dk1"/>
-              </a:buClr>
-              <a:buSzPts val="1200"/>
-              <a:buFont typeface="Calibri"/>
-              <a:buChar char="●"/>
-            </a:pPr>
-            <a:r>
-              <a:rPr lang="en" sz="1200" u="sng">
-                <a:solidFill>
-                  <a:schemeClr val="hlink"/>
-                </a:solidFill>
-                <a:latin typeface="Calibri"/>
-                <a:ea typeface="Calibri"/>
-                <a:cs typeface="Calibri"/>
-                <a:sym typeface="Calibri"/>
-                <a:hlinkClick r:id="rId3"/>
-              </a:rPr>
-              <a:t>https://www.youtube.com/watch?v=xP7epsFMqcM</a:t>
-            </a:r>
-            <a:r>
-              <a:rPr lang="en" sz="1200">
-                <a:solidFill>
-                  <a:schemeClr val="dk1"/>
-                </a:solidFill>
-                <a:latin typeface="Calibri"/>
-                <a:ea typeface="Calibri"/>
-                <a:cs typeface="Calibri"/>
-                <a:sym typeface="Calibri"/>
-              </a:rPr>
-              <a:t> </a:t>
-            </a:r>
-            <a:endParaRPr sz="1200">
-              <a:solidFill>
-                <a:schemeClr val="dk1"/>
-              </a:solidFill>
-              <a:latin typeface="Calibri"/>
-              <a:ea typeface="Calibri"/>
-              <a:cs typeface="Calibri"/>
-              <a:sym typeface="Calibri"/>
-            </a:endParaRPr>
-          </a:p>
-        </p:txBody>
-      </p:sp>
-      <p:pic>
-        <p:nvPicPr>
-          <p:cNvPr id="336" name="Google Shape;336;p33"/>
-          <p:cNvPicPr preferRelativeResize="0"/>
-          <p:nvPr/>
-        </p:nvPicPr>
-        <p:blipFill>
-          <a:blip r:embed="rId4">
-            <a:alphaModFix/>
-          </a:blip>
-          <a:stretch>
-            <a:fillRect/>
-          </a:stretch>
-        </p:blipFill>
-        <p:spPr>
-          <a:xfrm>
-            <a:off x="5722366" y="655800"/>
-            <a:ext cx="2619375" cy="1743075"/>
-          </a:xfrm>
-          <a:prstGeom prst="rect">
-            <a:avLst/>
-          </a:prstGeom>
-          <a:noFill/>
-          <a:ln w="9525" cap="flat" cmpd="sng">
-            <a:solidFill>
-              <a:srgbClr val="FF0000"/>
-            </a:solidFill>
-            <a:prstDash val="solid"/>
-            <a:round/>
-            <a:headEnd type="none" w="sm" len="sm"/>
-            <a:tailEnd type="none" w="sm" len="sm"/>
-          </a:ln>
-        </p:spPr>
-      </p:pic>
-      <p:pic>
-        <p:nvPicPr>
-          <p:cNvPr id="337" name="Google Shape;337;p33"/>
-          <p:cNvPicPr preferRelativeResize="0"/>
-          <p:nvPr/>
-        </p:nvPicPr>
-        <p:blipFill>
-          <a:blip r:embed="rId5" cstate="email">
-            <a:alphaModFix/>
-            <a:extLst>
-              <a:ext uri="{28A0092B-C50C-407E-A947-70E740481C1C}">
-                <a14:useLocalDpi xmlns:a14="http://schemas.microsoft.com/office/drawing/2010/main"/>
-              </a:ext>
-            </a:extLst>
-          </a:blip>
-          <a:stretch>
-            <a:fillRect/>
-          </a:stretch>
-        </p:blipFill>
-        <p:spPr>
-          <a:xfrm>
-            <a:off x="5812141" y="2526200"/>
-            <a:ext cx="2439825" cy="2439825"/>
-          </a:xfrm>
-          <a:prstGeom prst="rect">
-            <a:avLst/>
-          </a:prstGeom>
-          <a:noFill/>
-          <a:ln>
-            <a:noFill/>
           </a:ln>
         </p:spPr>
       </p:pic>
@@ -30872,7 +31542,7 @@
             <a:tbl>
               <a:tblPr>
                 <a:noFill/>
-                <a:tableStyleId>{C9C557ED-C180-4A1B-899C-87E520B3D368}</a:tableStyleId>
+                <a:tableStyleId>{9310DB43-D58C-4B27-A436-C8E26835822B}</a:tableStyleId>
               </a:tblPr>
               <a:tblGrid>
                 <a:gridCol w="1778075">
@@ -35262,7 +35932,7 @@
             <a:tbl>
               <a:tblPr>
                 <a:noFill/>
-                <a:tableStyleId>{C9C557ED-C180-4A1B-899C-87E520B3D368}</a:tableStyleId>
+                <a:tableStyleId>{9310DB43-D58C-4B27-A436-C8E26835822B}</a:tableStyleId>
               </a:tblPr>
               <a:tblGrid>
                 <a:gridCol w="1828800">
@@ -39798,7 +40468,7 @@
   <p:cSld>
     <p:spTree>
       <p:nvGrpSpPr>
-        <p:cNvPr id="1" name="Shape 341"/>
+        <p:cNvPr id="1" name="Shape 352"/>
         <p:cNvGrpSpPr/>
         <p:nvPr/>
       </p:nvGrpSpPr>
@@ -39812,7 +40482,7 @@
       </p:grpSpPr>
       <p:sp>
         <p:nvSpPr>
-          <p:cNvPr id="342" name="Google Shape;342;p34"/>
+          <p:cNvPr id="353" name="Google Shape;353;p34"/>
           <p:cNvSpPr txBox="1"/>
           <p:nvPr/>
         </p:nvSpPr>
@@ -39862,9 +40532,9 @@
                 <a:cs typeface="Calibri"/>
                 <a:sym typeface="Calibri"/>
               </a:rPr>
-              <a:t>AI sector - a speculative “bubble” ?</a:t>
-            </a:r>
-            <a:endParaRPr sz="2000" b="1">
+              <a:t>Google Gemini TV</a:t>
+            </a:r>
+            <a:endParaRPr sz="2000" b="1" i="0" u="none" strike="noStrike" cap="none">
               <a:solidFill>
                 <a:schemeClr val="dk1"/>
               </a:solidFill>
@@ -39878,7 +40548,1002 @@
       </p:sp>
       <p:sp>
         <p:nvSpPr>
-          <p:cNvPr id="343" name="Google Shape;343;p34"/>
+          <p:cNvPr id="354" name="Google Shape;354;p34"/>
+          <p:cNvSpPr txBox="1"/>
+          <p:nvPr/>
+        </p:nvSpPr>
+        <p:spPr>
+          <a:xfrm>
+            <a:off x="55075" y="406233"/>
+            <a:ext cx="5286000" cy="4636200"/>
+          </a:xfrm>
+          <a:prstGeom prst="rect">
+            <a:avLst/>
+          </a:prstGeom>
+          <a:solidFill>
+            <a:srgbClr val="FFF2CC"/>
+          </a:solidFill>
+          <a:ln w="9525" cap="flat" cmpd="sng">
+            <a:solidFill>
+              <a:srgbClr val="FF0000"/>
+            </a:solidFill>
+            <a:prstDash val="solid"/>
+            <a:round/>
+            <a:headEnd type="none" w="sm" len="sm"/>
+            <a:tailEnd type="none" w="sm" len="sm"/>
+          </a:ln>
+        </p:spPr>
+        <p:txBody>
+          <a:bodyPr spcFirstLastPara="1" wrap="square" lIns="9125" tIns="9125" rIns="9125" bIns="9125" anchor="t" anchorCtr="0">
+            <a:spAutoFit/>
+          </a:bodyPr>
+          <a:lstStyle/>
+          <a:p>
+            <a:pPr marL="171450" marR="0" lvl="0" indent="-133350" algn="l" rtl="0">
+              <a:lnSpc>
+                <a:spcPct val="100000"/>
+              </a:lnSpc>
+              <a:spcBef>
+                <a:spcPts val="0"/>
+              </a:spcBef>
+              <a:spcAft>
+                <a:spcPts val="0"/>
+              </a:spcAft>
+              <a:buClr>
+                <a:srgbClr val="FF0000"/>
+              </a:buClr>
+              <a:buSzPts val="1200"/>
+              <a:buFont typeface="Calibri"/>
+              <a:buChar char="●"/>
+            </a:pPr>
+            <a:r>
+              <a:rPr lang="en" sz="1200" b="1">
+                <a:solidFill>
+                  <a:srgbClr val="FF0000"/>
+                </a:solidFill>
+                <a:latin typeface="Calibri"/>
+                <a:ea typeface="Calibri"/>
+                <a:cs typeface="Calibri"/>
+                <a:sym typeface="Calibri"/>
+              </a:rPr>
+              <a:t>Google Gemini TV  - smart TV</a:t>
+            </a:r>
+            <a:endParaRPr sz="1200" b="1">
+              <a:solidFill>
+                <a:srgbClr val="FF0000"/>
+              </a:solidFill>
+              <a:latin typeface="Calibri"/>
+              <a:ea typeface="Calibri"/>
+              <a:cs typeface="Calibri"/>
+              <a:sym typeface="Calibri"/>
+            </a:endParaRPr>
+          </a:p>
+          <a:p>
+            <a:pPr marL="171450" marR="0" lvl="0" indent="-133350" algn="l" rtl="0">
+              <a:lnSpc>
+                <a:spcPct val="100000"/>
+              </a:lnSpc>
+              <a:spcBef>
+                <a:spcPts val="0"/>
+              </a:spcBef>
+              <a:spcAft>
+                <a:spcPts val="0"/>
+              </a:spcAft>
+              <a:buClr>
+                <a:schemeClr val="dk1"/>
+              </a:buClr>
+              <a:buSzPts val="1200"/>
+              <a:buFont typeface="Calibri"/>
+              <a:buChar char="●"/>
+            </a:pPr>
+            <a:r>
+              <a:rPr lang="en" sz="1200">
+                <a:solidFill>
+                  <a:schemeClr val="dk1"/>
+                </a:solidFill>
+                <a:latin typeface="Calibri"/>
+                <a:ea typeface="Calibri"/>
+                <a:cs typeface="Calibri"/>
+                <a:sym typeface="Calibri"/>
+              </a:rPr>
+              <a:t>Google’s Gemini AI built directly into the television software</a:t>
+            </a:r>
+            <a:endParaRPr sz="1200">
+              <a:solidFill>
+                <a:schemeClr val="dk1"/>
+              </a:solidFill>
+              <a:latin typeface="Calibri"/>
+              <a:ea typeface="Calibri"/>
+              <a:cs typeface="Calibri"/>
+              <a:sym typeface="Calibri"/>
+            </a:endParaRPr>
+          </a:p>
+          <a:p>
+            <a:pPr marL="171450" marR="0" lvl="0" indent="-133350" algn="l" rtl="0">
+              <a:lnSpc>
+                <a:spcPct val="100000"/>
+              </a:lnSpc>
+              <a:spcBef>
+                <a:spcPts val="0"/>
+              </a:spcBef>
+              <a:spcAft>
+                <a:spcPts val="0"/>
+              </a:spcAft>
+              <a:buClr>
+                <a:schemeClr val="dk1"/>
+              </a:buClr>
+              <a:buSzPts val="1200"/>
+              <a:buFont typeface="Calibri"/>
+              <a:buChar char="●"/>
+            </a:pPr>
+            <a:r>
+              <a:rPr lang="en" sz="1200">
+                <a:solidFill>
+                  <a:schemeClr val="dk1"/>
+                </a:solidFill>
+                <a:latin typeface="Calibri"/>
+                <a:ea typeface="Calibri"/>
+                <a:cs typeface="Calibri"/>
+                <a:sym typeface="Calibri"/>
+              </a:rPr>
+              <a:t>Full natural language conversations, not just simple commands</a:t>
+            </a:r>
+            <a:endParaRPr sz="1200">
+              <a:solidFill>
+                <a:schemeClr val="dk1"/>
+              </a:solidFill>
+              <a:latin typeface="Calibri"/>
+              <a:ea typeface="Calibri"/>
+              <a:cs typeface="Calibri"/>
+              <a:sym typeface="Calibri"/>
+            </a:endParaRPr>
+          </a:p>
+          <a:p>
+            <a:pPr marL="171450" marR="0" lvl="0" indent="-133350" algn="l" rtl="0">
+              <a:lnSpc>
+                <a:spcPct val="100000"/>
+              </a:lnSpc>
+              <a:spcBef>
+                <a:spcPts val="0"/>
+              </a:spcBef>
+              <a:spcAft>
+                <a:spcPts val="0"/>
+              </a:spcAft>
+              <a:buClr>
+                <a:schemeClr val="dk1"/>
+              </a:buClr>
+              <a:buSzPts val="1200"/>
+              <a:buFont typeface="Calibri"/>
+              <a:buChar char="●"/>
+            </a:pPr>
+            <a:r>
+              <a:rPr lang="en" sz="1200">
+                <a:solidFill>
+                  <a:schemeClr val="dk1"/>
+                </a:solidFill>
+                <a:latin typeface="Calibri"/>
+                <a:ea typeface="Calibri"/>
+                <a:cs typeface="Calibri"/>
+                <a:sym typeface="Calibri"/>
+              </a:rPr>
+              <a:t>System can suggest movies based on multiple users’ preferences, </a:t>
+            </a:r>
+            <a:br>
+              <a:rPr lang="en" sz="1200">
+                <a:solidFill>
+                  <a:schemeClr val="dk1"/>
+                </a:solidFill>
+                <a:latin typeface="Calibri"/>
+                <a:ea typeface="Calibri"/>
+                <a:cs typeface="Calibri"/>
+                <a:sym typeface="Calibri"/>
+              </a:rPr>
+            </a:br>
+            <a:r>
+              <a:rPr lang="en" sz="1200">
+                <a:solidFill>
+                  <a:schemeClr val="dk1"/>
+                </a:solidFill>
+                <a:latin typeface="Calibri"/>
+                <a:ea typeface="Calibri"/>
+                <a:cs typeface="Calibri"/>
+                <a:sym typeface="Calibri"/>
+              </a:rPr>
+              <a:t>recap previous seasons of TV shows, explain educational concepts </a:t>
+            </a:r>
+            <a:br>
+              <a:rPr lang="en" sz="1200">
+                <a:solidFill>
+                  <a:schemeClr val="dk1"/>
+                </a:solidFill>
+                <a:latin typeface="Calibri"/>
+                <a:ea typeface="Calibri"/>
+                <a:cs typeface="Calibri"/>
+                <a:sym typeface="Calibri"/>
+              </a:rPr>
+            </a:br>
+            <a:r>
+              <a:rPr lang="en" sz="1200">
+                <a:solidFill>
+                  <a:schemeClr val="dk1"/>
+                </a:solidFill>
+                <a:latin typeface="Calibri"/>
+                <a:ea typeface="Calibri"/>
+                <a:cs typeface="Calibri"/>
+                <a:sym typeface="Calibri"/>
+              </a:rPr>
+              <a:t>to different age levels, and provide step-by-step instructions </a:t>
+            </a:r>
+            <a:br>
+              <a:rPr lang="en" sz="1200">
+                <a:solidFill>
+                  <a:schemeClr val="dk1"/>
+                </a:solidFill>
+                <a:latin typeface="Calibri"/>
+                <a:ea typeface="Calibri"/>
+                <a:cs typeface="Calibri"/>
+                <a:sym typeface="Calibri"/>
+              </a:rPr>
+            </a:br>
+            <a:r>
+              <a:rPr lang="en" sz="1200">
+                <a:solidFill>
+                  <a:schemeClr val="dk1"/>
+                </a:solidFill>
+                <a:latin typeface="Calibri"/>
+                <a:ea typeface="Calibri"/>
+                <a:cs typeface="Calibri"/>
+                <a:sym typeface="Calibri"/>
+              </a:rPr>
+              <a:t>for things like homework or hobbies</a:t>
+            </a:r>
+            <a:endParaRPr sz="1200">
+              <a:solidFill>
+                <a:schemeClr val="dk1"/>
+              </a:solidFill>
+              <a:latin typeface="Calibri"/>
+              <a:ea typeface="Calibri"/>
+              <a:cs typeface="Calibri"/>
+              <a:sym typeface="Calibri"/>
+            </a:endParaRPr>
+          </a:p>
+          <a:p>
+            <a:pPr marL="171450" marR="0" lvl="0" indent="-133350" algn="l" rtl="0">
+              <a:lnSpc>
+                <a:spcPct val="100000"/>
+              </a:lnSpc>
+              <a:spcBef>
+                <a:spcPts val="0"/>
+              </a:spcBef>
+              <a:spcAft>
+                <a:spcPts val="0"/>
+              </a:spcAft>
+              <a:buClr>
+                <a:schemeClr val="dk1"/>
+              </a:buClr>
+              <a:buSzPts val="1200"/>
+              <a:buFont typeface="Calibri"/>
+              <a:buChar char="●"/>
+            </a:pPr>
+            <a:r>
+              <a:rPr lang="en" sz="1200">
+                <a:solidFill>
+                  <a:schemeClr val="dk1"/>
+                </a:solidFill>
+                <a:latin typeface="Calibri"/>
+                <a:ea typeface="Calibri"/>
+                <a:cs typeface="Calibri"/>
+                <a:sym typeface="Calibri"/>
+              </a:rPr>
+              <a:t>Presence-sensing technology (using a radar sensor) allows the TV </a:t>
+            </a:r>
+            <a:br>
+              <a:rPr lang="en" sz="1200">
+                <a:solidFill>
+                  <a:schemeClr val="dk1"/>
+                </a:solidFill>
+                <a:latin typeface="Calibri"/>
+                <a:ea typeface="Calibri"/>
+                <a:cs typeface="Calibri"/>
+                <a:sym typeface="Calibri"/>
+              </a:rPr>
+            </a:br>
+            <a:r>
+              <a:rPr lang="en" sz="1200">
+                <a:solidFill>
+                  <a:schemeClr val="dk1"/>
+                </a:solidFill>
+                <a:latin typeface="Calibri"/>
+                <a:ea typeface="Calibri"/>
+                <a:cs typeface="Calibri"/>
+                <a:sym typeface="Calibri"/>
+              </a:rPr>
+              <a:t>to detect when someone enters or leaves the room, </a:t>
+            </a:r>
+            <a:br>
+              <a:rPr lang="en" sz="1200">
+                <a:solidFill>
+                  <a:schemeClr val="dk1"/>
+                </a:solidFill>
+                <a:latin typeface="Calibri"/>
+                <a:ea typeface="Calibri"/>
+                <a:cs typeface="Calibri"/>
+                <a:sym typeface="Calibri"/>
+              </a:rPr>
+            </a:br>
+            <a:r>
+              <a:rPr lang="en" sz="1200">
+                <a:solidFill>
+                  <a:schemeClr val="dk1"/>
+                </a:solidFill>
+                <a:latin typeface="Calibri"/>
+                <a:ea typeface="Calibri"/>
+                <a:cs typeface="Calibri"/>
+                <a:sym typeface="Calibri"/>
+              </a:rPr>
+              <a:t>powering itself on or off automatically</a:t>
+            </a:r>
+            <a:endParaRPr sz="1200">
+              <a:solidFill>
+                <a:schemeClr val="dk1"/>
+              </a:solidFill>
+              <a:latin typeface="Calibri"/>
+              <a:ea typeface="Calibri"/>
+              <a:cs typeface="Calibri"/>
+              <a:sym typeface="Calibri"/>
+            </a:endParaRPr>
+          </a:p>
+          <a:p>
+            <a:pPr marL="171450" marR="0" lvl="0" indent="-133350" algn="l" rtl="0">
+              <a:lnSpc>
+                <a:spcPct val="100000"/>
+              </a:lnSpc>
+              <a:spcBef>
+                <a:spcPts val="0"/>
+              </a:spcBef>
+              <a:spcAft>
+                <a:spcPts val="0"/>
+              </a:spcAft>
+              <a:buClr>
+                <a:schemeClr val="dk1"/>
+              </a:buClr>
+              <a:buSzPts val="1200"/>
+              <a:buFont typeface="Calibri"/>
+              <a:buChar char="●"/>
+            </a:pPr>
+            <a:r>
+              <a:rPr lang="en" sz="1200">
+                <a:solidFill>
+                  <a:schemeClr val="dk1"/>
+                </a:solidFill>
+                <a:latin typeface="Calibri"/>
+                <a:ea typeface="Calibri"/>
+                <a:cs typeface="Calibri"/>
+                <a:sym typeface="Calibri"/>
+              </a:rPr>
+              <a:t>Integration with YouTube, Google Search, and other Google data </a:t>
+            </a:r>
+            <a:br>
+              <a:rPr lang="en" sz="1200">
+                <a:solidFill>
+                  <a:schemeClr val="dk1"/>
+                </a:solidFill>
+                <a:latin typeface="Calibri"/>
+                <a:ea typeface="Calibri"/>
+                <a:cs typeface="Calibri"/>
+                <a:sym typeface="Calibri"/>
+              </a:rPr>
+            </a:br>
+            <a:r>
+              <a:rPr lang="en" sz="1200">
+                <a:solidFill>
+                  <a:schemeClr val="dk1"/>
+                </a:solidFill>
+                <a:latin typeface="Calibri"/>
+                <a:ea typeface="Calibri"/>
+                <a:cs typeface="Calibri"/>
+                <a:sym typeface="Calibri"/>
+              </a:rPr>
+              <a:t>lets Gemini TV present rich, multimedia answers, </a:t>
+            </a:r>
+            <a:br>
+              <a:rPr lang="en" sz="1200">
+                <a:solidFill>
+                  <a:schemeClr val="dk1"/>
+                </a:solidFill>
+                <a:latin typeface="Calibri"/>
+                <a:ea typeface="Calibri"/>
+                <a:cs typeface="Calibri"/>
+                <a:sym typeface="Calibri"/>
+              </a:rPr>
+            </a:br>
+            <a:r>
+              <a:rPr lang="en" sz="1200">
+                <a:solidFill>
+                  <a:schemeClr val="dk1"/>
+                </a:solidFill>
+                <a:latin typeface="Calibri"/>
+                <a:ea typeface="Calibri"/>
+                <a:cs typeface="Calibri"/>
+                <a:sym typeface="Calibri"/>
+              </a:rPr>
+              <a:t>such as travel videos, how-to guides, or visual explanations</a:t>
+            </a:r>
+            <a:endParaRPr sz="1200">
+              <a:solidFill>
+                <a:schemeClr val="dk1"/>
+              </a:solidFill>
+              <a:latin typeface="Calibri"/>
+              <a:ea typeface="Calibri"/>
+              <a:cs typeface="Calibri"/>
+              <a:sym typeface="Calibri"/>
+            </a:endParaRPr>
+          </a:p>
+          <a:p>
+            <a:pPr marL="171450" marR="0" lvl="0" indent="-133350" algn="l" rtl="0">
+              <a:lnSpc>
+                <a:spcPct val="100000"/>
+              </a:lnSpc>
+              <a:spcBef>
+                <a:spcPts val="0"/>
+              </a:spcBef>
+              <a:spcAft>
+                <a:spcPts val="0"/>
+              </a:spcAft>
+              <a:buClr>
+                <a:schemeClr val="dk1"/>
+              </a:buClr>
+              <a:buSzPts val="1200"/>
+              <a:buFont typeface="Calibri"/>
+              <a:buChar char="●"/>
+            </a:pPr>
+            <a:r>
+              <a:rPr lang="en" sz="1200">
+                <a:solidFill>
+                  <a:schemeClr val="dk1"/>
+                </a:solidFill>
+                <a:latin typeface="Calibri"/>
+                <a:ea typeface="Calibri"/>
+                <a:cs typeface="Calibri"/>
+                <a:sym typeface="Calibri"/>
+              </a:rPr>
+              <a:t>Available at BestBuy at $3,000 for the 65-inch model </a:t>
+            </a:r>
+            <a:br>
+              <a:rPr lang="en" sz="1200">
+                <a:solidFill>
+                  <a:schemeClr val="dk1"/>
+                </a:solidFill>
+                <a:latin typeface="Calibri"/>
+                <a:ea typeface="Calibri"/>
+                <a:cs typeface="Calibri"/>
+                <a:sym typeface="Calibri"/>
+              </a:rPr>
+            </a:br>
+            <a:r>
+              <a:rPr lang="en" sz="1200">
+                <a:solidFill>
+                  <a:schemeClr val="dk1"/>
+                </a:solidFill>
+                <a:latin typeface="Calibri"/>
+                <a:ea typeface="Calibri"/>
+                <a:cs typeface="Calibri"/>
+                <a:sym typeface="Calibri"/>
+              </a:rPr>
+              <a:t>(and higher prices for 75", 85", 98" screens)</a:t>
+            </a:r>
+            <a:endParaRPr sz="1200">
+              <a:solidFill>
+                <a:schemeClr val="dk1"/>
+              </a:solidFill>
+              <a:latin typeface="Calibri"/>
+              <a:ea typeface="Calibri"/>
+              <a:cs typeface="Calibri"/>
+              <a:sym typeface="Calibri"/>
+            </a:endParaRPr>
+          </a:p>
+          <a:p>
+            <a:pPr marL="171450" marR="0" lvl="0" indent="-133350" algn="l" rtl="0">
+              <a:lnSpc>
+                <a:spcPct val="100000"/>
+              </a:lnSpc>
+              <a:spcBef>
+                <a:spcPts val="0"/>
+              </a:spcBef>
+              <a:spcAft>
+                <a:spcPts val="0"/>
+              </a:spcAft>
+              <a:buClr>
+                <a:schemeClr val="dk1"/>
+              </a:buClr>
+              <a:buSzPts val="1200"/>
+              <a:buFont typeface="Calibri"/>
+              <a:buChar char="●"/>
+            </a:pPr>
+            <a:r>
+              <a:rPr lang="en" sz="1200">
+                <a:solidFill>
+                  <a:schemeClr val="dk1"/>
+                </a:solidFill>
+                <a:latin typeface="Calibri"/>
+                <a:ea typeface="Calibri"/>
+                <a:cs typeface="Calibri"/>
+                <a:sym typeface="Calibri"/>
+              </a:rPr>
+              <a:t>Gemini TV is always listening for voice commands </a:t>
+            </a:r>
+            <a:br>
+              <a:rPr lang="en" sz="1200">
+                <a:solidFill>
+                  <a:schemeClr val="dk1"/>
+                </a:solidFill>
+                <a:latin typeface="Calibri"/>
+                <a:ea typeface="Calibri"/>
+                <a:cs typeface="Calibri"/>
+                <a:sym typeface="Calibri"/>
+              </a:rPr>
+            </a:br>
+            <a:r>
+              <a:rPr lang="en" sz="1200">
+                <a:solidFill>
+                  <a:schemeClr val="dk1"/>
+                </a:solidFill>
+                <a:latin typeface="Calibri"/>
+                <a:ea typeface="Calibri"/>
+                <a:cs typeface="Calibri"/>
+                <a:sym typeface="Calibri"/>
+              </a:rPr>
+              <a:t>and uses sensors to detect presence, raising privacy considerations</a:t>
+            </a:r>
+            <a:endParaRPr sz="1200">
+              <a:solidFill>
+                <a:schemeClr val="dk1"/>
+              </a:solidFill>
+              <a:latin typeface="Calibri"/>
+              <a:ea typeface="Calibri"/>
+              <a:cs typeface="Calibri"/>
+              <a:sym typeface="Calibri"/>
+            </a:endParaRPr>
+          </a:p>
+          <a:p>
+            <a:pPr marL="171450" marR="0" lvl="0" indent="-133350" algn="l" rtl="0">
+              <a:lnSpc>
+                <a:spcPct val="100000"/>
+              </a:lnSpc>
+              <a:spcBef>
+                <a:spcPts val="0"/>
+              </a:spcBef>
+              <a:spcAft>
+                <a:spcPts val="0"/>
+              </a:spcAft>
+              <a:buClr>
+                <a:schemeClr val="dk1"/>
+              </a:buClr>
+              <a:buSzPts val="1200"/>
+              <a:buFont typeface="Calibri"/>
+              <a:buChar char="●"/>
+            </a:pPr>
+            <a:r>
+              <a:rPr lang="en" sz="1200">
+                <a:solidFill>
+                  <a:schemeClr val="dk1"/>
+                </a:solidFill>
+                <a:latin typeface="Calibri"/>
+                <a:ea typeface="Calibri"/>
+                <a:cs typeface="Calibri"/>
+                <a:sym typeface="Calibri"/>
+              </a:rPr>
+              <a:t>Users can turn off always-listening, disable presence sensing, </a:t>
+            </a:r>
+            <a:br>
+              <a:rPr lang="en" sz="1200">
+                <a:solidFill>
+                  <a:schemeClr val="dk1"/>
+                </a:solidFill>
+                <a:latin typeface="Calibri"/>
+                <a:ea typeface="Calibri"/>
+                <a:cs typeface="Calibri"/>
+                <a:sym typeface="Calibri"/>
+              </a:rPr>
+            </a:br>
+            <a:r>
+              <a:rPr lang="en" sz="1200">
+                <a:solidFill>
+                  <a:schemeClr val="dk1"/>
+                </a:solidFill>
+                <a:latin typeface="Calibri"/>
+                <a:ea typeface="Calibri"/>
+                <a:cs typeface="Calibri"/>
+                <a:sym typeface="Calibri"/>
+              </a:rPr>
+              <a:t>and erase conversation history</a:t>
+            </a:r>
+            <a:endParaRPr sz="1200">
+              <a:solidFill>
+                <a:schemeClr val="dk1"/>
+              </a:solidFill>
+              <a:latin typeface="Calibri"/>
+              <a:ea typeface="Calibri"/>
+              <a:cs typeface="Calibri"/>
+              <a:sym typeface="Calibri"/>
+            </a:endParaRPr>
+          </a:p>
+          <a:p>
+            <a:pPr marL="171450" marR="0" lvl="0" indent="-133350" algn="l" rtl="0">
+              <a:lnSpc>
+                <a:spcPct val="100000"/>
+              </a:lnSpc>
+              <a:spcBef>
+                <a:spcPts val="0"/>
+              </a:spcBef>
+              <a:spcAft>
+                <a:spcPts val="0"/>
+              </a:spcAft>
+              <a:buClr>
+                <a:schemeClr val="dk1"/>
+              </a:buClr>
+              <a:buSzPts val="1200"/>
+              <a:buFont typeface="Calibri"/>
+              <a:buChar char="●"/>
+            </a:pPr>
+            <a:r>
+              <a:rPr lang="en" sz="1200">
+                <a:solidFill>
+                  <a:schemeClr val="dk1"/>
+                </a:solidFill>
+                <a:latin typeface="Calibri"/>
+                <a:ea typeface="Calibri"/>
+                <a:cs typeface="Calibri"/>
+                <a:sym typeface="Calibri"/>
+              </a:rPr>
+              <a:t>Use cases: conversational movie/TV recommendations</a:t>
+            </a:r>
+            <a:endParaRPr sz="1200">
+              <a:solidFill>
+                <a:schemeClr val="dk1"/>
+              </a:solidFill>
+              <a:latin typeface="Calibri"/>
+              <a:ea typeface="Calibri"/>
+              <a:cs typeface="Calibri"/>
+              <a:sym typeface="Calibri"/>
+            </a:endParaRPr>
+          </a:p>
+          <a:p>
+            <a:pPr marL="171450" marR="0" lvl="0" indent="-133350" algn="l" rtl="0">
+              <a:lnSpc>
+                <a:spcPct val="100000"/>
+              </a:lnSpc>
+              <a:spcBef>
+                <a:spcPts val="0"/>
+              </a:spcBef>
+              <a:spcAft>
+                <a:spcPts val="0"/>
+              </a:spcAft>
+              <a:buClr>
+                <a:schemeClr val="dk1"/>
+              </a:buClr>
+              <a:buSzPts val="1200"/>
+              <a:buFont typeface="Calibri"/>
+              <a:buChar char="●"/>
+            </a:pPr>
+            <a:r>
+              <a:rPr lang="en" sz="1200">
+                <a:solidFill>
+                  <a:schemeClr val="dk1"/>
+                </a:solidFill>
+                <a:latin typeface="Calibri"/>
+                <a:ea typeface="Calibri"/>
+                <a:cs typeface="Calibri"/>
+                <a:sym typeface="Calibri"/>
+              </a:rPr>
+              <a:t>Educational support for kids (explanations, projects, tutorials)</a:t>
+            </a:r>
+            <a:endParaRPr sz="1200">
+              <a:solidFill>
+                <a:schemeClr val="dk1"/>
+              </a:solidFill>
+              <a:latin typeface="Calibri"/>
+              <a:ea typeface="Calibri"/>
+              <a:cs typeface="Calibri"/>
+              <a:sym typeface="Calibri"/>
+            </a:endParaRPr>
+          </a:p>
+          <a:p>
+            <a:pPr marL="171450" marR="0" lvl="0" indent="-133350" algn="l" rtl="0">
+              <a:lnSpc>
+                <a:spcPct val="100000"/>
+              </a:lnSpc>
+              <a:spcBef>
+                <a:spcPts val="0"/>
+              </a:spcBef>
+              <a:spcAft>
+                <a:spcPts val="0"/>
+              </a:spcAft>
+              <a:buClr>
+                <a:schemeClr val="dk1"/>
+              </a:buClr>
+              <a:buSzPts val="1200"/>
+              <a:buFont typeface="Calibri"/>
+              <a:buChar char="●"/>
+            </a:pPr>
+            <a:r>
+              <a:rPr lang="en" sz="1200">
+                <a:solidFill>
+                  <a:schemeClr val="dk1"/>
+                </a:solidFill>
+                <a:latin typeface="Calibri"/>
+                <a:ea typeface="Calibri"/>
+                <a:cs typeface="Calibri"/>
+                <a:sym typeface="Calibri"/>
+              </a:rPr>
+              <a:t>Step-by-step hobby or repair help for adults</a:t>
+            </a:r>
+            <a:endParaRPr sz="1200">
+              <a:solidFill>
+                <a:schemeClr val="dk1"/>
+              </a:solidFill>
+              <a:latin typeface="Calibri"/>
+              <a:ea typeface="Calibri"/>
+              <a:cs typeface="Calibri"/>
+              <a:sym typeface="Calibri"/>
+            </a:endParaRPr>
+          </a:p>
+          <a:p>
+            <a:pPr marL="171450" marR="0" lvl="0" indent="-133350" algn="l" rtl="0">
+              <a:lnSpc>
+                <a:spcPct val="100000"/>
+              </a:lnSpc>
+              <a:spcBef>
+                <a:spcPts val="0"/>
+              </a:spcBef>
+              <a:spcAft>
+                <a:spcPts val="0"/>
+              </a:spcAft>
+              <a:buClr>
+                <a:schemeClr val="dk1"/>
+              </a:buClr>
+              <a:buSzPts val="1200"/>
+              <a:buFont typeface="Calibri"/>
+              <a:buChar char="●"/>
+            </a:pPr>
+            <a:r>
+              <a:rPr lang="en" sz="1200">
+                <a:solidFill>
+                  <a:schemeClr val="dk1"/>
+                </a:solidFill>
+                <a:latin typeface="Calibri"/>
+                <a:ea typeface="Calibri"/>
+                <a:cs typeface="Calibri"/>
+                <a:sym typeface="Calibri"/>
+              </a:rPr>
+              <a:t>Visual and interactive answers to complex questions (vacation planning, cooking, financial advice</a:t>
+            </a:r>
+            <a:endParaRPr sz="1200">
+              <a:solidFill>
+                <a:schemeClr val="dk1"/>
+              </a:solidFill>
+              <a:latin typeface="Calibri"/>
+              <a:ea typeface="Calibri"/>
+              <a:cs typeface="Calibri"/>
+              <a:sym typeface="Calibri"/>
+            </a:endParaRPr>
+          </a:p>
+          <a:p>
+            <a:pPr marL="171450" marR="0" lvl="0" indent="-133350" algn="l" rtl="0">
+              <a:lnSpc>
+                <a:spcPct val="100000"/>
+              </a:lnSpc>
+              <a:spcBef>
+                <a:spcPts val="0"/>
+              </a:spcBef>
+              <a:spcAft>
+                <a:spcPts val="0"/>
+              </a:spcAft>
+              <a:buClr>
+                <a:schemeClr val="dk1"/>
+              </a:buClr>
+              <a:buSzPts val="1200"/>
+              <a:buFont typeface="Calibri"/>
+              <a:buChar char="●"/>
+            </a:pPr>
+            <a:r>
+              <a:rPr lang="en" sz="1200" u="sng">
+                <a:solidFill>
+                  <a:schemeClr val="hlink"/>
+                </a:solidFill>
+                <a:latin typeface="Calibri"/>
+                <a:ea typeface="Calibri"/>
+                <a:cs typeface="Calibri"/>
+                <a:sym typeface="Calibri"/>
+                <a:hlinkClick r:id="rId3"/>
+              </a:rPr>
+              <a:t>https://www.youtube.com/watch?v=xP7epsFMqcM</a:t>
+            </a:r>
+            <a:r>
+              <a:rPr lang="en" sz="1200">
+                <a:solidFill>
+                  <a:schemeClr val="dk1"/>
+                </a:solidFill>
+                <a:latin typeface="Calibri"/>
+                <a:ea typeface="Calibri"/>
+                <a:cs typeface="Calibri"/>
+                <a:sym typeface="Calibri"/>
+              </a:rPr>
+              <a:t> </a:t>
+            </a:r>
+            <a:endParaRPr sz="1200">
+              <a:solidFill>
+                <a:schemeClr val="dk1"/>
+              </a:solidFill>
+              <a:latin typeface="Calibri"/>
+              <a:ea typeface="Calibri"/>
+              <a:cs typeface="Calibri"/>
+              <a:sym typeface="Calibri"/>
+            </a:endParaRPr>
+          </a:p>
+        </p:txBody>
+      </p:sp>
+      <p:pic>
+        <p:nvPicPr>
+          <p:cNvPr id="355" name="Google Shape;355;p34"/>
+          <p:cNvPicPr preferRelativeResize="0"/>
+          <p:nvPr/>
+        </p:nvPicPr>
+        <p:blipFill>
+          <a:blip r:embed="rId4">
+            <a:alphaModFix/>
+          </a:blip>
+          <a:stretch>
+            <a:fillRect/>
+          </a:stretch>
+        </p:blipFill>
+        <p:spPr>
+          <a:xfrm>
+            <a:off x="5722366" y="655800"/>
+            <a:ext cx="2619375" cy="1743075"/>
+          </a:xfrm>
+          <a:prstGeom prst="rect">
+            <a:avLst/>
+          </a:prstGeom>
+          <a:noFill/>
+          <a:ln w="9525" cap="flat" cmpd="sng">
+            <a:solidFill>
+              <a:srgbClr val="FF0000"/>
+            </a:solidFill>
+            <a:prstDash val="solid"/>
+            <a:round/>
+            <a:headEnd type="none" w="sm" len="sm"/>
+            <a:tailEnd type="none" w="sm" len="sm"/>
+          </a:ln>
+        </p:spPr>
+      </p:pic>
+      <p:pic>
+        <p:nvPicPr>
+          <p:cNvPr id="356" name="Google Shape;356;p34"/>
+          <p:cNvPicPr preferRelativeResize="0"/>
+          <p:nvPr/>
+        </p:nvPicPr>
+        <p:blipFill>
+          <a:blip r:embed="rId5" cstate="email">
+            <a:alphaModFix/>
+            <a:extLst>
+              <a:ext uri="{28A0092B-C50C-407E-A947-70E740481C1C}">
+                <a14:useLocalDpi xmlns:a14="http://schemas.microsoft.com/office/drawing/2010/main"/>
+              </a:ext>
+            </a:extLst>
+          </a:blip>
+          <a:stretch>
+            <a:fillRect/>
+          </a:stretch>
+        </p:blipFill>
+        <p:spPr>
+          <a:xfrm>
+            <a:off x="5812141" y="2526200"/>
+            <a:ext cx="2439825" cy="2439825"/>
+          </a:xfrm>
+          <a:prstGeom prst="rect">
+            <a:avLst/>
+          </a:prstGeom>
+          <a:noFill/>
+          <a:ln>
+            <a:noFill/>
+          </a:ln>
+        </p:spPr>
+      </p:pic>
+    </p:spTree>
+  </p:cSld>
+  <p:clrMapOvr>
+    <a:masterClrMapping/>
+  </p:clrMapOvr>
+</p:sld>
+</file>
+
+<file path=ppt/slides/slide21.xml><?xml version="1.0" encoding="utf-8"?>
+<p:sld xmlns:a="http://schemas.openxmlformats.org/drawingml/2006/main" xmlns:r="http://schemas.openxmlformats.org/officeDocument/2006/relationships" xmlns:p="http://schemas.openxmlformats.org/presentationml/2006/main">
+  <p:cSld>
+    <p:spTree>
+      <p:nvGrpSpPr>
+        <p:cNvPr id="1" name="Shape 360"/>
+        <p:cNvGrpSpPr/>
+        <p:nvPr/>
+      </p:nvGrpSpPr>
+      <p:grpSpPr>
+        <a:xfrm>
+          <a:off x="0" y="0"/>
+          <a:ext cx="0" cy="0"/>
+          <a:chOff x="0" y="0"/>
+          <a:chExt cx="0" cy="0"/>
+        </a:xfrm>
+      </p:grpSpPr>
+      <p:sp>
+        <p:nvSpPr>
+          <p:cNvPr id="361" name="Google Shape;361;p35"/>
+          <p:cNvSpPr txBox="1"/>
+          <p:nvPr/>
+        </p:nvSpPr>
+        <p:spPr>
+          <a:xfrm>
+            <a:off x="55075" y="20375"/>
+            <a:ext cx="4467300" cy="326400"/>
+          </a:xfrm>
+          <a:prstGeom prst="rect">
+            <a:avLst/>
+          </a:prstGeom>
+          <a:noFill/>
+          <a:ln>
+            <a:noFill/>
+          </a:ln>
+        </p:spPr>
+        <p:txBody>
+          <a:bodyPr spcFirstLastPara="1" wrap="square" lIns="9125" tIns="9125" rIns="9125" bIns="9125" anchor="t" anchorCtr="0">
+            <a:spAutoFit/>
+          </a:bodyPr>
+          <a:lstStyle/>
+          <a:p>
+            <a:pPr marL="0" marR="0" lvl="0" indent="0" algn="l" rtl="0">
+              <a:lnSpc>
+                <a:spcPct val="100000"/>
+              </a:lnSpc>
+              <a:spcBef>
+                <a:spcPts val="0"/>
+              </a:spcBef>
+              <a:spcAft>
+                <a:spcPts val="0"/>
+              </a:spcAft>
+              <a:buClr>
+                <a:schemeClr val="dk1"/>
+              </a:buClr>
+              <a:buSzPts val="1100"/>
+              <a:buFont typeface="Arial"/>
+              <a:buNone/>
+            </a:pPr>
+            <a:r>
+              <a:rPr lang="en" sz="2000" b="1">
+                <a:solidFill>
+                  <a:schemeClr val="dk1"/>
+                </a:solidFill>
+                <a:latin typeface="Calibri"/>
+                <a:ea typeface="Calibri"/>
+                <a:cs typeface="Calibri"/>
+                <a:sym typeface="Calibri"/>
+              </a:rPr>
+              <a:t>AI sector - a speculative “bubble” ?</a:t>
+            </a:r>
+            <a:endParaRPr sz="2000" b="1">
+              <a:solidFill>
+                <a:schemeClr val="dk1"/>
+              </a:solidFill>
+              <a:latin typeface="Calibri"/>
+              <a:ea typeface="Calibri"/>
+              <a:cs typeface="Calibri"/>
+              <a:sym typeface="Calibri"/>
+            </a:endParaRPr>
+          </a:p>
+        </p:txBody>
+      </p:sp>
+      <p:sp>
+        <p:nvSpPr>
+          <p:cNvPr id="362" name="Google Shape;362;p35"/>
           <p:cNvSpPr txBox="1"/>
           <p:nvPr/>
         </p:nvSpPr>
@@ -40261,7 +41926,7 @@
       </p:sp>
       <p:pic>
         <p:nvPicPr>
-          <p:cNvPr id="344" name="Google Shape;344;p34"/>
+          <p:cNvPr id="363" name="Google Shape;363;p35"/>
           <p:cNvPicPr preferRelativeResize="0"/>
           <p:nvPr/>
         </p:nvPicPr>
@@ -40306,12 +41971,12 @@
 </p:sld>
 </file>
 
-<file path=ppt/slides/slide21.xml><?xml version="1.0" encoding="utf-8"?>
+<file path=ppt/slides/slide22.xml><?xml version="1.0" encoding="utf-8"?>
 <p:sld xmlns:a="http://schemas.openxmlformats.org/drawingml/2006/main" xmlns:r="http://schemas.openxmlformats.org/officeDocument/2006/relationships" xmlns:p="http://schemas.openxmlformats.org/presentationml/2006/main">
   <p:cSld>
     <p:spTree>
       <p:nvGrpSpPr>
-        <p:cNvPr id="1" name="Shape 348"/>
+        <p:cNvPr id="1" name="Shape 367"/>
         <p:cNvGrpSpPr/>
         <p:nvPr/>
       </p:nvGrpSpPr>
@@ -40325,7 +41990,7 @@
       </p:grpSpPr>
       <p:sp>
         <p:nvSpPr>
-          <p:cNvPr id="349" name="Google Shape;349;p35"/>
+          <p:cNvPr id="368" name="Google Shape;368;p36"/>
           <p:cNvSpPr txBox="1"/>
           <p:nvPr/>
         </p:nvSpPr>
@@ -40391,7 +42056,7 @@
       </p:sp>
       <p:sp>
         <p:nvSpPr>
-          <p:cNvPr id="350" name="Google Shape;350;p35"/>
+          <p:cNvPr id="369" name="Google Shape;369;p36"/>
           <p:cNvSpPr txBox="1"/>
           <p:nvPr/>
         </p:nvSpPr>
@@ -40817,7 +42482,7 @@
       </p:sp>
       <p:pic>
         <p:nvPicPr>
-          <p:cNvPr id="351" name="Google Shape;351;p35"/>
+          <p:cNvPr id="370" name="Google Shape;370;p36"/>
           <p:cNvPicPr preferRelativeResize="0"/>
           <p:nvPr/>
         </p:nvPicPr>
@@ -40856,7 +42521,7 @@
       </p:pic>
       <p:pic>
         <p:nvPicPr>
-          <p:cNvPr id="352" name="Google Shape;352;p35"/>
+          <p:cNvPr id="371" name="Google Shape;371;p36"/>
           <p:cNvPicPr preferRelativeResize="0"/>
           <p:nvPr/>
         </p:nvPicPr>
@@ -40895,12 +42560,12 @@
 </p:sld>
 </file>
 
-<file path=ppt/slides/slide22.xml><?xml version="1.0" encoding="utf-8"?>
+<file path=ppt/slides/slide23.xml><?xml version="1.0" encoding="utf-8"?>
 <p:sld xmlns:a="http://schemas.openxmlformats.org/drawingml/2006/main" xmlns:r="http://schemas.openxmlformats.org/officeDocument/2006/relationships" xmlns:p="http://schemas.openxmlformats.org/presentationml/2006/main">
   <p:cSld>
     <p:spTree>
       <p:nvGrpSpPr>
-        <p:cNvPr id="1" name="Shape 356"/>
+        <p:cNvPr id="1" name="Shape 375"/>
         <p:cNvGrpSpPr/>
         <p:nvPr/>
       </p:nvGrpSpPr>
@@ -40914,7 +42579,7 @@
       </p:grpSpPr>
       <p:sp>
         <p:nvSpPr>
-          <p:cNvPr id="357" name="Google Shape;357;p36"/>
+          <p:cNvPr id="376" name="Google Shape;376;p37"/>
           <p:cNvSpPr txBox="1"/>
           <p:nvPr/>
         </p:nvSpPr>
@@ -40980,7 +42645,7 @@
       </p:sp>
       <p:sp>
         <p:nvSpPr>
-          <p:cNvPr id="358" name="Google Shape;358;p36"/>
+          <p:cNvPr id="377" name="Google Shape;377;p37"/>
           <p:cNvSpPr txBox="1"/>
           <p:nvPr/>
         </p:nvSpPr>
@@ -41427,7 +43092,7 @@
       </p:sp>
       <p:pic>
         <p:nvPicPr>
-          <p:cNvPr id="359" name="Google Shape;359;p36"/>
+          <p:cNvPr id="378" name="Google Shape;378;p37"/>
           <p:cNvPicPr preferRelativeResize="0"/>
           <p:nvPr/>
         </p:nvPicPr>
@@ -41467,12 +43132,12 @@
 </p:sld>
 </file>
 
-<file path=ppt/slides/slide23.xml><?xml version="1.0" encoding="utf-8"?>
+<file path=ppt/slides/slide24.xml><?xml version="1.0" encoding="utf-8"?>
 <p:sld xmlns:a="http://schemas.openxmlformats.org/drawingml/2006/main" xmlns:r="http://schemas.openxmlformats.org/officeDocument/2006/relationships" xmlns:p="http://schemas.openxmlformats.org/presentationml/2006/main">
   <p:cSld>
     <p:spTree>
       <p:nvGrpSpPr>
-        <p:cNvPr id="1" name="Shape 363"/>
+        <p:cNvPr id="1" name="Shape 382"/>
         <p:cNvGrpSpPr/>
         <p:nvPr/>
       </p:nvGrpSpPr>
@@ -41486,7 +43151,7 @@
       </p:grpSpPr>
       <p:sp>
         <p:nvSpPr>
-          <p:cNvPr id="364" name="Google Shape;364;p37"/>
+          <p:cNvPr id="383" name="Google Shape;383;p38"/>
           <p:cNvSpPr txBox="1"/>
           <p:nvPr/>
         </p:nvSpPr>
@@ -41552,7 +43217,7 @@
       </p:sp>
       <p:sp>
         <p:nvSpPr>
-          <p:cNvPr id="365" name="Google Shape;365;p37"/>
+          <p:cNvPr id="384" name="Google Shape;384;p38"/>
           <p:cNvSpPr txBox="1"/>
           <p:nvPr/>
         </p:nvSpPr>
@@ -41680,7 +43345,7 @@
       </p:sp>
       <p:sp>
         <p:nvSpPr>
-          <p:cNvPr id="366" name="Google Shape;366;p37"/>
+          <p:cNvPr id="385" name="Google Shape;385;p38"/>
           <p:cNvSpPr txBox="1"/>
           <p:nvPr/>
         </p:nvSpPr>
@@ -41927,7 +43592,7 @@
       </p:sp>
       <p:sp>
         <p:nvSpPr>
-          <p:cNvPr id="367" name="Google Shape;367;p37"/>
+          <p:cNvPr id="386" name="Google Shape;386;p38"/>
           <p:cNvSpPr txBox="1"/>
           <p:nvPr/>
         </p:nvSpPr>
@@ -42100,7 +43765,7 @@
       </p:sp>
       <p:sp>
         <p:nvSpPr>
-          <p:cNvPr id="368" name="Google Shape;368;p37"/>
+          <p:cNvPr id="387" name="Google Shape;387;p38"/>
           <p:cNvSpPr txBox="1"/>
           <p:nvPr/>
         </p:nvSpPr>
@@ -42471,7 +44136,7 @@
       </p:sp>
       <p:pic>
         <p:nvPicPr>
-          <p:cNvPr id="369" name="Google Shape;369;p37"/>
+          <p:cNvPr id="388" name="Google Shape;388;p38"/>
           <p:cNvPicPr preferRelativeResize="0"/>
           <p:nvPr/>
         </p:nvPicPr>
@@ -42510,7 +44175,7 @@
       </p:pic>
       <p:pic>
         <p:nvPicPr>
-          <p:cNvPr id="370" name="Google Shape;370;p37"/>
+          <p:cNvPr id="389" name="Google Shape;389;p38"/>
           <p:cNvPicPr preferRelativeResize="0"/>
           <p:nvPr/>
         </p:nvPicPr>
@@ -42555,12 +44220,12 @@
 </p:sld>
 </file>
 
-<file path=ppt/slides/slide24.xml><?xml version="1.0" encoding="utf-8"?>
+<file path=ppt/slides/slide25.xml><?xml version="1.0" encoding="utf-8"?>
 <p:sld xmlns:a="http://schemas.openxmlformats.org/drawingml/2006/main" xmlns:r="http://schemas.openxmlformats.org/officeDocument/2006/relationships" xmlns:p="http://schemas.openxmlformats.org/presentationml/2006/main">
   <p:cSld>
     <p:spTree>
       <p:nvGrpSpPr>
-        <p:cNvPr id="1" name="Shape 374"/>
+        <p:cNvPr id="1" name="Shape 393"/>
         <p:cNvGrpSpPr/>
         <p:nvPr/>
       </p:nvGrpSpPr>
@@ -42574,7 +44239,7 @@
       </p:grpSpPr>
       <p:pic>
         <p:nvPicPr>
-          <p:cNvPr id="375" name="Google Shape;375;p38"/>
+          <p:cNvPr id="394" name="Google Shape;394;p39"/>
           <p:cNvPicPr preferRelativeResize="0"/>
           <p:nvPr/>
         </p:nvPicPr>
@@ -42606,7 +44271,7 @@
       </p:pic>
       <p:sp>
         <p:nvSpPr>
-          <p:cNvPr id="376" name="Google Shape;376;p38"/>
+          <p:cNvPr id="395" name="Google Shape;395;p39"/>
           <p:cNvSpPr txBox="1"/>
           <p:nvPr/>
         </p:nvSpPr>
@@ -42672,7 +44337,7 @@
       </p:sp>
       <p:sp>
         <p:nvSpPr>
-          <p:cNvPr id="377" name="Google Shape;377;p38"/>
+          <p:cNvPr id="396" name="Google Shape;396;p39"/>
           <p:cNvSpPr txBox="1"/>
           <p:nvPr/>
         </p:nvSpPr>
@@ -43102,7 +44767,7 @@
       </p:sp>
       <p:pic>
         <p:nvPicPr>
-          <p:cNvPr id="378" name="Google Shape;378;p38"/>
+          <p:cNvPr id="397" name="Google Shape;397;p39"/>
           <p:cNvPicPr preferRelativeResize="0"/>
           <p:nvPr/>
         </p:nvPicPr>
@@ -43134,7 +44799,7 @@
       </p:pic>
       <p:sp>
         <p:nvSpPr>
-          <p:cNvPr id="379" name="Google Shape;379;p38"/>
+          <p:cNvPr id="398" name="Google Shape;398;p39"/>
           <p:cNvSpPr txBox="1"/>
           <p:nvPr/>
         </p:nvSpPr>
@@ -43213,7 +44878,7 @@
       </p:sp>
       <p:sp>
         <p:nvSpPr>
-          <p:cNvPr id="380" name="Google Shape;380;p38"/>
+          <p:cNvPr id="399" name="Google Shape;399;p39"/>
           <p:cNvSpPr txBox="1"/>
           <p:nvPr/>
         </p:nvSpPr>
@@ -43285,12 +44950,12 @@
 </p:sld>
 </file>
 
-<file path=ppt/slides/slide25.xml><?xml version="1.0" encoding="utf-8"?>
+<file path=ppt/slides/slide26.xml><?xml version="1.0" encoding="utf-8"?>
 <p:sld xmlns:a="http://schemas.openxmlformats.org/drawingml/2006/main" xmlns:r="http://schemas.openxmlformats.org/officeDocument/2006/relationships" xmlns:p="http://schemas.openxmlformats.org/presentationml/2006/main">
   <p:cSld>
     <p:spTree>
       <p:nvGrpSpPr>
-        <p:cNvPr id="1" name="Shape 384"/>
+        <p:cNvPr id="1" name="Shape 403"/>
         <p:cNvGrpSpPr/>
         <p:nvPr/>
       </p:nvGrpSpPr>
@@ -43304,7 +44969,7 @@
       </p:grpSpPr>
       <p:sp>
         <p:nvSpPr>
-          <p:cNvPr id="385" name="Google Shape;385;p39"/>
+          <p:cNvPr id="404" name="Google Shape;404;p40"/>
           <p:cNvSpPr txBox="1"/>
           <p:nvPr/>
         </p:nvSpPr>
@@ -49964,8 +51629,8 @@
         </p:nvSpPr>
         <p:spPr>
           <a:xfrm>
-            <a:off x="96850" y="2147247"/>
-            <a:ext cx="2586300" cy="387900"/>
+            <a:off x="96850" y="1863072"/>
+            <a:ext cx="2586300" cy="757200"/>
           </a:xfrm>
           <a:prstGeom prst="rect">
             <a:avLst/>
@@ -50016,7 +51681,47 @@
                 <a:cs typeface="Calibri"/>
                 <a:sym typeface="Calibri"/>
               </a:rPr>
-              <a:t>AI chipmaker Groq secured $750 million at $6.9B valuation</a:t>
+              <a:t>AI chipmaker Groq secured $750M at $6.9B valuation</a:t>
+            </a:r>
+            <a:endParaRPr sz="1200" b="1">
+              <a:solidFill>
+                <a:srgbClr val="FF0000"/>
+              </a:solidFill>
+              <a:latin typeface="Calibri"/>
+              <a:ea typeface="Calibri"/>
+              <a:cs typeface="Calibri"/>
+              <a:sym typeface="Calibri"/>
+            </a:endParaRPr>
+          </a:p>
+          <a:p>
+            <a:pPr marL="171450" marR="0" lvl="0" indent="-133350" algn="l" rtl="0">
+              <a:lnSpc>
+                <a:spcPct val="100000"/>
+              </a:lnSpc>
+              <a:spcBef>
+                <a:spcPts val="0"/>
+              </a:spcBef>
+              <a:spcAft>
+                <a:spcPts val="0"/>
+              </a:spcAft>
+              <a:buClr>
+                <a:srgbClr val="FF0000"/>
+              </a:buClr>
+              <a:buSzPts val="1200"/>
+              <a:buFont typeface="Calibri"/>
+              <a:buChar char="●"/>
+            </a:pPr>
+            <a:r>
+              <a:rPr lang="en" sz="1200" b="1">
+                <a:solidFill>
+                  <a:srgbClr val="FF0000"/>
+                </a:solidFill>
+                <a:latin typeface="Calibri"/>
+                <a:ea typeface="Calibri"/>
+                <a:cs typeface="Calibri"/>
+                <a:sym typeface="Calibri"/>
+              </a:rPr>
+              <a:t>Cohere secured another $100M at $7B valuation</a:t>
             </a:r>
             <a:endParaRPr sz="1200" b="1">
               <a:solidFill>
@@ -50129,7 +51834,7 @@
         </p:blipFill>
         <p:spPr>
           <a:xfrm>
-            <a:off x="2891788" y="1961396"/>
+            <a:off x="3058963" y="1857946"/>
             <a:ext cx="1923950" cy="759609"/>
           </a:xfrm>
           <a:prstGeom prst="rect">
@@ -50263,6 +51968,44 @@
           </a:ln>
         </p:spPr>
       </p:pic>
+      <p:pic>
+        <p:nvPicPr>
+          <p:cNvPr id="233" name="Google Shape;233;p22"/>
+          <p:cNvPicPr preferRelativeResize="0"/>
+          <p:nvPr/>
+        </p:nvPicPr>
+        <p:blipFill rotWithShape="1">
+          <a:blip r:embed="rId11" cstate="email">
+            <a:alphaModFix/>
+            <a:extLst>
+              <a:ext uri="{28A0092B-C50C-407E-A947-70E740481C1C}">
+                <a14:useLocalDpi xmlns:a14="http://schemas.microsoft.com/office/drawing/2010/main"/>
+              </a:ext>
+            </a:extLst>
+          </a:blip>
+          <a:srcRect/>
+          <a:stretch/>
+        </p:blipFill>
+        <p:spPr>
+          <a:xfrm>
+            <a:off x="5358750" y="1930775"/>
+            <a:ext cx="2586300" cy="626875"/>
+          </a:xfrm>
+          <a:prstGeom prst="rect">
+            <a:avLst/>
+          </a:prstGeom>
+          <a:noFill/>
+          <a:ln w="9525" cap="flat" cmpd="sng">
+            <a:solidFill>
+              <a:srgbClr val="FF0000"/>
+            </a:solidFill>
+            <a:prstDash val="solid"/>
+            <a:round/>
+            <a:headEnd type="none" w="sm" len="sm"/>
+            <a:tailEnd type="none" w="sm" len="sm"/>
+          </a:ln>
+        </p:spPr>
+      </p:pic>
     </p:spTree>
   </p:cSld>
   <p:clrMapOvr>
@@ -50276,7 +52019,7 @@
   <p:cSld>
     <p:spTree>
       <p:nvGrpSpPr>
-        <p:cNvPr id="1" name="Shape 236"/>
+        <p:cNvPr id="1" name="Shape 237"/>
         <p:cNvGrpSpPr/>
         <p:nvPr/>
       </p:nvGrpSpPr>
@@ -50290,7 +52033,7 @@
       </p:grpSpPr>
       <p:sp>
         <p:nvSpPr>
-          <p:cNvPr id="237" name="Google Shape;237;p23"/>
+          <p:cNvPr id="238" name="Google Shape;238;p23"/>
           <p:cNvSpPr txBox="1"/>
           <p:nvPr/>
         </p:nvSpPr>
@@ -50356,7 +52099,7 @@
       </p:sp>
       <p:sp>
         <p:nvSpPr>
-          <p:cNvPr id="238" name="Google Shape;238;p23"/>
+          <p:cNvPr id="239" name="Google Shape;239;p23"/>
           <p:cNvSpPr txBox="1"/>
           <p:nvPr/>
         </p:nvSpPr>
@@ -50510,7 +52253,7 @@
       </p:sp>
       <p:sp>
         <p:nvSpPr>
-          <p:cNvPr id="239" name="Google Shape;239;p23"/>
+          <p:cNvPr id="240" name="Google Shape;240;p23"/>
           <p:cNvSpPr txBox="1"/>
           <p:nvPr/>
         </p:nvSpPr>
@@ -50664,14 +52407,14 @@
       </p:sp>
       <p:sp>
         <p:nvSpPr>
-          <p:cNvPr id="240" name="Google Shape;240;p23"/>
+          <p:cNvPr id="241" name="Google Shape;241;p23"/>
           <p:cNvSpPr txBox="1"/>
           <p:nvPr/>
         </p:nvSpPr>
         <p:spPr>
           <a:xfrm>
-            <a:off x="55075" y="3565711"/>
-            <a:ext cx="4628400" cy="387900"/>
+            <a:off x="55075" y="2979425"/>
+            <a:ext cx="2577900" cy="572700"/>
           </a:xfrm>
           <a:prstGeom prst="rect">
             <a:avLst/>
@@ -50790,7 +52533,7 @@
       </p:sp>
       <p:pic>
         <p:nvPicPr>
-          <p:cNvPr id="241" name="Google Shape;241;p23"/>
+          <p:cNvPr id="242" name="Google Shape;242;p23"/>
           <p:cNvPicPr preferRelativeResize="0"/>
           <p:nvPr/>
         </p:nvPicPr>
@@ -50829,7 +52572,7 @@
       </p:pic>
       <p:pic>
         <p:nvPicPr>
-          <p:cNvPr id="242" name="Google Shape;242;p23"/>
+          <p:cNvPr id="243" name="Google Shape;243;p23"/>
           <p:cNvPicPr preferRelativeResize="0"/>
           <p:nvPr/>
         </p:nvPicPr>
@@ -50868,13 +52611,18 @@
       </p:pic>
       <p:pic>
         <p:nvPicPr>
-          <p:cNvPr id="243" name="Google Shape;243;p23"/>
+          <p:cNvPr id="244" name="Google Shape;244;p23"/>
           <p:cNvPicPr preferRelativeResize="0"/>
           <p:nvPr/>
         </p:nvPicPr>
         <p:blipFill>
-          <a:blip r:embed="rId5">
+          <a:blip r:embed="rId5" cstate="email">
             <a:alphaModFix/>
+            <a:extLst>
+              <a:ext uri="{28A0092B-C50C-407E-A947-70E740481C1C}">
+                <a14:useLocalDpi xmlns:a14="http://schemas.microsoft.com/office/drawing/2010/main"/>
+              </a:ext>
+            </a:extLst>
           </a:blip>
           <a:stretch>
             <a:fillRect/>
@@ -50882,8 +52630,432 @@
         </p:blipFill>
         <p:spPr>
           <a:xfrm>
-            <a:off x="4835875" y="2959549"/>
-            <a:ext cx="2857500" cy="1600200"/>
+            <a:off x="2763025" y="2789687"/>
+            <a:ext cx="1700325" cy="952182"/>
+          </a:xfrm>
+          <a:prstGeom prst="rect">
+            <a:avLst/>
+          </a:prstGeom>
+          <a:noFill/>
+          <a:ln w="9525" cap="flat" cmpd="sng">
+            <a:solidFill>
+              <a:srgbClr val="FF0000"/>
+            </a:solidFill>
+            <a:prstDash val="solid"/>
+            <a:round/>
+            <a:headEnd type="none" w="sm" len="sm"/>
+            <a:tailEnd type="none" w="sm" len="sm"/>
+          </a:ln>
+        </p:spPr>
+      </p:pic>
+      <p:sp>
+        <p:nvSpPr>
+          <p:cNvPr id="245" name="Google Shape;245;p23"/>
+          <p:cNvSpPr txBox="1"/>
+          <p:nvPr/>
+        </p:nvSpPr>
+        <p:spPr>
+          <a:xfrm>
+            <a:off x="55075" y="4116175"/>
+            <a:ext cx="4074000" cy="711000"/>
+          </a:xfrm>
+          <a:prstGeom prst="rect">
+            <a:avLst/>
+          </a:prstGeom>
+          <a:solidFill>
+            <a:srgbClr val="FFF2CC"/>
+          </a:solidFill>
+          <a:ln w="9525" cap="flat" cmpd="sng">
+            <a:solidFill>
+              <a:srgbClr val="FF0000"/>
+            </a:solidFill>
+            <a:prstDash val="solid"/>
+            <a:round/>
+            <a:headEnd type="none" w="sm" len="sm"/>
+            <a:tailEnd type="none" w="sm" len="sm"/>
+          </a:ln>
+        </p:spPr>
+        <p:txBody>
+          <a:bodyPr spcFirstLastPara="1" wrap="square" lIns="9125" tIns="9125" rIns="9125" bIns="9125" anchor="t" anchorCtr="0">
+            <a:spAutoFit/>
+          </a:bodyPr>
+          <a:lstStyle/>
+          <a:p>
+            <a:pPr marL="171450" marR="0" lvl="0" indent="-133350" algn="l" rtl="0">
+              <a:lnSpc>
+                <a:spcPct val="100000"/>
+              </a:lnSpc>
+              <a:spcBef>
+                <a:spcPts val="0"/>
+              </a:spcBef>
+              <a:spcAft>
+                <a:spcPts val="0"/>
+              </a:spcAft>
+              <a:buClr>
+                <a:srgbClr val="FF0000"/>
+              </a:buClr>
+              <a:buSzPts val="1200"/>
+              <a:buFont typeface="Calibri"/>
+              <a:buChar char="●"/>
+            </a:pPr>
+            <a:r>
+              <a:rPr lang="en" sz="1200" b="1">
+                <a:solidFill>
+                  <a:srgbClr val="FF0000"/>
+                </a:solidFill>
+                <a:latin typeface="Calibri"/>
+                <a:ea typeface="Calibri"/>
+                <a:cs typeface="Calibri"/>
+                <a:sym typeface="Calibri"/>
+              </a:rPr>
+              <a:t>90% of programmers use AI</a:t>
+            </a:r>
+            <a:endParaRPr sz="1200" b="1">
+              <a:solidFill>
+                <a:srgbClr val="FF0000"/>
+              </a:solidFill>
+              <a:latin typeface="Calibri"/>
+              <a:ea typeface="Calibri"/>
+              <a:cs typeface="Calibri"/>
+              <a:sym typeface="Calibri"/>
+            </a:endParaRPr>
+          </a:p>
+          <a:p>
+            <a:pPr marL="171450" marR="0" lvl="0" indent="-133350" algn="l" rtl="0">
+              <a:lnSpc>
+                <a:spcPct val="100000"/>
+              </a:lnSpc>
+              <a:spcBef>
+                <a:spcPts val="0"/>
+              </a:spcBef>
+              <a:spcAft>
+                <a:spcPts val="0"/>
+              </a:spcAft>
+              <a:buClr>
+                <a:schemeClr val="dk1"/>
+              </a:buClr>
+              <a:buSzPts val="1200"/>
+              <a:buFont typeface="Calibri"/>
+              <a:buChar char="●"/>
+            </a:pPr>
+            <a:r>
+              <a:rPr lang="en" sz="1200">
+                <a:solidFill>
+                  <a:schemeClr val="dk1"/>
+                </a:solidFill>
+                <a:latin typeface="Calibri"/>
+                <a:ea typeface="Calibri"/>
+                <a:cs typeface="Calibri"/>
+                <a:sym typeface="Calibri"/>
+              </a:rPr>
+              <a:t>2025 DORA Report (</a:t>
+            </a:r>
+            <a:r>
+              <a:rPr lang="en" sz="1200" b="1">
+                <a:solidFill>
+                  <a:srgbClr val="3C78D8"/>
+                </a:solidFill>
+                <a:latin typeface="Calibri"/>
+                <a:ea typeface="Calibri"/>
+                <a:cs typeface="Calibri"/>
+                <a:sym typeface="Calibri"/>
+              </a:rPr>
+              <a:t>DevOps Research and Assessment</a:t>
+            </a:r>
+            <a:r>
+              <a:rPr lang="en" sz="1200">
+                <a:solidFill>
+                  <a:schemeClr val="dk1"/>
+                </a:solidFill>
+                <a:latin typeface="Calibri"/>
+                <a:ea typeface="Calibri"/>
+                <a:cs typeface="Calibri"/>
+                <a:sym typeface="Calibri"/>
+              </a:rPr>
+              <a:t>) -  trends shaping modern software development</a:t>
+            </a:r>
+            <a:endParaRPr sz="1200">
+              <a:solidFill>
+                <a:schemeClr val="dk1"/>
+              </a:solidFill>
+              <a:latin typeface="Calibri"/>
+              <a:ea typeface="Calibri"/>
+              <a:cs typeface="Calibri"/>
+              <a:sym typeface="Calibri"/>
+            </a:endParaRPr>
+          </a:p>
+          <a:p>
+            <a:pPr marL="171450" marR="0" lvl="0" indent="-114300" algn="l" rtl="0">
+              <a:lnSpc>
+                <a:spcPct val="100000"/>
+              </a:lnSpc>
+              <a:spcBef>
+                <a:spcPts val="0"/>
+              </a:spcBef>
+              <a:spcAft>
+                <a:spcPts val="0"/>
+              </a:spcAft>
+              <a:buClr>
+                <a:schemeClr val="dk1"/>
+              </a:buClr>
+              <a:buSzPts val="900"/>
+              <a:buFont typeface="Calibri"/>
+              <a:buChar char="●"/>
+            </a:pPr>
+            <a:r>
+              <a:rPr lang="en" sz="900" u="sng">
+                <a:solidFill>
+                  <a:schemeClr val="hlink"/>
+                </a:solidFill>
+                <a:latin typeface="Calibri"/>
+                <a:ea typeface="Calibri"/>
+                <a:cs typeface="Calibri"/>
+                <a:sym typeface="Calibri"/>
+                <a:hlinkClick r:id="rId6"/>
+              </a:rPr>
+              <a:t>https://blog.google/technology/developers/dora-report-2025/</a:t>
+            </a:r>
+            <a:endParaRPr sz="900">
+              <a:solidFill>
+                <a:schemeClr val="dk1"/>
+              </a:solidFill>
+              <a:latin typeface="Calibri"/>
+              <a:ea typeface="Calibri"/>
+              <a:cs typeface="Calibri"/>
+              <a:sym typeface="Calibri"/>
+            </a:endParaRPr>
+          </a:p>
+        </p:txBody>
+      </p:sp>
+      <p:pic>
+        <p:nvPicPr>
+          <p:cNvPr id="246" name="Google Shape;246;p23"/>
+          <p:cNvPicPr preferRelativeResize="0"/>
+          <p:nvPr/>
+        </p:nvPicPr>
+        <p:blipFill>
+          <a:blip r:embed="rId7" cstate="email">
+            <a:alphaModFix/>
+            <a:extLst>
+              <a:ext uri="{28A0092B-C50C-407E-A947-70E740481C1C}">
+                <a14:useLocalDpi xmlns:a14="http://schemas.microsoft.com/office/drawing/2010/main"/>
+              </a:ext>
+            </a:extLst>
+          </a:blip>
+          <a:stretch>
+            <a:fillRect/>
+          </a:stretch>
+        </p:blipFill>
+        <p:spPr>
+          <a:xfrm>
+            <a:off x="4187525" y="4049474"/>
+            <a:ext cx="1501675" cy="844400"/>
+          </a:xfrm>
+          <a:prstGeom prst="rect">
+            <a:avLst/>
+          </a:prstGeom>
+          <a:noFill/>
+          <a:ln w="9525" cap="flat" cmpd="sng">
+            <a:solidFill>
+              <a:srgbClr val="FF0000"/>
+            </a:solidFill>
+            <a:prstDash val="solid"/>
+            <a:round/>
+            <a:headEnd type="none" w="sm" len="sm"/>
+            <a:tailEnd type="none" w="sm" len="sm"/>
+          </a:ln>
+        </p:spPr>
+      </p:pic>
+      <p:sp>
+        <p:nvSpPr>
+          <p:cNvPr id="247" name="Google Shape;247;p23"/>
+          <p:cNvSpPr txBox="1"/>
+          <p:nvPr/>
+        </p:nvSpPr>
+        <p:spPr>
+          <a:xfrm>
+            <a:off x="6210225" y="4116175"/>
+            <a:ext cx="2844900" cy="895800"/>
+          </a:xfrm>
+          <a:prstGeom prst="rect">
+            <a:avLst/>
+          </a:prstGeom>
+          <a:solidFill>
+            <a:srgbClr val="FFF2CC"/>
+          </a:solidFill>
+          <a:ln w="9525" cap="flat" cmpd="sng">
+            <a:solidFill>
+              <a:srgbClr val="FF0000"/>
+            </a:solidFill>
+            <a:prstDash val="solid"/>
+            <a:round/>
+            <a:headEnd type="none" w="sm" len="sm"/>
+            <a:tailEnd type="none" w="sm" len="sm"/>
+          </a:ln>
+        </p:spPr>
+        <p:txBody>
+          <a:bodyPr spcFirstLastPara="1" wrap="square" lIns="9125" tIns="9125" rIns="9125" bIns="9125" anchor="t" anchorCtr="0">
+            <a:spAutoFit/>
+          </a:bodyPr>
+          <a:lstStyle/>
+          <a:p>
+            <a:pPr marL="171450" marR="0" lvl="0" indent="-133350" algn="l" rtl="0">
+              <a:lnSpc>
+                <a:spcPct val="100000"/>
+              </a:lnSpc>
+              <a:spcBef>
+                <a:spcPts val="0"/>
+              </a:spcBef>
+              <a:spcAft>
+                <a:spcPts val="0"/>
+              </a:spcAft>
+              <a:buClr>
+                <a:srgbClr val="FF0000"/>
+              </a:buClr>
+              <a:buSzPts val="1200"/>
+              <a:buFont typeface="Calibri"/>
+              <a:buChar char="●"/>
+            </a:pPr>
+            <a:r>
+              <a:rPr lang="en" sz="1200" b="1">
+                <a:solidFill>
+                  <a:srgbClr val="FF0000"/>
+                </a:solidFill>
+                <a:latin typeface="Calibri"/>
+                <a:ea typeface="Calibri"/>
+                <a:cs typeface="Calibri"/>
+                <a:sym typeface="Calibri"/>
+              </a:rPr>
+              <a:t>Major LLMs can pass CFA Exam</a:t>
+            </a:r>
+            <a:endParaRPr sz="1200" b="1">
+              <a:solidFill>
+                <a:srgbClr val="FF0000"/>
+              </a:solidFill>
+              <a:latin typeface="Calibri"/>
+              <a:ea typeface="Calibri"/>
+              <a:cs typeface="Calibri"/>
+              <a:sym typeface="Calibri"/>
+            </a:endParaRPr>
+          </a:p>
+          <a:p>
+            <a:pPr marL="171450" marR="0" lvl="0" indent="-133350" algn="l" rtl="0">
+              <a:lnSpc>
+                <a:spcPct val="100000"/>
+              </a:lnSpc>
+              <a:spcBef>
+                <a:spcPts val="0"/>
+              </a:spcBef>
+              <a:spcAft>
+                <a:spcPts val="0"/>
+              </a:spcAft>
+              <a:buClr>
+                <a:schemeClr val="dk1"/>
+              </a:buClr>
+              <a:buSzPts val="1200"/>
+              <a:buFont typeface="Calibri"/>
+              <a:buChar char="●"/>
+            </a:pPr>
+            <a:r>
+              <a:rPr lang="en" sz="1200">
+                <a:solidFill>
+                  <a:schemeClr val="dk1"/>
+                </a:solidFill>
+                <a:latin typeface="Calibri"/>
+                <a:ea typeface="Calibri"/>
+                <a:cs typeface="Calibri"/>
+                <a:sym typeface="Calibri"/>
+              </a:rPr>
+              <a:t>OpenAI, Google, and Anthropic can now pass all three levels of the CFA (chartered financial analyst) exam</a:t>
+            </a:r>
+            <a:endParaRPr sz="900">
+              <a:solidFill>
+                <a:schemeClr val="dk1"/>
+              </a:solidFill>
+              <a:latin typeface="Calibri"/>
+              <a:ea typeface="Calibri"/>
+              <a:cs typeface="Calibri"/>
+              <a:sym typeface="Calibri"/>
+            </a:endParaRPr>
+          </a:p>
+          <a:p>
+            <a:pPr marL="171450" marR="0" lvl="0" indent="-114300" algn="l" rtl="0">
+              <a:lnSpc>
+                <a:spcPct val="100000"/>
+              </a:lnSpc>
+              <a:spcBef>
+                <a:spcPts val="0"/>
+              </a:spcBef>
+              <a:spcAft>
+                <a:spcPts val="0"/>
+              </a:spcAft>
+              <a:buClr>
+                <a:schemeClr val="dk1"/>
+              </a:buClr>
+              <a:buSzPts val="900"/>
+              <a:buFont typeface="Calibri"/>
+              <a:buChar char="●"/>
+            </a:pPr>
+            <a:r>
+              <a:rPr lang="en" sz="900" u="sng">
+                <a:solidFill>
+                  <a:schemeClr val="hlink"/>
+                </a:solidFill>
+                <a:latin typeface="Calibri"/>
+                <a:ea typeface="Calibri"/>
+                <a:cs typeface="Calibri"/>
+                <a:sym typeface="Calibri"/>
+                <a:hlinkClick r:id="rId8"/>
+              </a:rPr>
+              <a:t>https://www.cfabenchmark.com/paper.pdf</a:t>
+            </a:r>
+            <a:r>
+              <a:rPr lang="en" sz="900">
+                <a:solidFill>
+                  <a:schemeClr val="dk1"/>
+                </a:solidFill>
+                <a:latin typeface="Calibri"/>
+                <a:ea typeface="Calibri"/>
+                <a:cs typeface="Calibri"/>
+                <a:sym typeface="Calibri"/>
+              </a:rPr>
+              <a:t> </a:t>
+            </a:r>
+            <a:endParaRPr sz="900">
+              <a:solidFill>
+                <a:schemeClr val="dk1"/>
+              </a:solidFill>
+              <a:latin typeface="Calibri"/>
+              <a:ea typeface="Calibri"/>
+              <a:cs typeface="Calibri"/>
+              <a:sym typeface="Calibri"/>
+            </a:endParaRPr>
+          </a:p>
+        </p:txBody>
+      </p:sp>
+      <p:pic>
+        <p:nvPicPr>
+          <p:cNvPr id="248" name="Google Shape;248;p23"/>
+          <p:cNvPicPr preferRelativeResize="0"/>
+          <p:nvPr/>
+        </p:nvPicPr>
+        <p:blipFill>
+          <a:blip r:embed="rId9" cstate="email">
+            <a:alphaModFix/>
+            <a:extLst>
+              <a:ext uri="{28A0092B-C50C-407E-A947-70E740481C1C}">
+                <a14:useLocalDpi xmlns:a14="http://schemas.microsoft.com/office/drawing/2010/main"/>
+              </a:ext>
+            </a:extLst>
+          </a:blip>
+          <a:stretch>
+            <a:fillRect/>
+          </a:stretch>
+        </p:blipFill>
+        <p:spPr>
+          <a:xfrm>
+            <a:off x="6854250" y="2979425"/>
+            <a:ext cx="2200875" cy="1076825"/>
           </a:xfrm>
           <a:prstGeom prst="rect">
             <a:avLst/>
